--- a/Final/答辩PPT.pptx
+++ b/Final/答辩PPT.pptx
@@ -17,26 +17,35 @@
     <p:sldId id="329" r:id="rId10"/>
     <p:sldId id="324" r:id="rId11"/>
     <p:sldId id="336" r:id="rId12"/>
-    <p:sldId id="322" r:id="rId13"/>
+    <p:sldId id="338" r:id="rId13"/>
+    <p:sldId id="339" r:id="rId14"/>
+    <p:sldId id="346" r:id="rId15"/>
+    <p:sldId id="340" r:id="rId16"/>
+    <p:sldId id="341" r:id="rId17"/>
+    <p:sldId id="342" r:id="rId18"/>
+    <p:sldId id="343" r:id="rId19"/>
+    <p:sldId id="344" r:id="rId20"/>
+    <p:sldId id="345" r:id="rId21"/>
+    <p:sldId id="322" r:id="rId22"/>
   </p:sldIdLst>
   <p:sldSz cx="12192000" cy="6858000"/>
   <p:notesSz cx="6858000" cy="9144000"/>
   <p:embeddedFontLst>
     <p:embeddedFont>
       <p:font typeface="微软雅黑" panose="020B0503020204020204" pitchFamily="34" charset="-122"/>
-      <p:regular r:id="rId17"/>
+      <p:regular r:id="rId26"/>
     </p:embeddedFont>
     <p:embeddedFont>
       <p:font typeface="等线" panose="02010600030101010101" charset="-122"/>
-      <p:regular r:id="rId18"/>
+      <p:regular r:id="rId27"/>
     </p:embeddedFont>
     <p:embeddedFont>
       <p:font typeface="等线 Light" panose="02010600030101010101" charset="-122"/>
-      <p:regular r:id="rId19"/>
+      <p:regular r:id="rId28"/>
     </p:embeddedFont>
   </p:embeddedFontLst>
   <p:custDataLst>
-    <p:tags r:id="rId20"/>
+    <p:tags r:id="rId29"/>
   </p:custDataLst>
   <p:defaultTextStyle>
     <a:defPPr>
@@ -136,12 +145,12 @@
   <p:extLst>
     <p:ext uri="{EFAFB233-063F-42B5-8137-9DF3F51BA10A}">
       <p15:sldGuideLst xmlns:p15="http://schemas.microsoft.com/office/powerpoint/2012/main">
-        <p15:guide id="1" orient="horz" pos="2033" userDrawn="1">
+        <p15:guide id="1" orient="horz" pos="2062" userDrawn="1">
           <p15:clr>
             <a:srgbClr val="A4A3A4"/>
           </p15:clr>
         </p15:guide>
-        <p15:guide id="2" pos="3852" userDrawn="1">
+        <p15:guide id="2" pos="3840" userDrawn="1">
           <p15:clr>
             <a:srgbClr val="A4A3A4"/>
           </p15:clr>
@@ -6348,8 +6357,8 @@
         </p:nvSpPr>
         <p:spPr>
           <a:xfrm>
-            <a:off x="882503" y="2275367"/>
-            <a:ext cx="4713623" cy="1015663"/>
+            <a:off x="882650" y="2275205"/>
+            <a:ext cx="4907280" cy="1014730"/>
           </a:xfrm>
           <a:prstGeom prst="rect">
             <a:avLst/>
@@ -6755,6 +6764,6333 @@
     <mc:Fallback>
       <p:transition spd="slow">
         <p:fade/>
+      </p:transition>
+    </mc:Fallback>
+  </mc:AlternateContent>
+</p:sld>
+</file>
+
+<file path=ppt/slides/slide10.xml><?xml version="1.0" encoding="utf-8"?>
+<p:sld xmlns:a="http://schemas.openxmlformats.org/drawingml/2006/main" xmlns:r="http://schemas.openxmlformats.org/officeDocument/2006/relationships" xmlns:p="http://schemas.openxmlformats.org/presentationml/2006/main">
+  <p:cSld>
+    <p:spTree>
+      <p:nvGrpSpPr>
+        <p:cNvPr id="1" name=""/>
+        <p:cNvGrpSpPr/>
+        <p:nvPr/>
+      </p:nvGrpSpPr>
+      <p:grpSpPr>
+        <a:xfrm>
+          <a:off x="0" y="0"/>
+          <a:ext cx="0" cy="0"/>
+          <a:chOff x="0" y="0"/>
+          <a:chExt cx="0" cy="0"/>
+        </a:xfrm>
+      </p:grpSpPr>
+      <p:sp>
+        <p:nvSpPr>
+          <p:cNvPr id="2" name="矩形 1"/>
+          <p:cNvSpPr/>
+          <p:nvPr/>
+        </p:nvSpPr>
+        <p:spPr>
+          <a:xfrm>
+            <a:off x="9942286" y="0"/>
+            <a:ext cx="2249715" cy="6858000"/>
+          </a:xfrm>
+          <a:prstGeom prst="rect">
+            <a:avLst/>
+          </a:prstGeom>
+          <a:solidFill>
+            <a:srgbClr val="3843B3"/>
+          </a:solidFill>
+          <a:ln>
+            <a:noFill/>
+          </a:ln>
+        </p:spPr>
+        <p:style>
+          <a:lnRef idx="2">
+            <a:schemeClr val="accent1">
+              <a:shade val="50000"/>
+            </a:schemeClr>
+          </a:lnRef>
+          <a:fillRef idx="1">
+            <a:schemeClr val="accent1"/>
+          </a:fillRef>
+          <a:effectRef idx="0">
+            <a:schemeClr val="accent1"/>
+          </a:effectRef>
+          <a:fontRef idx="minor">
+            <a:schemeClr val="lt1"/>
+          </a:fontRef>
+        </p:style>
+        <p:txBody>
+          <a:bodyPr rtlCol="0" anchor="ctr"/>
+          <a:lstStyle/>
+          <a:p>
+            <a:pPr algn="ctr"/>
+            <a:endParaRPr lang="zh-CN" altLang="en-US" dirty="0">
+              <a:latin typeface="微软雅黑" panose="020B0503020204020204" pitchFamily="34" charset="-122"/>
+              <a:ea typeface="微软雅黑" panose="020B0503020204020204" pitchFamily="34" charset="-122"/>
+            </a:endParaRPr>
+          </a:p>
+        </p:txBody>
+      </p:sp>
+      <p:sp>
+        <p:nvSpPr>
+          <p:cNvPr id="3" name="文本框 2"/>
+          <p:cNvSpPr txBox="1"/>
+          <p:nvPr/>
+        </p:nvSpPr>
+        <p:spPr>
+          <a:xfrm>
+            <a:off x="1425004" y="509861"/>
+            <a:ext cx="2656459" cy="460375"/>
+          </a:xfrm>
+          <a:prstGeom prst="rect">
+            <a:avLst/>
+          </a:prstGeom>
+          <a:noFill/>
+        </p:spPr>
+        <p:txBody>
+          <a:bodyPr wrap="square" rtlCol="0">
+            <a:spAutoFit/>
+          </a:bodyPr>
+          <a:lstStyle/>
+          <a:p>
+            <a:r>
+              <a:rPr lang="zh-CN" sz="2400" b="1" dirty="0">
+                <a:solidFill>
+                  <a:schemeClr val="bg2">
+                    <a:lumMod val="25000"/>
+                  </a:schemeClr>
+                </a:solidFill>
+                <a:latin typeface="微软雅黑" panose="020B0503020204020204" pitchFamily="34" charset="-122"/>
+                <a:ea typeface="微软雅黑" panose="020B0503020204020204" pitchFamily="34" charset="-122"/>
+              </a:rPr>
+              <a:t>项目亮点</a:t>
+            </a:r>
+            <a:endParaRPr lang="zh-CN" sz="2400" b="1" dirty="0">
+              <a:solidFill>
+                <a:schemeClr val="bg2">
+                  <a:lumMod val="25000"/>
+                </a:schemeClr>
+              </a:solidFill>
+              <a:latin typeface="微软雅黑" panose="020B0503020204020204" pitchFamily="34" charset="-122"/>
+              <a:ea typeface="微软雅黑" panose="020B0503020204020204" pitchFamily="34" charset="-122"/>
+            </a:endParaRPr>
+          </a:p>
+        </p:txBody>
+      </p:sp>
+      <p:pic>
+        <p:nvPicPr>
+          <p:cNvPr id="4" name="图形 3"/>
+          <p:cNvPicPr>
+            <a:picLocks noChangeAspect="1"/>
+          </p:cNvPicPr>
+          <p:nvPr/>
+        </p:nvPicPr>
+        <p:blipFill>
+          <a:blip r:embed="rId1">
+            <a:extLst>
+              <a:ext uri="{28A0092B-C50C-407E-A947-70E740481C1C}">
+                <a14:useLocalDpi xmlns:a14="http://schemas.microsoft.com/office/drawing/2010/main" val="0"/>
+              </a:ext>
+              <a:ext uri="{96DAC541-7B7A-43D3-8B79-37D633B846F1}">
+                <asvg:svgBlip xmlns:asvg="http://schemas.microsoft.com/office/drawing/2016/SVG/main" r:embed="rId2"/>
+              </a:ext>
+            </a:extLst>
+          </a:blip>
+          <a:stretch>
+            <a:fillRect/>
+          </a:stretch>
+        </p:blipFill>
+        <p:spPr>
+          <a:xfrm>
+            <a:off x="10516998" y="420430"/>
+            <a:ext cx="1068278" cy="1102192"/>
+          </a:xfrm>
+          <a:prstGeom prst="rect">
+            <a:avLst/>
+          </a:prstGeom>
+        </p:spPr>
+      </p:pic>
+      <p:sp>
+        <p:nvSpPr>
+          <p:cNvPr id="6" name="椭圆 5"/>
+          <p:cNvSpPr/>
+          <p:nvPr/>
+        </p:nvSpPr>
+        <p:spPr>
+          <a:xfrm>
+            <a:off x="968457" y="577043"/>
+            <a:ext cx="327299" cy="327299"/>
+          </a:xfrm>
+          <a:prstGeom prst="ellipse">
+            <a:avLst/>
+          </a:prstGeom>
+          <a:solidFill>
+            <a:srgbClr val="3843B3"/>
+          </a:solidFill>
+          <a:ln w="53975">
+            <a:noFill/>
+          </a:ln>
+        </p:spPr>
+        <p:style>
+          <a:lnRef idx="2">
+            <a:schemeClr val="accent1">
+              <a:shade val="50000"/>
+            </a:schemeClr>
+          </a:lnRef>
+          <a:fillRef idx="1">
+            <a:schemeClr val="accent1"/>
+          </a:fillRef>
+          <a:effectRef idx="0">
+            <a:schemeClr val="accent1"/>
+          </a:effectRef>
+          <a:fontRef idx="minor">
+            <a:schemeClr val="lt1"/>
+          </a:fontRef>
+        </p:style>
+        <p:txBody>
+          <a:bodyPr rtlCol="0" anchor="ctr"/>
+          <a:lstStyle/>
+          <a:p>
+            <a:pPr algn="ctr"/>
+            <a:endParaRPr lang="zh-CN" altLang="en-US" sz="1400" b="1" dirty="0">
+              <a:latin typeface="微软雅黑" panose="020B0503020204020204" pitchFamily="34" charset="-122"/>
+              <a:ea typeface="微软雅黑" panose="020B0503020204020204" pitchFamily="34" charset="-122"/>
+            </a:endParaRPr>
+          </a:p>
+        </p:txBody>
+      </p:sp>
+      <p:sp>
+        <p:nvSpPr>
+          <p:cNvPr id="8" name="文本框 7"/>
+          <p:cNvSpPr txBox="1"/>
+          <p:nvPr/>
+        </p:nvSpPr>
+        <p:spPr>
+          <a:xfrm>
+            <a:off x="10152185" y="3543898"/>
+            <a:ext cx="1787029" cy="460375"/>
+          </a:xfrm>
+          <a:prstGeom prst="rect">
+            <a:avLst/>
+          </a:prstGeom>
+          <a:noFill/>
+        </p:spPr>
+        <p:txBody>
+          <a:bodyPr wrap="square" rtlCol="0">
+            <a:spAutoFit/>
+          </a:bodyPr>
+          <a:lstStyle/>
+          <a:p>
+            <a:r>
+              <a:rPr lang="zh-CN" sz="2400" dirty="0">
+                <a:solidFill>
+                  <a:schemeClr val="bg1"/>
+                </a:solidFill>
+                <a:latin typeface="微软雅黑" panose="020B0503020204020204" pitchFamily="34" charset="-122"/>
+                <a:ea typeface="微软雅黑" panose="020B0503020204020204" pitchFamily="34" charset="-122"/>
+              </a:rPr>
+              <a:t>项目亮点</a:t>
+            </a:r>
+            <a:endParaRPr lang="zh-CN" sz="2400" dirty="0">
+              <a:solidFill>
+                <a:schemeClr val="bg1"/>
+              </a:solidFill>
+              <a:latin typeface="微软雅黑" panose="020B0503020204020204" pitchFamily="34" charset="-122"/>
+              <a:ea typeface="微软雅黑" panose="020B0503020204020204" pitchFamily="34" charset="-122"/>
+            </a:endParaRPr>
+          </a:p>
+        </p:txBody>
+      </p:sp>
+      <p:sp>
+        <p:nvSpPr>
+          <p:cNvPr id="9" name="文本框 8"/>
+          <p:cNvSpPr txBox="1"/>
+          <p:nvPr/>
+        </p:nvSpPr>
+        <p:spPr>
+          <a:xfrm>
+            <a:off x="10152185" y="2963349"/>
+            <a:ext cx="1787029" cy="460375"/>
+          </a:xfrm>
+          <a:prstGeom prst="rect">
+            <a:avLst/>
+          </a:prstGeom>
+          <a:noFill/>
+        </p:spPr>
+        <p:txBody>
+          <a:bodyPr wrap="square" rtlCol="0">
+            <a:spAutoFit/>
+          </a:bodyPr>
+          <a:lstStyle/>
+          <a:p>
+            <a:r>
+              <a:rPr lang="zh-CN" sz="2400" dirty="0">
+                <a:solidFill>
+                  <a:schemeClr val="bg1">
+                    <a:lumMod val="65000"/>
+                  </a:schemeClr>
+                </a:solidFill>
+                <a:latin typeface="微软雅黑" panose="020B0503020204020204" pitchFamily="34" charset="-122"/>
+                <a:ea typeface="微软雅黑" panose="020B0503020204020204" pitchFamily="34" charset="-122"/>
+              </a:rPr>
+              <a:t>项目功能</a:t>
+            </a:r>
+            <a:endParaRPr lang="zh-CN" sz="2400" dirty="0">
+              <a:solidFill>
+                <a:schemeClr val="bg1">
+                  <a:lumMod val="65000"/>
+                </a:schemeClr>
+              </a:solidFill>
+              <a:latin typeface="微软雅黑" panose="020B0503020204020204" pitchFamily="34" charset="-122"/>
+              <a:ea typeface="微软雅黑" panose="020B0503020204020204" pitchFamily="34" charset="-122"/>
+            </a:endParaRPr>
+          </a:p>
+        </p:txBody>
+      </p:sp>
+      <p:sp>
+        <p:nvSpPr>
+          <p:cNvPr id="10" name="文本框 9"/>
+          <p:cNvSpPr txBox="1"/>
+          <p:nvPr/>
+        </p:nvSpPr>
+        <p:spPr>
+          <a:xfrm>
+            <a:off x="10152673" y="2383435"/>
+            <a:ext cx="1787029" cy="460375"/>
+          </a:xfrm>
+          <a:prstGeom prst="rect">
+            <a:avLst/>
+          </a:prstGeom>
+          <a:noFill/>
+        </p:spPr>
+        <p:txBody>
+          <a:bodyPr wrap="square" rtlCol="0">
+            <a:spAutoFit/>
+          </a:bodyPr>
+          <a:lstStyle/>
+          <a:p>
+            <a:r>
+              <a:rPr lang="zh-CN" sz="2400" dirty="0">
+                <a:solidFill>
+                  <a:schemeClr val="bg1">
+                    <a:lumMod val="65000"/>
+                  </a:schemeClr>
+                </a:solidFill>
+                <a:latin typeface="微软雅黑" panose="020B0503020204020204" pitchFamily="34" charset="-122"/>
+                <a:ea typeface="微软雅黑" panose="020B0503020204020204" pitchFamily="34" charset="-122"/>
+              </a:rPr>
+              <a:t>项目介绍</a:t>
+            </a:r>
+            <a:endParaRPr lang="zh-CN" sz="2400" dirty="0">
+              <a:solidFill>
+                <a:schemeClr val="bg1">
+                  <a:lumMod val="65000"/>
+                </a:schemeClr>
+              </a:solidFill>
+              <a:latin typeface="微软雅黑" panose="020B0503020204020204" pitchFamily="34" charset="-122"/>
+              <a:ea typeface="微软雅黑" panose="020B0503020204020204" pitchFamily="34" charset="-122"/>
+            </a:endParaRPr>
+          </a:p>
+        </p:txBody>
+      </p:sp>
+      <p:sp>
+        <p:nvSpPr>
+          <p:cNvPr id="12" name="文本框 11"/>
+          <p:cNvSpPr txBox="1"/>
+          <p:nvPr/>
+        </p:nvSpPr>
+        <p:spPr>
+          <a:xfrm>
+            <a:off x="13160668" y="4205567"/>
+            <a:ext cx="1787029" cy="461665"/>
+          </a:xfrm>
+          <a:prstGeom prst="rect">
+            <a:avLst/>
+          </a:prstGeom>
+          <a:noFill/>
+        </p:spPr>
+        <p:txBody>
+          <a:bodyPr wrap="square" rtlCol="0">
+            <a:spAutoFit/>
+          </a:bodyPr>
+          <a:lstStyle/>
+          <a:p>
+            <a:r>
+              <a:rPr lang="zh-CN" altLang="en-US" sz="2400" dirty="0">
+                <a:solidFill>
+                  <a:schemeClr val="bg1">
+                    <a:lumMod val="65000"/>
+                  </a:schemeClr>
+                </a:solidFill>
+                <a:latin typeface="微软雅黑" panose="020B0503020204020204" pitchFamily="34" charset="-122"/>
+                <a:ea typeface="微软雅黑" panose="020B0503020204020204" pitchFamily="34" charset="-122"/>
+              </a:rPr>
+              <a:t>汇报题目</a:t>
+            </a:r>
+            <a:r>
+              <a:rPr lang="en-US" altLang="zh-CN" sz="2400" dirty="0">
+                <a:solidFill>
+                  <a:schemeClr val="bg1">
+                    <a:lumMod val="65000"/>
+                  </a:schemeClr>
+                </a:solidFill>
+                <a:latin typeface="微软雅黑" panose="020B0503020204020204" pitchFamily="34" charset="-122"/>
+                <a:ea typeface="微软雅黑" panose="020B0503020204020204" pitchFamily="34" charset="-122"/>
+              </a:rPr>
+              <a:t>5</a:t>
+            </a:r>
+            <a:endParaRPr lang="zh-CN" altLang="en-US" sz="2400" dirty="0">
+              <a:solidFill>
+                <a:schemeClr val="bg1">
+                  <a:lumMod val="65000"/>
+                </a:schemeClr>
+              </a:solidFill>
+              <a:latin typeface="微软雅黑" panose="020B0503020204020204" pitchFamily="34" charset="-122"/>
+              <a:ea typeface="微软雅黑" panose="020B0503020204020204" pitchFamily="34" charset="-122"/>
+            </a:endParaRPr>
+          </a:p>
+        </p:txBody>
+      </p:sp>
+      <p:sp>
+        <p:nvSpPr>
+          <p:cNvPr id="5" name="文本框 4"/>
+          <p:cNvSpPr txBox="1"/>
+          <p:nvPr/>
+        </p:nvSpPr>
+        <p:spPr>
+          <a:xfrm>
+            <a:off x="815340" y="1262380"/>
+            <a:ext cx="6070600" cy="645160"/>
+          </a:xfrm>
+          <a:prstGeom prst="rect">
+            <a:avLst/>
+          </a:prstGeom>
+          <a:noFill/>
+        </p:spPr>
+        <p:txBody>
+          <a:bodyPr wrap="square" rtlCol="0">
+            <a:spAutoFit/>
+          </a:bodyPr>
+          <a:p>
+            <a:pPr indent="0">
+              <a:buNone/>
+            </a:pPr>
+            <a:r>
+              <a:rPr lang="en-US" altLang="zh-CN"/>
+              <a:t>5. </a:t>
+            </a:r>
+            <a:r>
+              <a:rPr lang="zh-CN" altLang="en-US">
+                <a:sym typeface="+mn-ea"/>
+              </a:rPr>
+              <a:t>使用</a:t>
+            </a:r>
+            <a:r>
+              <a:rPr lang="en-US" altLang="zh-CN">
+                <a:sym typeface="+mn-ea"/>
+              </a:rPr>
+              <a:t>postman</a:t>
+            </a:r>
+            <a:r>
+              <a:rPr lang="zh-CN" altLang="en-US">
+                <a:sym typeface="+mn-ea"/>
+              </a:rPr>
+              <a:t>测试接口</a:t>
+            </a:r>
+            <a:endParaRPr lang="zh-CN" altLang="en-US"/>
+          </a:p>
+          <a:p>
+            <a:pPr marL="342900" indent="-342900">
+              <a:buAutoNum type="arabicPeriod"/>
+            </a:pPr>
+            <a:endParaRPr lang="en-US" altLang="zh-CN"/>
+          </a:p>
+        </p:txBody>
+      </p:sp>
+    </p:spTree>
+  </p:cSld>
+  <p:clrMapOvr>
+    <a:masterClrMapping/>
+  </p:clrMapOvr>
+  <mc:AlternateContent xmlns:mc="http://schemas.openxmlformats.org/markup-compatibility/2006" xmlns:p159="http://schemas.microsoft.com/office/powerpoint/2015/09/main">
+    <mc:Choice Requires="p159">
+      <p:transition xmlns:p14="http://schemas.microsoft.com/office/powerpoint/2010/main" spd="slow" p14:dur="1250">
+        <p159:morph option="byObject"/>
+      </p:transition>
+    </mc:Choice>
+    <mc:Fallback>
+      <p:transition spd="slow">
+        <p:fade/>
+      </p:transition>
+    </mc:Fallback>
+  </mc:AlternateContent>
+  <p:timing>
+    <p:tnLst>
+      <p:par>
+        <p:cTn id="1" dur="indefinite" restart="never" nodeType="tmRoot"/>
+      </p:par>
+    </p:tnLst>
+  </p:timing>
+</p:sld>
+</file>
+
+<file path=ppt/slides/slide11.xml><?xml version="1.0" encoding="utf-8"?>
+<p:sld xmlns:a="http://schemas.openxmlformats.org/drawingml/2006/main" xmlns:r="http://schemas.openxmlformats.org/officeDocument/2006/relationships" xmlns:p="http://schemas.openxmlformats.org/presentationml/2006/main">
+  <p:cSld>
+    <p:spTree>
+      <p:nvGrpSpPr>
+        <p:cNvPr id="1" name=""/>
+        <p:cNvGrpSpPr/>
+        <p:nvPr/>
+      </p:nvGrpSpPr>
+      <p:grpSpPr>
+        <a:xfrm>
+          <a:off x="0" y="0"/>
+          <a:ext cx="0" cy="0"/>
+          <a:chOff x="0" y="0"/>
+          <a:chExt cx="0" cy="0"/>
+        </a:xfrm>
+      </p:grpSpPr>
+      <p:sp>
+        <p:nvSpPr>
+          <p:cNvPr id="2" name="矩形 1"/>
+          <p:cNvSpPr/>
+          <p:nvPr/>
+        </p:nvSpPr>
+        <p:spPr>
+          <a:xfrm>
+            <a:off x="9942286" y="0"/>
+            <a:ext cx="2249715" cy="6858000"/>
+          </a:xfrm>
+          <a:prstGeom prst="rect">
+            <a:avLst/>
+          </a:prstGeom>
+          <a:solidFill>
+            <a:srgbClr val="3843B3"/>
+          </a:solidFill>
+          <a:ln>
+            <a:noFill/>
+          </a:ln>
+        </p:spPr>
+        <p:style>
+          <a:lnRef idx="2">
+            <a:schemeClr val="accent1">
+              <a:shade val="50000"/>
+            </a:schemeClr>
+          </a:lnRef>
+          <a:fillRef idx="1">
+            <a:schemeClr val="accent1"/>
+          </a:fillRef>
+          <a:effectRef idx="0">
+            <a:schemeClr val="accent1"/>
+          </a:effectRef>
+          <a:fontRef idx="minor">
+            <a:schemeClr val="lt1"/>
+          </a:fontRef>
+        </p:style>
+        <p:txBody>
+          <a:bodyPr rtlCol="0" anchor="ctr"/>
+          <a:lstStyle/>
+          <a:p>
+            <a:pPr algn="ctr"/>
+            <a:endParaRPr lang="zh-CN" altLang="en-US" dirty="0">
+              <a:latin typeface="微软雅黑" panose="020B0503020204020204" pitchFamily="34" charset="-122"/>
+              <a:ea typeface="微软雅黑" panose="020B0503020204020204" pitchFamily="34" charset="-122"/>
+            </a:endParaRPr>
+          </a:p>
+        </p:txBody>
+      </p:sp>
+      <p:sp>
+        <p:nvSpPr>
+          <p:cNvPr id="3" name="文本框 2"/>
+          <p:cNvSpPr txBox="1"/>
+          <p:nvPr/>
+        </p:nvSpPr>
+        <p:spPr>
+          <a:xfrm>
+            <a:off x="1425004" y="509861"/>
+            <a:ext cx="2656459" cy="460375"/>
+          </a:xfrm>
+          <a:prstGeom prst="rect">
+            <a:avLst/>
+          </a:prstGeom>
+          <a:noFill/>
+        </p:spPr>
+        <p:txBody>
+          <a:bodyPr wrap="square" rtlCol="0">
+            <a:spAutoFit/>
+          </a:bodyPr>
+          <a:lstStyle/>
+          <a:p>
+            <a:r>
+              <a:rPr lang="zh-CN" sz="2400" b="1" dirty="0">
+                <a:solidFill>
+                  <a:schemeClr val="bg2">
+                    <a:lumMod val="25000"/>
+                  </a:schemeClr>
+                </a:solidFill>
+                <a:latin typeface="微软雅黑" panose="020B0503020204020204" pitchFamily="34" charset="-122"/>
+                <a:ea typeface="微软雅黑" panose="020B0503020204020204" pitchFamily="34" charset="-122"/>
+              </a:rPr>
+              <a:t>项目亮点</a:t>
+            </a:r>
+            <a:endParaRPr lang="zh-CN" sz="2400" b="1" dirty="0">
+              <a:solidFill>
+                <a:schemeClr val="bg2">
+                  <a:lumMod val="25000"/>
+                </a:schemeClr>
+              </a:solidFill>
+              <a:latin typeface="微软雅黑" panose="020B0503020204020204" pitchFamily="34" charset="-122"/>
+              <a:ea typeface="微软雅黑" panose="020B0503020204020204" pitchFamily="34" charset="-122"/>
+            </a:endParaRPr>
+          </a:p>
+        </p:txBody>
+      </p:sp>
+      <p:pic>
+        <p:nvPicPr>
+          <p:cNvPr id="4" name="图形 3"/>
+          <p:cNvPicPr>
+            <a:picLocks noChangeAspect="1"/>
+          </p:cNvPicPr>
+          <p:nvPr/>
+        </p:nvPicPr>
+        <p:blipFill>
+          <a:blip r:embed="rId1">
+            <a:extLst>
+              <a:ext uri="{28A0092B-C50C-407E-A947-70E740481C1C}">
+                <a14:useLocalDpi xmlns:a14="http://schemas.microsoft.com/office/drawing/2010/main" val="0"/>
+              </a:ext>
+              <a:ext uri="{96DAC541-7B7A-43D3-8B79-37D633B846F1}">
+                <asvg:svgBlip xmlns:asvg="http://schemas.microsoft.com/office/drawing/2016/SVG/main" r:embed="rId2"/>
+              </a:ext>
+            </a:extLst>
+          </a:blip>
+          <a:stretch>
+            <a:fillRect/>
+          </a:stretch>
+        </p:blipFill>
+        <p:spPr>
+          <a:xfrm>
+            <a:off x="10516998" y="420430"/>
+            <a:ext cx="1068278" cy="1102192"/>
+          </a:xfrm>
+          <a:prstGeom prst="rect">
+            <a:avLst/>
+          </a:prstGeom>
+        </p:spPr>
+      </p:pic>
+      <p:sp>
+        <p:nvSpPr>
+          <p:cNvPr id="6" name="椭圆 5"/>
+          <p:cNvSpPr/>
+          <p:nvPr/>
+        </p:nvSpPr>
+        <p:spPr>
+          <a:xfrm>
+            <a:off x="968457" y="577043"/>
+            <a:ext cx="327299" cy="327299"/>
+          </a:xfrm>
+          <a:prstGeom prst="ellipse">
+            <a:avLst/>
+          </a:prstGeom>
+          <a:solidFill>
+            <a:srgbClr val="3843B3"/>
+          </a:solidFill>
+          <a:ln w="53975">
+            <a:noFill/>
+          </a:ln>
+        </p:spPr>
+        <p:style>
+          <a:lnRef idx="2">
+            <a:schemeClr val="accent1">
+              <a:shade val="50000"/>
+            </a:schemeClr>
+          </a:lnRef>
+          <a:fillRef idx="1">
+            <a:schemeClr val="accent1"/>
+          </a:fillRef>
+          <a:effectRef idx="0">
+            <a:schemeClr val="accent1"/>
+          </a:effectRef>
+          <a:fontRef idx="minor">
+            <a:schemeClr val="lt1"/>
+          </a:fontRef>
+        </p:style>
+        <p:txBody>
+          <a:bodyPr rtlCol="0" anchor="ctr"/>
+          <a:lstStyle/>
+          <a:p>
+            <a:pPr algn="ctr"/>
+            <a:endParaRPr lang="zh-CN" altLang="en-US" sz="1400" b="1" dirty="0">
+              <a:latin typeface="微软雅黑" panose="020B0503020204020204" pitchFamily="34" charset="-122"/>
+              <a:ea typeface="微软雅黑" panose="020B0503020204020204" pitchFamily="34" charset="-122"/>
+            </a:endParaRPr>
+          </a:p>
+        </p:txBody>
+      </p:sp>
+      <p:sp>
+        <p:nvSpPr>
+          <p:cNvPr id="8" name="文本框 7"/>
+          <p:cNvSpPr txBox="1"/>
+          <p:nvPr/>
+        </p:nvSpPr>
+        <p:spPr>
+          <a:xfrm>
+            <a:off x="10152185" y="3543898"/>
+            <a:ext cx="1787029" cy="460375"/>
+          </a:xfrm>
+          <a:prstGeom prst="rect">
+            <a:avLst/>
+          </a:prstGeom>
+          <a:noFill/>
+        </p:spPr>
+        <p:txBody>
+          <a:bodyPr wrap="square" rtlCol="0">
+            <a:spAutoFit/>
+          </a:bodyPr>
+          <a:lstStyle/>
+          <a:p>
+            <a:r>
+              <a:rPr lang="zh-CN" sz="2400" dirty="0">
+                <a:solidFill>
+                  <a:schemeClr val="bg1"/>
+                </a:solidFill>
+                <a:latin typeface="微软雅黑" panose="020B0503020204020204" pitchFamily="34" charset="-122"/>
+                <a:ea typeface="微软雅黑" panose="020B0503020204020204" pitchFamily="34" charset="-122"/>
+              </a:rPr>
+              <a:t>项目亮点</a:t>
+            </a:r>
+            <a:endParaRPr lang="zh-CN" sz="2400" dirty="0">
+              <a:solidFill>
+                <a:schemeClr val="bg1"/>
+              </a:solidFill>
+              <a:latin typeface="微软雅黑" panose="020B0503020204020204" pitchFamily="34" charset="-122"/>
+              <a:ea typeface="微软雅黑" panose="020B0503020204020204" pitchFamily="34" charset="-122"/>
+            </a:endParaRPr>
+          </a:p>
+        </p:txBody>
+      </p:sp>
+      <p:sp>
+        <p:nvSpPr>
+          <p:cNvPr id="9" name="文本框 8"/>
+          <p:cNvSpPr txBox="1"/>
+          <p:nvPr/>
+        </p:nvSpPr>
+        <p:spPr>
+          <a:xfrm>
+            <a:off x="10152185" y="2963349"/>
+            <a:ext cx="1787029" cy="460375"/>
+          </a:xfrm>
+          <a:prstGeom prst="rect">
+            <a:avLst/>
+          </a:prstGeom>
+          <a:noFill/>
+        </p:spPr>
+        <p:txBody>
+          <a:bodyPr wrap="square" rtlCol="0">
+            <a:spAutoFit/>
+          </a:bodyPr>
+          <a:lstStyle/>
+          <a:p>
+            <a:r>
+              <a:rPr lang="zh-CN" sz="2400" dirty="0">
+                <a:solidFill>
+                  <a:schemeClr val="bg1">
+                    <a:lumMod val="65000"/>
+                  </a:schemeClr>
+                </a:solidFill>
+                <a:latin typeface="微软雅黑" panose="020B0503020204020204" pitchFamily="34" charset="-122"/>
+                <a:ea typeface="微软雅黑" panose="020B0503020204020204" pitchFamily="34" charset="-122"/>
+              </a:rPr>
+              <a:t>项目功能</a:t>
+            </a:r>
+            <a:endParaRPr lang="zh-CN" sz="2400" dirty="0">
+              <a:solidFill>
+                <a:schemeClr val="bg1">
+                  <a:lumMod val="65000"/>
+                </a:schemeClr>
+              </a:solidFill>
+              <a:latin typeface="微软雅黑" panose="020B0503020204020204" pitchFamily="34" charset="-122"/>
+              <a:ea typeface="微软雅黑" panose="020B0503020204020204" pitchFamily="34" charset="-122"/>
+            </a:endParaRPr>
+          </a:p>
+        </p:txBody>
+      </p:sp>
+      <p:sp>
+        <p:nvSpPr>
+          <p:cNvPr id="10" name="文本框 9"/>
+          <p:cNvSpPr txBox="1"/>
+          <p:nvPr/>
+        </p:nvSpPr>
+        <p:spPr>
+          <a:xfrm>
+            <a:off x="10152673" y="2383435"/>
+            <a:ext cx="1787029" cy="460375"/>
+          </a:xfrm>
+          <a:prstGeom prst="rect">
+            <a:avLst/>
+          </a:prstGeom>
+          <a:noFill/>
+        </p:spPr>
+        <p:txBody>
+          <a:bodyPr wrap="square" rtlCol="0">
+            <a:spAutoFit/>
+          </a:bodyPr>
+          <a:lstStyle/>
+          <a:p>
+            <a:r>
+              <a:rPr lang="zh-CN" sz="2400" dirty="0">
+                <a:solidFill>
+                  <a:schemeClr val="bg1">
+                    <a:lumMod val="65000"/>
+                  </a:schemeClr>
+                </a:solidFill>
+                <a:latin typeface="微软雅黑" panose="020B0503020204020204" pitchFamily="34" charset="-122"/>
+                <a:ea typeface="微软雅黑" panose="020B0503020204020204" pitchFamily="34" charset="-122"/>
+              </a:rPr>
+              <a:t>项目介绍</a:t>
+            </a:r>
+            <a:endParaRPr lang="zh-CN" sz="2400" dirty="0">
+              <a:solidFill>
+                <a:schemeClr val="bg1">
+                  <a:lumMod val="65000"/>
+                </a:schemeClr>
+              </a:solidFill>
+              <a:latin typeface="微软雅黑" panose="020B0503020204020204" pitchFamily="34" charset="-122"/>
+              <a:ea typeface="微软雅黑" panose="020B0503020204020204" pitchFamily="34" charset="-122"/>
+            </a:endParaRPr>
+          </a:p>
+        </p:txBody>
+      </p:sp>
+      <p:sp>
+        <p:nvSpPr>
+          <p:cNvPr id="12" name="文本框 11"/>
+          <p:cNvSpPr txBox="1"/>
+          <p:nvPr/>
+        </p:nvSpPr>
+        <p:spPr>
+          <a:xfrm>
+            <a:off x="13160668" y="4205567"/>
+            <a:ext cx="1787029" cy="461665"/>
+          </a:xfrm>
+          <a:prstGeom prst="rect">
+            <a:avLst/>
+          </a:prstGeom>
+          <a:noFill/>
+        </p:spPr>
+        <p:txBody>
+          <a:bodyPr wrap="square" rtlCol="0">
+            <a:spAutoFit/>
+          </a:bodyPr>
+          <a:lstStyle/>
+          <a:p>
+            <a:r>
+              <a:rPr lang="zh-CN" altLang="en-US" sz="2400" dirty="0">
+                <a:solidFill>
+                  <a:schemeClr val="bg1">
+                    <a:lumMod val="65000"/>
+                  </a:schemeClr>
+                </a:solidFill>
+                <a:latin typeface="微软雅黑" panose="020B0503020204020204" pitchFamily="34" charset="-122"/>
+                <a:ea typeface="微软雅黑" panose="020B0503020204020204" pitchFamily="34" charset="-122"/>
+              </a:rPr>
+              <a:t>汇报题目</a:t>
+            </a:r>
+            <a:r>
+              <a:rPr lang="en-US" altLang="zh-CN" sz="2400" dirty="0">
+                <a:solidFill>
+                  <a:schemeClr val="bg1">
+                    <a:lumMod val="65000"/>
+                  </a:schemeClr>
+                </a:solidFill>
+                <a:latin typeface="微软雅黑" panose="020B0503020204020204" pitchFamily="34" charset="-122"/>
+                <a:ea typeface="微软雅黑" panose="020B0503020204020204" pitchFamily="34" charset="-122"/>
+              </a:rPr>
+              <a:t>5</a:t>
+            </a:r>
+            <a:endParaRPr lang="zh-CN" altLang="en-US" sz="2400" dirty="0">
+              <a:solidFill>
+                <a:schemeClr val="bg1">
+                  <a:lumMod val="65000"/>
+                </a:schemeClr>
+              </a:solidFill>
+              <a:latin typeface="微软雅黑" panose="020B0503020204020204" pitchFamily="34" charset="-122"/>
+              <a:ea typeface="微软雅黑" panose="020B0503020204020204" pitchFamily="34" charset="-122"/>
+            </a:endParaRPr>
+          </a:p>
+        </p:txBody>
+      </p:sp>
+      <p:sp>
+        <p:nvSpPr>
+          <p:cNvPr id="5" name="文本框 4"/>
+          <p:cNvSpPr txBox="1"/>
+          <p:nvPr/>
+        </p:nvSpPr>
+        <p:spPr>
+          <a:xfrm>
+            <a:off x="434340" y="970280"/>
+            <a:ext cx="6070600" cy="645160"/>
+          </a:xfrm>
+          <a:prstGeom prst="rect">
+            <a:avLst/>
+          </a:prstGeom>
+          <a:noFill/>
+        </p:spPr>
+        <p:txBody>
+          <a:bodyPr wrap="square" rtlCol="0">
+            <a:spAutoFit/>
+          </a:bodyPr>
+          <a:p>
+            <a:pPr indent="0">
+              <a:buNone/>
+            </a:pPr>
+            <a:r>
+              <a:rPr lang="en-US" altLang="zh-CN"/>
+              <a:t>5. </a:t>
+            </a:r>
+            <a:r>
+              <a:rPr lang="zh-CN" altLang="en-US">
+                <a:sym typeface="+mn-ea"/>
+              </a:rPr>
+              <a:t>使用</a:t>
+            </a:r>
+            <a:r>
+              <a:rPr lang="en-US" altLang="zh-CN">
+                <a:sym typeface="+mn-ea"/>
+              </a:rPr>
+              <a:t>postman</a:t>
+            </a:r>
+            <a:r>
+              <a:rPr lang="zh-CN" altLang="en-US">
+                <a:sym typeface="+mn-ea"/>
+              </a:rPr>
+              <a:t>测试接口</a:t>
+            </a:r>
+            <a:endParaRPr lang="zh-CN" altLang="en-US"/>
+          </a:p>
+          <a:p>
+            <a:pPr marL="342900" indent="-342900">
+              <a:buAutoNum type="arabicPeriod"/>
+            </a:pPr>
+            <a:endParaRPr lang="en-US" altLang="zh-CN"/>
+          </a:p>
+        </p:txBody>
+      </p:sp>
+      <p:pic>
+        <p:nvPicPr>
+          <p:cNvPr id="7" name="图片 6"/>
+          <p:cNvPicPr>
+            <a:picLocks noChangeAspect="1"/>
+          </p:cNvPicPr>
+          <p:nvPr/>
+        </p:nvPicPr>
+        <p:blipFill>
+          <a:blip r:embed="rId3"/>
+          <a:stretch>
+            <a:fillRect/>
+          </a:stretch>
+        </p:blipFill>
+        <p:spPr>
+          <a:xfrm>
+            <a:off x="-95250" y="201295"/>
+            <a:ext cx="12287250" cy="6656705"/>
+          </a:xfrm>
+          <a:prstGeom prst="rect">
+            <a:avLst/>
+          </a:prstGeom>
+        </p:spPr>
+      </p:pic>
+    </p:spTree>
+  </p:cSld>
+  <p:clrMapOvr>
+    <a:masterClrMapping/>
+  </p:clrMapOvr>
+  <mc:AlternateContent xmlns:mc="http://schemas.openxmlformats.org/markup-compatibility/2006" xmlns:p159="http://schemas.microsoft.com/office/powerpoint/2015/09/main">
+    <mc:Choice Requires="p159">
+      <p:transition xmlns:p14="http://schemas.microsoft.com/office/powerpoint/2010/main" spd="slow" p14:dur="1250">
+        <p159:morph option="byObject"/>
+      </p:transition>
+    </mc:Choice>
+    <mc:Fallback>
+      <p:transition spd="slow">
+        <p:fade/>
+      </p:transition>
+    </mc:Fallback>
+  </mc:AlternateContent>
+  <p:timing>
+    <p:tnLst>
+      <p:par>
+        <p:cTn id="1" dur="indefinite" restart="never" nodeType="tmRoot">
+          <p:childTnLst>
+            <p:seq concurrent="1" nextAc="seek">
+              <p:cTn id="2" dur="indefinite" nodeType="mainSeq">
+                <p:childTnLst>
+                  <p:par>
+                    <p:cTn id="3" fill="hold">
+                      <p:stCondLst>
+                        <p:cond delay="indefinite"/>
+                      </p:stCondLst>
+                      <p:childTnLst>
+                        <p:par>
+                          <p:cTn id="4" fill="hold">
+                            <p:stCondLst>
+                              <p:cond delay="0"/>
+                            </p:stCondLst>
+                            <p:childTnLst>
+                              <p:par>
+                                <p:cTn id="5" presetID="55" presetClass="entr" presetSubtype="0" fill="hold" nodeType="clickEffect">
+                                  <p:stCondLst>
+                                    <p:cond delay="0"/>
+                                  </p:stCondLst>
+                                  <p:childTnLst>
+                                    <p:set>
+                                      <p:cBhvr>
+                                        <p:cTn id="6" dur="1" fill="hold">
+                                          <p:stCondLst>
+                                            <p:cond delay="0"/>
+                                          </p:stCondLst>
+                                        </p:cTn>
+                                        <p:tgtEl>
+                                          <p:spTgt spid="7"/>
+                                        </p:tgtEl>
+                                        <p:attrNameLst>
+                                          <p:attrName>style.visibility</p:attrName>
+                                        </p:attrNameLst>
+                                      </p:cBhvr>
+                                      <p:to>
+                                        <p:strVal val="visible"/>
+                                      </p:to>
+                                    </p:set>
+                                    <p:anim calcmode="lin" valueType="num">
+                                      <p:cBhvr>
+                                        <p:cTn id="7" dur="1000" fill="hold"/>
+                                        <p:tgtEl>
+                                          <p:spTgt spid="7"/>
+                                        </p:tgtEl>
+                                        <p:attrNameLst>
+                                          <p:attrName>ppt_w</p:attrName>
+                                        </p:attrNameLst>
+                                      </p:cBhvr>
+                                      <p:tavLst>
+                                        <p:tav tm="0">
+                                          <p:val>
+                                            <p:strVal val="#ppt_w*0.70"/>
+                                          </p:val>
+                                        </p:tav>
+                                        <p:tav tm="100000">
+                                          <p:val>
+                                            <p:strVal val="#ppt_w"/>
+                                          </p:val>
+                                        </p:tav>
+                                      </p:tavLst>
+                                    </p:anim>
+                                    <p:anim calcmode="lin" valueType="num">
+                                      <p:cBhvr>
+                                        <p:cTn id="8" dur="1000" fill="hold"/>
+                                        <p:tgtEl>
+                                          <p:spTgt spid="7"/>
+                                        </p:tgtEl>
+                                        <p:attrNameLst>
+                                          <p:attrName>ppt_h</p:attrName>
+                                        </p:attrNameLst>
+                                      </p:cBhvr>
+                                      <p:tavLst>
+                                        <p:tav tm="0">
+                                          <p:val>
+                                            <p:strVal val="#ppt_h"/>
+                                          </p:val>
+                                        </p:tav>
+                                        <p:tav tm="100000">
+                                          <p:val>
+                                            <p:strVal val="#ppt_h"/>
+                                          </p:val>
+                                        </p:tav>
+                                      </p:tavLst>
+                                    </p:anim>
+                                    <p:animEffect transition="in" filter="fade">
+                                      <p:cBhvr>
+                                        <p:cTn id="9" dur="1000"/>
+                                        <p:tgtEl>
+                                          <p:spTgt spid="7"/>
+                                        </p:tgtEl>
+                                      </p:cBhvr>
+                                    </p:animEffect>
+                                  </p:childTnLst>
+                                </p:cTn>
+                              </p:par>
+                            </p:childTnLst>
+                          </p:cTn>
+                        </p:par>
+                      </p:childTnLst>
+                    </p:cTn>
+                  </p:par>
+                </p:childTnLst>
+              </p:cTn>
+              <p:prevCondLst>
+                <p:cond evt="onPrev" delay="0">
+                  <p:tgtEl>
+                    <p:sldTgt/>
+                  </p:tgtEl>
+                </p:cond>
+              </p:prevCondLst>
+              <p:nextCondLst>
+                <p:cond evt="onNext" delay="0">
+                  <p:tgtEl>
+                    <p:sldTgt/>
+                  </p:tgtEl>
+                </p:cond>
+              </p:nextCondLst>
+            </p:seq>
+          </p:childTnLst>
+        </p:cTn>
+      </p:par>
+    </p:tnLst>
+  </p:timing>
+</p:sld>
+</file>
+
+<file path=ppt/slides/slide12.xml><?xml version="1.0" encoding="utf-8"?>
+<p:sld xmlns:a="http://schemas.openxmlformats.org/drawingml/2006/main" xmlns:r="http://schemas.openxmlformats.org/officeDocument/2006/relationships" xmlns:p="http://schemas.openxmlformats.org/presentationml/2006/main">
+  <p:cSld>
+    <p:spTree>
+      <p:nvGrpSpPr>
+        <p:cNvPr id="1" name=""/>
+        <p:cNvGrpSpPr/>
+        <p:nvPr/>
+      </p:nvGrpSpPr>
+      <p:grpSpPr>
+        <a:xfrm>
+          <a:off x="0" y="0"/>
+          <a:ext cx="0" cy="0"/>
+          <a:chOff x="0" y="0"/>
+          <a:chExt cx="0" cy="0"/>
+        </a:xfrm>
+      </p:grpSpPr>
+      <p:sp>
+        <p:nvSpPr>
+          <p:cNvPr id="2" name="矩形 1"/>
+          <p:cNvSpPr/>
+          <p:nvPr/>
+        </p:nvSpPr>
+        <p:spPr>
+          <a:xfrm>
+            <a:off x="9942286" y="0"/>
+            <a:ext cx="2249715" cy="6858000"/>
+          </a:xfrm>
+          <a:prstGeom prst="rect">
+            <a:avLst/>
+          </a:prstGeom>
+          <a:solidFill>
+            <a:srgbClr val="3843B3"/>
+          </a:solidFill>
+          <a:ln>
+            <a:noFill/>
+          </a:ln>
+        </p:spPr>
+        <p:style>
+          <a:lnRef idx="2">
+            <a:schemeClr val="accent1">
+              <a:shade val="50000"/>
+            </a:schemeClr>
+          </a:lnRef>
+          <a:fillRef idx="1">
+            <a:schemeClr val="accent1"/>
+          </a:fillRef>
+          <a:effectRef idx="0">
+            <a:schemeClr val="accent1"/>
+          </a:effectRef>
+          <a:fontRef idx="minor">
+            <a:schemeClr val="lt1"/>
+          </a:fontRef>
+        </p:style>
+        <p:txBody>
+          <a:bodyPr rtlCol="0" anchor="ctr"/>
+          <a:lstStyle/>
+          <a:p>
+            <a:pPr algn="ctr"/>
+            <a:endParaRPr lang="zh-CN" altLang="en-US" dirty="0">
+              <a:latin typeface="微软雅黑" panose="020B0503020204020204" pitchFamily="34" charset="-122"/>
+              <a:ea typeface="微软雅黑" panose="020B0503020204020204" pitchFamily="34" charset="-122"/>
+            </a:endParaRPr>
+          </a:p>
+        </p:txBody>
+      </p:sp>
+      <p:sp>
+        <p:nvSpPr>
+          <p:cNvPr id="3" name="文本框 2"/>
+          <p:cNvSpPr txBox="1"/>
+          <p:nvPr/>
+        </p:nvSpPr>
+        <p:spPr>
+          <a:xfrm>
+            <a:off x="1425004" y="509861"/>
+            <a:ext cx="2656459" cy="460375"/>
+          </a:xfrm>
+          <a:prstGeom prst="rect">
+            <a:avLst/>
+          </a:prstGeom>
+          <a:noFill/>
+        </p:spPr>
+        <p:txBody>
+          <a:bodyPr wrap="square" rtlCol="0">
+            <a:spAutoFit/>
+          </a:bodyPr>
+          <a:lstStyle/>
+          <a:p>
+            <a:r>
+              <a:rPr lang="zh-CN" sz="2400" b="1" dirty="0">
+                <a:solidFill>
+                  <a:schemeClr val="bg2">
+                    <a:lumMod val="25000"/>
+                  </a:schemeClr>
+                </a:solidFill>
+                <a:latin typeface="微软雅黑" panose="020B0503020204020204" pitchFamily="34" charset="-122"/>
+                <a:ea typeface="微软雅黑" panose="020B0503020204020204" pitchFamily="34" charset="-122"/>
+              </a:rPr>
+              <a:t>项目亮点</a:t>
+            </a:r>
+            <a:endParaRPr lang="zh-CN" sz="2400" b="1" dirty="0">
+              <a:solidFill>
+                <a:schemeClr val="bg2">
+                  <a:lumMod val="25000"/>
+                </a:schemeClr>
+              </a:solidFill>
+              <a:latin typeface="微软雅黑" panose="020B0503020204020204" pitchFamily="34" charset="-122"/>
+              <a:ea typeface="微软雅黑" panose="020B0503020204020204" pitchFamily="34" charset="-122"/>
+            </a:endParaRPr>
+          </a:p>
+        </p:txBody>
+      </p:sp>
+      <p:pic>
+        <p:nvPicPr>
+          <p:cNvPr id="4" name="图形 3"/>
+          <p:cNvPicPr>
+            <a:picLocks noChangeAspect="1"/>
+          </p:cNvPicPr>
+          <p:nvPr/>
+        </p:nvPicPr>
+        <p:blipFill>
+          <a:blip r:embed="rId1">
+            <a:extLst>
+              <a:ext uri="{28A0092B-C50C-407E-A947-70E740481C1C}">
+                <a14:useLocalDpi xmlns:a14="http://schemas.microsoft.com/office/drawing/2010/main" val="0"/>
+              </a:ext>
+              <a:ext uri="{96DAC541-7B7A-43D3-8B79-37D633B846F1}">
+                <asvg:svgBlip xmlns:asvg="http://schemas.microsoft.com/office/drawing/2016/SVG/main" r:embed="rId2"/>
+              </a:ext>
+            </a:extLst>
+          </a:blip>
+          <a:stretch>
+            <a:fillRect/>
+          </a:stretch>
+        </p:blipFill>
+        <p:spPr>
+          <a:xfrm>
+            <a:off x="10516998" y="420430"/>
+            <a:ext cx="1068278" cy="1102192"/>
+          </a:xfrm>
+          <a:prstGeom prst="rect">
+            <a:avLst/>
+          </a:prstGeom>
+        </p:spPr>
+      </p:pic>
+      <p:sp>
+        <p:nvSpPr>
+          <p:cNvPr id="6" name="椭圆 5"/>
+          <p:cNvSpPr/>
+          <p:nvPr/>
+        </p:nvSpPr>
+        <p:spPr>
+          <a:xfrm>
+            <a:off x="968457" y="577043"/>
+            <a:ext cx="327299" cy="327299"/>
+          </a:xfrm>
+          <a:prstGeom prst="ellipse">
+            <a:avLst/>
+          </a:prstGeom>
+          <a:solidFill>
+            <a:srgbClr val="3843B3"/>
+          </a:solidFill>
+          <a:ln w="53975">
+            <a:noFill/>
+          </a:ln>
+        </p:spPr>
+        <p:style>
+          <a:lnRef idx="2">
+            <a:schemeClr val="accent1">
+              <a:shade val="50000"/>
+            </a:schemeClr>
+          </a:lnRef>
+          <a:fillRef idx="1">
+            <a:schemeClr val="accent1"/>
+          </a:fillRef>
+          <a:effectRef idx="0">
+            <a:schemeClr val="accent1"/>
+          </a:effectRef>
+          <a:fontRef idx="minor">
+            <a:schemeClr val="lt1"/>
+          </a:fontRef>
+        </p:style>
+        <p:txBody>
+          <a:bodyPr rtlCol="0" anchor="ctr"/>
+          <a:lstStyle/>
+          <a:p>
+            <a:pPr algn="ctr"/>
+            <a:endParaRPr lang="zh-CN" altLang="en-US" sz="1400" b="1" dirty="0">
+              <a:latin typeface="微软雅黑" panose="020B0503020204020204" pitchFamily="34" charset="-122"/>
+              <a:ea typeface="微软雅黑" panose="020B0503020204020204" pitchFamily="34" charset="-122"/>
+            </a:endParaRPr>
+          </a:p>
+        </p:txBody>
+      </p:sp>
+      <p:sp>
+        <p:nvSpPr>
+          <p:cNvPr id="8" name="文本框 7"/>
+          <p:cNvSpPr txBox="1"/>
+          <p:nvPr/>
+        </p:nvSpPr>
+        <p:spPr>
+          <a:xfrm>
+            <a:off x="10152185" y="3543898"/>
+            <a:ext cx="1787029" cy="460375"/>
+          </a:xfrm>
+          <a:prstGeom prst="rect">
+            <a:avLst/>
+          </a:prstGeom>
+          <a:noFill/>
+        </p:spPr>
+        <p:txBody>
+          <a:bodyPr wrap="square" rtlCol="0">
+            <a:spAutoFit/>
+          </a:bodyPr>
+          <a:lstStyle/>
+          <a:p>
+            <a:r>
+              <a:rPr lang="zh-CN" sz="2400" dirty="0">
+                <a:solidFill>
+                  <a:schemeClr val="bg1"/>
+                </a:solidFill>
+                <a:latin typeface="微软雅黑" panose="020B0503020204020204" pitchFamily="34" charset="-122"/>
+                <a:ea typeface="微软雅黑" panose="020B0503020204020204" pitchFamily="34" charset="-122"/>
+              </a:rPr>
+              <a:t>项目亮点</a:t>
+            </a:r>
+            <a:endParaRPr lang="zh-CN" sz="2400" dirty="0">
+              <a:solidFill>
+                <a:schemeClr val="bg1"/>
+              </a:solidFill>
+              <a:latin typeface="微软雅黑" panose="020B0503020204020204" pitchFamily="34" charset="-122"/>
+              <a:ea typeface="微软雅黑" panose="020B0503020204020204" pitchFamily="34" charset="-122"/>
+            </a:endParaRPr>
+          </a:p>
+        </p:txBody>
+      </p:sp>
+      <p:sp>
+        <p:nvSpPr>
+          <p:cNvPr id="9" name="文本框 8"/>
+          <p:cNvSpPr txBox="1"/>
+          <p:nvPr/>
+        </p:nvSpPr>
+        <p:spPr>
+          <a:xfrm>
+            <a:off x="10152185" y="2963349"/>
+            <a:ext cx="1787029" cy="460375"/>
+          </a:xfrm>
+          <a:prstGeom prst="rect">
+            <a:avLst/>
+          </a:prstGeom>
+          <a:noFill/>
+        </p:spPr>
+        <p:txBody>
+          <a:bodyPr wrap="square" rtlCol="0">
+            <a:spAutoFit/>
+          </a:bodyPr>
+          <a:lstStyle/>
+          <a:p>
+            <a:r>
+              <a:rPr lang="zh-CN" sz="2400" dirty="0">
+                <a:solidFill>
+                  <a:schemeClr val="bg1">
+                    <a:lumMod val="65000"/>
+                  </a:schemeClr>
+                </a:solidFill>
+                <a:latin typeface="微软雅黑" panose="020B0503020204020204" pitchFamily="34" charset="-122"/>
+                <a:ea typeface="微软雅黑" panose="020B0503020204020204" pitchFamily="34" charset="-122"/>
+              </a:rPr>
+              <a:t>项目功能</a:t>
+            </a:r>
+            <a:endParaRPr lang="zh-CN" sz="2400" dirty="0">
+              <a:solidFill>
+                <a:schemeClr val="bg1">
+                  <a:lumMod val="65000"/>
+                </a:schemeClr>
+              </a:solidFill>
+              <a:latin typeface="微软雅黑" panose="020B0503020204020204" pitchFamily="34" charset="-122"/>
+              <a:ea typeface="微软雅黑" panose="020B0503020204020204" pitchFamily="34" charset="-122"/>
+            </a:endParaRPr>
+          </a:p>
+        </p:txBody>
+      </p:sp>
+      <p:sp>
+        <p:nvSpPr>
+          <p:cNvPr id="10" name="文本框 9"/>
+          <p:cNvSpPr txBox="1"/>
+          <p:nvPr/>
+        </p:nvSpPr>
+        <p:spPr>
+          <a:xfrm>
+            <a:off x="10152673" y="2383435"/>
+            <a:ext cx="1787029" cy="460375"/>
+          </a:xfrm>
+          <a:prstGeom prst="rect">
+            <a:avLst/>
+          </a:prstGeom>
+          <a:noFill/>
+        </p:spPr>
+        <p:txBody>
+          <a:bodyPr wrap="square" rtlCol="0">
+            <a:spAutoFit/>
+          </a:bodyPr>
+          <a:lstStyle/>
+          <a:p>
+            <a:r>
+              <a:rPr lang="zh-CN" sz="2400" dirty="0">
+                <a:solidFill>
+                  <a:schemeClr val="bg1">
+                    <a:lumMod val="65000"/>
+                  </a:schemeClr>
+                </a:solidFill>
+                <a:latin typeface="微软雅黑" panose="020B0503020204020204" pitchFamily="34" charset="-122"/>
+                <a:ea typeface="微软雅黑" panose="020B0503020204020204" pitchFamily="34" charset="-122"/>
+              </a:rPr>
+              <a:t>项目介绍</a:t>
+            </a:r>
+            <a:endParaRPr lang="zh-CN" sz="2400" dirty="0">
+              <a:solidFill>
+                <a:schemeClr val="bg1">
+                  <a:lumMod val="65000"/>
+                </a:schemeClr>
+              </a:solidFill>
+              <a:latin typeface="微软雅黑" panose="020B0503020204020204" pitchFamily="34" charset="-122"/>
+              <a:ea typeface="微软雅黑" panose="020B0503020204020204" pitchFamily="34" charset="-122"/>
+            </a:endParaRPr>
+          </a:p>
+        </p:txBody>
+      </p:sp>
+      <p:sp>
+        <p:nvSpPr>
+          <p:cNvPr id="12" name="文本框 11"/>
+          <p:cNvSpPr txBox="1"/>
+          <p:nvPr/>
+        </p:nvSpPr>
+        <p:spPr>
+          <a:xfrm>
+            <a:off x="13160668" y="4205567"/>
+            <a:ext cx="1787029" cy="461665"/>
+          </a:xfrm>
+          <a:prstGeom prst="rect">
+            <a:avLst/>
+          </a:prstGeom>
+          <a:noFill/>
+        </p:spPr>
+        <p:txBody>
+          <a:bodyPr wrap="square" rtlCol="0">
+            <a:spAutoFit/>
+          </a:bodyPr>
+          <a:lstStyle/>
+          <a:p>
+            <a:r>
+              <a:rPr lang="zh-CN" altLang="en-US" sz="2400" dirty="0">
+                <a:solidFill>
+                  <a:schemeClr val="bg1">
+                    <a:lumMod val="65000"/>
+                  </a:schemeClr>
+                </a:solidFill>
+                <a:latin typeface="微软雅黑" panose="020B0503020204020204" pitchFamily="34" charset="-122"/>
+                <a:ea typeface="微软雅黑" panose="020B0503020204020204" pitchFamily="34" charset="-122"/>
+              </a:rPr>
+              <a:t>汇报题目</a:t>
+            </a:r>
+            <a:r>
+              <a:rPr lang="en-US" altLang="zh-CN" sz="2400" dirty="0">
+                <a:solidFill>
+                  <a:schemeClr val="bg1">
+                    <a:lumMod val="65000"/>
+                  </a:schemeClr>
+                </a:solidFill>
+                <a:latin typeface="微软雅黑" panose="020B0503020204020204" pitchFamily="34" charset="-122"/>
+                <a:ea typeface="微软雅黑" panose="020B0503020204020204" pitchFamily="34" charset="-122"/>
+              </a:rPr>
+              <a:t>5</a:t>
+            </a:r>
+            <a:endParaRPr lang="zh-CN" altLang="en-US" sz="2400" dirty="0">
+              <a:solidFill>
+                <a:schemeClr val="bg1">
+                  <a:lumMod val="65000"/>
+                </a:schemeClr>
+              </a:solidFill>
+              <a:latin typeface="微软雅黑" panose="020B0503020204020204" pitchFamily="34" charset="-122"/>
+              <a:ea typeface="微软雅黑" panose="020B0503020204020204" pitchFamily="34" charset="-122"/>
+            </a:endParaRPr>
+          </a:p>
+        </p:txBody>
+      </p:sp>
+      <p:sp>
+        <p:nvSpPr>
+          <p:cNvPr id="5" name="文本框 4"/>
+          <p:cNvSpPr txBox="1"/>
+          <p:nvPr/>
+        </p:nvSpPr>
+        <p:spPr>
+          <a:xfrm>
+            <a:off x="891540" y="1082040"/>
+            <a:ext cx="6070600" cy="368300"/>
+          </a:xfrm>
+          <a:prstGeom prst="rect">
+            <a:avLst/>
+          </a:prstGeom>
+          <a:noFill/>
+        </p:spPr>
+        <p:txBody>
+          <a:bodyPr wrap="square" rtlCol="0">
+            <a:spAutoFit/>
+          </a:bodyPr>
+          <a:p>
+            <a:pPr indent="0">
+              <a:buNone/>
+            </a:pPr>
+            <a:r>
+              <a:rPr lang="en-US" altLang="zh-CN"/>
+              <a:t>6. </a:t>
+            </a:r>
+            <a:r>
+              <a:rPr lang="zh-CN" altLang="en-US"/>
+              <a:t>统一返回结果集</a:t>
+            </a:r>
+            <a:endParaRPr lang="zh-CN" altLang="en-US"/>
+          </a:p>
+        </p:txBody>
+      </p:sp>
+      <p:pic>
+        <p:nvPicPr>
+          <p:cNvPr id="7" name="图片 6"/>
+          <p:cNvPicPr>
+            <a:picLocks noChangeAspect="1"/>
+          </p:cNvPicPr>
+          <p:nvPr/>
+        </p:nvPicPr>
+        <p:blipFill>
+          <a:blip r:embed="rId3"/>
+          <a:stretch>
+            <a:fillRect/>
+          </a:stretch>
+        </p:blipFill>
+        <p:spPr>
+          <a:xfrm>
+            <a:off x="1057275" y="1522730"/>
+            <a:ext cx="7816215" cy="2690495"/>
+          </a:xfrm>
+          <a:prstGeom prst="rect">
+            <a:avLst/>
+          </a:prstGeom>
+        </p:spPr>
+      </p:pic>
+      <p:sp>
+        <p:nvSpPr>
+          <p:cNvPr id="11" name="文本框 10"/>
+          <p:cNvSpPr txBox="1"/>
+          <p:nvPr/>
+        </p:nvSpPr>
+        <p:spPr>
+          <a:xfrm>
+            <a:off x="721360" y="4285615"/>
+            <a:ext cx="4064000" cy="391795"/>
+          </a:xfrm>
+          <a:prstGeom prst="rect">
+            <a:avLst/>
+          </a:prstGeom>
+          <a:noFill/>
+        </p:spPr>
+        <p:txBody>
+          <a:bodyPr wrap="square" rtlCol="0">
+            <a:noAutofit/>
+          </a:bodyPr>
+          <a:p>
+            <a:r>
+              <a:rPr lang="en-US" altLang="zh-CN">
+                <a:sym typeface="+mn-ea"/>
+              </a:rPr>
+              <a:t>7. </a:t>
+            </a:r>
+            <a:r>
+              <a:rPr lang="zh-CN" altLang="en-US">
+                <a:sym typeface="+mn-ea"/>
+              </a:rPr>
+              <a:t>使用常量类和配置文件</a:t>
+            </a:r>
+            <a:endParaRPr lang="zh-CN" altLang="en-US"/>
+          </a:p>
+          <a:p>
+            <a:endParaRPr lang="zh-CN" altLang="en-US"/>
+          </a:p>
+        </p:txBody>
+      </p:sp>
+      <p:pic>
+        <p:nvPicPr>
+          <p:cNvPr id="13" name="图片 12"/>
+          <p:cNvPicPr>
+            <a:picLocks noChangeAspect="1"/>
+          </p:cNvPicPr>
+          <p:nvPr/>
+        </p:nvPicPr>
+        <p:blipFill>
+          <a:blip r:embed="rId4"/>
+          <a:stretch>
+            <a:fillRect/>
+          </a:stretch>
+        </p:blipFill>
+        <p:spPr>
+          <a:xfrm>
+            <a:off x="5005705" y="4714875"/>
+            <a:ext cx="2505075" cy="1428750"/>
+          </a:xfrm>
+          <a:prstGeom prst="rect">
+            <a:avLst/>
+          </a:prstGeom>
+        </p:spPr>
+      </p:pic>
+      <p:pic>
+        <p:nvPicPr>
+          <p:cNvPr id="14" name="图片 13"/>
+          <p:cNvPicPr>
+            <a:picLocks noChangeAspect="1"/>
+          </p:cNvPicPr>
+          <p:nvPr/>
+        </p:nvPicPr>
+        <p:blipFill>
+          <a:blip r:embed="rId5"/>
+          <a:stretch>
+            <a:fillRect/>
+          </a:stretch>
+        </p:blipFill>
+        <p:spPr>
+          <a:xfrm>
+            <a:off x="1057275" y="4954270"/>
+            <a:ext cx="2843530" cy="1050925"/>
+          </a:xfrm>
+          <a:prstGeom prst="rect">
+            <a:avLst/>
+          </a:prstGeom>
+        </p:spPr>
+      </p:pic>
+    </p:spTree>
+  </p:cSld>
+  <p:clrMapOvr>
+    <a:masterClrMapping/>
+  </p:clrMapOvr>
+  <mc:AlternateContent xmlns:mc="http://schemas.openxmlformats.org/markup-compatibility/2006" xmlns:p159="http://schemas.microsoft.com/office/powerpoint/2015/09/main">
+    <mc:Choice Requires="p159">
+      <p:transition xmlns:p14="http://schemas.microsoft.com/office/powerpoint/2010/main" spd="slow" p14:dur="1250">
+        <p159:morph option="byObject"/>
+      </p:transition>
+    </mc:Choice>
+    <mc:Fallback>
+      <p:transition spd="slow">
+        <p:fade/>
+      </p:transition>
+    </mc:Fallback>
+  </mc:AlternateContent>
+  <p:timing>
+    <p:tnLst>
+      <p:par>
+        <p:cTn id="1" dur="indefinite" restart="never" nodeType="tmRoot">
+          <p:childTnLst>
+            <p:seq concurrent="1" nextAc="seek">
+              <p:cTn id="2" dur="indefinite" nodeType="mainSeq">
+                <p:childTnLst>
+                  <p:par>
+                    <p:cTn id="3" fill="hold">
+                      <p:stCondLst>
+                        <p:cond delay="indefinite"/>
+                      </p:stCondLst>
+                      <p:childTnLst>
+                        <p:par>
+                          <p:cTn id="4" fill="hold">
+                            <p:stCondLst>
+                              <p:cond delay="0"/>
+                            </p:stCondLst>
+                            <p:childTnLst>
+                              <p:par>
+                                <p:cTn id="5" presetID="55" presetClass="entr" presetSubtype="0" fill="hold" nodeType="clickEffect">
+                                  <p:stCondLst>
+                                    <p:cond delay="0"/>
+                                  </p:stCondLst>
+                                  <p:childTnLst>
+                                    <p:set>
+                                      <p:cBhvr>
+                                        <p:cTn id="6" dur="1" fill="hold">
+                                          <p:stCondLst>
+                                            <p:cond delay="0"/>
+                                          </p:stCondLst>
+                                        </p:cTn>
+                                        <p:tgtEl>
+                                          <p:spTgt spid="7"/>
+                                        </p:tgtEl>
+                                        <p:attrNameLst>
+                                          <p:attrName>style.visibility</p:attrName>
+                                        </p:attrNameLst>
+                                      </p:cBhvr>
+                                      <p:to>
+                                        <p:strVal val="visible"/>
+                                      </p:to>
+                                    </p:set>
+                                    <p:anim calcmode="lin" valueType="num">
+                                      <p:cBhvr>
+                                        <p:cTn id="7" dur="1000" fill="hold"/>
+                                        <p:tgtEl>
+                                          <p:spTgt spid="7"/>
+                                        </p:tgtEl>
+                                        <p:attrNameLst>
+                                          <p:attrName>ppt_w</p:attrName>
+                                        </p:attrNameLst>
+                                      </p:cBhvr>
+                                      <p:tavLst>
+                                        <p:tav tm="0">
+                                          <p:val>
+                                            <p:strVal val="#ppt_w*0.70"/>
+                                          </p:val>
+                                        </p:tav>
+                                        <p:tav tm="100000">
+                                          <p:val>
+                                            <p:strVal val="#ppt_w"/>
+                                          </p:val>
+                                        </p:tav>
+                                      </p:tavLst>
+                                    </p:anim>
+                                    <p:anim calcmode="lin" valueType="num">
+                                      <p:cBhvr>
+                                        <p:cTn id="8" dur="1000" fill="hold"/>
+                                        <p:tgtEl>
+                                          <p:spTgt spid="7"/>
+                                        </p:tgtEl>
+                                        <p:attrNameLst>
+                                          <p:attrName>ppt_h</p:attrName>
+                                        </p:attrNameLst>
+                                      </p:cBhvr>
+                                      <p:tavLst>
+                                        <p:tav tm="0">
+                                          <p:val>
+                                            <p:strVal val="#ppt_h"/>
+                                          </p:val>
+                                        </p:tav>
+                                        <p:tav tm="100000">
+                                          <p:val>
+                                            <p:strVal val="#ppt_h"/>
+                                          </p:val>
+                                        </p:tav>
+                                      </p:tavLst>
+                                    </p:anim>
+                                    <p:animEffect transition="in" filter="fade">
+                                      <p:cBhvr>
+                                        <p:cTn id="9" dur="1000"/>
+                                        <p:tgtEl>
+                                          <p:spTgt spid="7"/>
+                                        </p:tgtEl>
+                                      </p:cBhvr>
+                                    </p:animEffect>
+                                  </p:childTnLst>
+                                </p:cTn>
+                              </p:par>
+                            </p:childTnLst>
+                          </p:cTn>
+                        </p:par>
+                      </p:childTnLst>
+                    </p:cTn>
+                  </p:par>
+                  <p:par>
+                    <p:cTn id="10" fill="hold">
+                      <p:stCondLst>
+                        <p:cond delay="indefinite"/>
+                      </p:stCondLst>
+                      <p:childTnLst>
+                        <p:par>
+                          <p:cTn id="11" fill="hold">
+                            <p:stCondLst>
+                              <p:cond delay="0"/>
+                            </p:stCondLst>
+                            <p:childTnLst>
+                              <p:par>
+                                <p:cTn id="12" presetID="55" presetClass="entr" presetSubtype="0" fill="hold" nodeType="clickEffect">
+                                  <p:stCondLst>
+                                    <p:cond delay="0"/>
+                                  </p:stCondLst>
+                                  <p:childTnLst>
+                                    <p:set>
+                                      <p:cBhvr>
+                                        <p:cTn id="13" dur="1" fill="hold">
+                                          <p:stCondLst>
+                                            <p:cond delay="0"/>
+                                          </p:stCondLst>
+                                        </p:cTn>
+                                        <p:tgtEl>
+                                          <p:spTgt spid="14"/>
+                                        </p:tgtEl>
+                                        <p:attrNameLst>
+                                          <p:attrName>style.visibility</p:attrName>
+                                        </p:attrNameLst>
+                                      </p:cBhvr>
+                                      <p:to>
+                                        <p:strVal val="visible"/>
+                                      </p:to>
+                                    </p:set>
+                                    <p:anim calcmode="lin" valueType="num">
+                                      <p:cBhvr>
+                                        <p:cTn id="14" dur="1000" fill="hold"/>
+                                        <p:tgtEl>
+                                          <p:spTgt spid="14"/>
+                                        </p:tgtEl>
+                                        <p:attrNameLst>
+                                          <p:attrName>ppt_w</p:attrName>
+                                        </p:attrNameLst>
+                                      </p:cBhvr>
+                                      <p:tavLst>
+                                        <p:tav tm="0">
+                                          <p:val>
+                                            <p:strVal val="#ppt_w*0.70"/>
+                                          </p:val>
+                                        </p:tav>
+                                        <p:tav tm="100000">
+                                          <p:val>
+                                            <p:strVal val="#ppt_w"/>
+                                          </p:val>
+                                        </p:tav>
+                                      </p:tavLst>
+                                    </p:anim>
+                                    <p:anim calcmode="lin" valueType="num">
+                                      <p:cBhvr>
+                                        <p:cTn id="15" dur="1000" fill="hold"/>
+                                        <p:tgtEl>
+                                          <p:spTgt spid="14"/>
+                                        </p:tgtEl>
+                                        <p:attrNameLst>
+                                          <p:attrName>ppt_h</p:attrName>
+                                        </p:attrNameLst>
+                                      </p:cBhvr>
+                                      <p:tavLst>
+                                        <p:tav tm="0">
+                                          <p:val>
+                                            <p:strVal val="#ppt_h"/>
+                                          </p:val>
+                                        </p:tav>
+                                        <p:tav tm="100000">
+                                          <p:val>
+                                            <p:strVal val="#ppt_h"/>
+                                          </p:val>
+                                        </p:tav>
+                                      </p:tavLst>
+                                    </p:anim>
+                                    <p:animEffect transition="in" filter="fade">
+                                      <p:cBhvr>
+                                        <p:cTn id="16" dur="1000"/>
+                                        <p:tgtEl>
+                                          <p:spTgt spid="14"/>
+                                        </p:tgtEl>
+                                      </p:cBhvr>
+                                    </p:animEffect>
+                                  </p:childTnLst>
+                                </p:cTn>
+                              </p:par>
+                            </p:childTnLst>
+                          </p:cTn>
+                        </p:par>
+                      </p:childTnLst>
+                    </p:cTn>
+                  </p:par>
+                  <p:par>
+                    <p:cTn id="17" fill="hold">
+                      <p:stCondLst>
+                        <p:cond delay="indefinite"/>
+                      </p:stCondLst>
+                      <p:childTnLst>
+                        <p:par>
+                          <p:cTn id="18" fill="hold">
+                            <p:stCondLst>
+                              <p:cond delay="0"/>
+                            </p:stCondLst>
+                            <p:childTnLst>
+                              <p:par>
+                                <p:cTn id="19" presetID="55" presetClass="entr" presetSubtype="0" fill="hold" nodeType="clickEffect">
+                                  <p:stCondLst>
+                                    <p:cond delay="0"/>
+                                  </p:stCondLst>
+                                  <p:childTnLst>
+                                    <p:set>
+                                      <p:cBhvr>
+                                        <p:cTn id="20" dur="1" fill="hold">
+                                          <p:stCondLst>
+                                            <p:cond delay="0"/>
+                                          </p:stCondLst>
+                                        </p:cTn>
+                                        <p:tgtEl>
+                                          <p:spTgt spid="13"/>
+                                        </p:tgtEl>
+                                        <p:attrNameLst>
+                                          <p:attrName>style.visibility</p:attrName>
+                                        </p:attrNameLst>
+                                      </p:cBhvr>
+                                      <p:to>
+                                        <p:strVal val="visible"/>
+                                      </p:to>
+                                    </p:set>
+                                    <p:anim calcmode="lin" valueType="num">
+                                      <p:cBhvr>
+                                        <p:cTn id="21" dur="1000" fill="hold"/>
+                                        <p:tgtEl>
+                                          <p:spTgt spid="13"/>
+                                        </p:tgtEl>
+                                        <p:attrNameLst>
+                                          <p:attrName>ppt_w</p:attrName>
+                                        </p:attrNameLst>
+                                      </p:cBhvr>
+                                      <p:tavLst>
+                                        <p:tav tm="0">
+                                          <p:val>
+                                            <p:strVal val="#ppt_w*0.70"/>
+                                          </p:val>
+                                        </p:tav>
+                                        <p:tav tm="100000">
+                                          <p:val>
+                                            <p:strVal val="#ppt_w"/>
+                                          </p:val>
+                                        </p:tav>
+                                      </p:tavLst>
+                                    </p:anim>
+                                    <p:anim calcmode="lin" valueType="num">
+                                      <p:cBhvr>
+                                        <p:cTn id="22" dur="1000" fill="hold"/>
+                                        <p:tgtEl>
+                                          <p:spTgt spid="13"/>
+                                        </p:tgtEl>
+                                        <p:attrNameLst>
+                                          <p:attrName>ppt_h</p:attrName>
+                                        </p:attrNameLst>
+                                      </p:cBhvr>
+                                      <p:tavLst>
+                                        <p:tav tm="0">
+                                          <p:val>
+                                            <p:strVal val="#ppt_h"/>
+                                          </p:val>
+                                        </p:tav>
+                                        <p:tav tm="100000">
+                                          <p:val>
+                                            <p:strVal val="#ppt_h"/>
+                                          </p:val>
+                                        </p:tav>
+                                      </p:tavLst>
+                                    </p:anim>
+                                    <p:animEffect transition="in" filter="fade">
+                                      <p:cBhvr>
+                                        <p:cTn id="23" dur="1000"/>
+                                        <p:tgtEl>
+                                          <p:spTgt spid="13"/>
+                                        </p:tgtEl>
+                                      </p:cBhvr>
+                                    </p:animEffect>
+                                  </p:childTnLst>
+                                </p:cTn>
+                              </p:par>
+                            </p:childTnLst>
+                          </p:cTn>
+                        </p:par>
+                      </p:childTnLst>
+                    </p:cTn>
+                  </p:par>
+                </p:childTnLst>
+              </p:cTn>
+              <p:prevCondLst>
+                <p:cond evt="onPrev" delay="0">
+                  <p:tgtEl>
+                    <p:sldTgt/>
+                  </p:tgtEl>
+                </p:cond>
+              </p:prevCondLst>
+              <p:nextCondLst>
+                <p:cond evt="onNext" delay="0">
+                  <p:tgtEl>
+                    <p:sldTgt/>
+                  </p:tgtEl>
+                </p:cond>
+              </p:nextCondLst>
+            </p:seq>
+          </p:childTnLst>
+        </p:cTn>
+      </p:par>
+    </p:tnLst>
+  </p:timing>
+</p:sld>
+</file>
+
+<file path=ppt/slides/slide13.xml><?xml version="1.0" encoding="utf-8"?>
+<p:sld xmlns:a="http://schemas.openxmlformats.org/drawingml/2006/main" xmlns:r="http://schemas.openxmlformats.org/officeDocument/2006/relationships" xmlns:p="http://schemas.openxmlformats.org/presentationml/2006/main">
+  <p:cSld>
+    <p:spTree>
+      <p:nvGrpSpPr>
+        <p:cNvPr id="1" name=""/>
+        <p:cNvGrpSpPr/>
+        <p:nvPr/>
+      </p:nvGrpSpPr>
+      <p:grpSpPr>
+        <a:xfrm>
+          <a:off x="0" y="0"/>
+          <a:ext cx="0" cy="0"/>
+          <a:chOff x="0" y="0"/>
+          <a:chExt cx="0" cy="0"/>
+        </a:xfrm>
+      </p:grpSpPr>
+      <p:sp>
+        <p:nvSpPr>
+          <p:cNvPr id="2" name="矩形 1"/>
+          <p:cNvSpPr/>
+          <p:nvPr/>
+        </p:nvSpPr>
+        <p:spPr>
+          <a:xfrm>
+            <a:off x="9942286" y="0"/>
+            <a:ext cx="2249715" cy="6858000"/>
+          </a:xfrm>
+          <a:prstGeom prst="rect">
+            <a:avLst/>
+          </a:prstGeom>
+          <a:solidFill>
+            <a:srgbClr val="3843B3"/>
+          </a:solidFill>
+          <a:ln>
+            <a:noFill/>
+          </a:ln>
+        </p:spPr>
+        <p:style>
+          <a:lnRef idx="2">
+            <a:schemeClr val="accent1">
+              <a:shade val="50000"/>
+            </a:schemeClr>
+          </a:lnRef>
+          <a:fillRef idx="1">
+            <a:schemeClr val="accent1"/>
+          </a:fillRef>
+          <a:effectRef idx="0">
+            <a:schemeClr val="accent1"/>
+          </a:effectRef>
+          <a:fontRef idx="minor">
+            <a:schemeClr val="lt1"/>
+          </a:fontRef>
+        </p:style>
+        <p:txBody>
+          <a:bodyPr rtlCol="0" anchor="ctr"/>
+          <a:lstStyle/>
+          <a:p>
+            <a:pPr algn="ctr"/>
+            <a:endParaRPr lang="zh-CN" altLang="en-US" dirty="0">
+              <a:latin typeface="微软雅黑" panose="020B0503020204020204" pitchFamily="34" charset="-122"/>
+              <a:ea typeface="微软雅黑" panose="020B0503020204020204" pitchFamily="34" charset="-122"/>
+            </a:endParaRPr>
+          </a:p>
+        </p:txBody>
+      </p:sp>
+      <p:sp>
+        <p:nvSpPr>
+          <p:cNvPr id="3" name="文本框 2"/>
+          <p:cNvSpPr txBox="1"/>
+          <p:nvPr/>
+        </p:nvSpPr>
+        <p:spPr>
+          <a:xfrm>
+            <a:off x="1425004" y="509861"/>
+            <a:ext cx="2656459" cy="460375"/>
+          </a:xfrm>
+          <a:prstGeom prst="rect">
+            <a:avLst/>
+          </a:prstGeom>
+          <a:noFill/>
+        </p:spPr>
+        <p:txBody>
+          <a:bodyPr wrap="square" rtlCol="0">
+            <a:spAutoFit/>
+          </a:bodyPr>
+          <a:lstStyle/>
+          <a:p>
+            <a:r>
+              <a:rPr lang="zh-CN" sz="2400" b="1" dirty="0">
+                <a:solidFill>
+                  <a:schemeClr val="bg2">
+                    <a:lumMod val="25000"/>
+                  </a:schemeClr>
+                </a:solidFill>
+                <a:latin typeface="微软雅黑" panose="020B0503020204020204" pitchFamily="34" charset="-122"/>
+                <a:ea typeface="微软雅黑" panose="020B0503020204020204" pitchFamily="34" charset="-122"/>
+              </a:rPr>
+              <a:t>项目亮点</a:t>
+            </a:r>
+            <a:endParaRPr lang="zh-CN" sz="2400" b="1" dirty="0">
+              <a:solidFill>
+                <a:schemeClr val="bg2">
+                  <a:lumMod val="25000"/>
+                </a:schemeClr>
+              </a:solidFill>
+              <a:latin typeface="微软雅黑" panose="020B0503020204020204" pitchFamily="34" charset="-122"/>
+              <a:ea typeface="微软雅黑" panose="020B0503020204020204" pitchFamily="34" charset="-122"/>
+            </a:endParaRPr>
+          </a:p>
+        </p:txBody>
+      </p:sp>
+      <p:pic>
+        <p:nvPicPr>
+          <p:cNvPr id="4" name="图形 3"/>
+          <p:cNvPicPr>
+            <a:picLocks noChangeAspect="1"/>
+          </p:cNvPicPr>
+          <p:nvPr/>
+        </p:nvPicPr>
+        <p:blipFill>
+          <a:blip r:embed="rId1">
+            <a:extLst>
+              <a:ext uri="{28A0092B-C50C-407E-A947-70E740481C1C}">
+                <a14:useLocalDpi xmlns:a14="http://schemas.microsoft.com/office/drawing/2010/main" val="0"/>
+              </a:ext>
+              <a:ext uri="{96DAC541-7B7A-43D3-8B79-37D633B846F1}">
+                <asvg:svgBlip xmlns:asvg="http://schemas.microsoft.com/office/drawing/2016/SVG/main" r:embed="rId2"/>
+              </a:ext>
+            </a:extLst>
+          </a:blip>
+          <a:stretch>
+            <a:fillRect/>
+          </a:stretch>
+        </p:blipFill>
+        <p:spPr>
+          <a:xfrm>
+            <a:off x="10516998" y="420430"/>
+            <a:ext cx="1068278" cy="1102192"/>
+          </a:xfrm>
+          <a:prstGeom prst="rect">
+            <a:avLst/>
+          </a:prstGeom>
+        </p:spPr>
+      </p:pic>
+      <p:sp>
+        <p:nvSpPr>
+          <p:cNvPr id="6" name="椭圆 5"/>
+          <p:cNvSpPr/>
+          <p:nvPr/>
+        </p:nvSpPr>
+        <p:spPr>
+          <a:xfrm>
+            <a:off x="968457" y="577043"/>
+            <a:ext cx="327299" cy="327299"/>
+          </a:xfrm>
+          <a:prstGeom prst="ellipse">
+            <a:avLst/>
+          </a:prstGeom>
+          <a:solidFill>
+            <a:srgbClr val="3843B3"/>
+          </a:solidFill>
+          <a:ln w="53975">
+            <a:noFill/>
+          </a:ln>
+        </p:spPr>
+        <p:style>
+          <a:lnRef idx="2">
+            <a:schemeClr val="accent1">
+              <a:shade val="50000"/>
+            </a:schemeClr>
+          </a:lnRef>
+          <a:fillRef idx="1">
+            <a:schemeClr val="accent1"/>
+          </a:fillRef>
+          <a:effectRef idx="0">
+            <a:schemeClr val="accent1"/>
+          </a:effectRef>
+          <a:fontRef idx="minor">
+            <a:schemeClr val="lt1"/>
+          </a:fontRef>
+        </p:style>
+        <p:txBody>
+          <a:bodyPr rtlCol="0" anchor="ctr"/>
+          <a:lstStyle/>
+          <a:p>
+            <a:pPr algn="ctr"/>
+            <a:endParaRPr lang="zh-CN" altLang="en-US" sz="1400" b="1" dirty="0">
+              <a:latin typeface="微软雅黑" panose="020B0503020204020204" pitchFamily="34" charset="-122"/>
+              <a:ea typeface="微软雅黑" panose="020B0503020204020204" pitchFamily="34" charset="-122"/>
+            </a:endParaRPr>
+          </a:p>
+        </p:txBody>
+      </p:sp>
+      <p:sp>
+        <p:nvSpPr>
+          <p:cNvPr id="8" name="文本框 7"/>
+          <p:cNvSpPr txBox="1"/>
+          <p:nvPr/>
+        </p:nvSpPr>
+        <p:spPr>
+          <a:xfrm>
+            <a:off x="10152185" y="3543898"/>
+            <a:ext cx="1787029" cy="460375"/>
+          </a:xfrm>
+          <a:prstGeom prst="rect">
+            <a:avLst/>
+          </a:prstGeom>
+          <a:noFill/>
+        </p:spPr>
+        <p:txBody>
+          <a:bodyPr wrap="square" rtlCol="0">
+            <a:spAutoFit/>
+          </a:bodyPr>
+          <a:lstStyle/>
+          <a:p>
+            <a:r>
+              <a:rPr lang="zh-CN" sz="2400" dirty="0">
+                <a:solidFill>
+                  <a:schemeClr val="bg1"/>
+                </a:solidFill>
+                <a:latin typeface="微软雅黑" panose="020B0503020204020204" pitchFamily="34" charset="-122"/>
+                <a:ea typeface="微软雅黑" panose="020B0503020204020204" pitchFamily="34" charset="-122"/>
+              </a:rPr>
+              <a:t>项目亮点</a:t>
+            </a:r>
+            <a:endParaRPr lang="zh-CN" sz="2400" dirty="0">
+              <a:solidFill>
+                <a:schemeClr val="bg1"/>
+              </a:solidFill>
+              <a:latin typeface="微软雅黑" panose="020B0503020204020204" pitchFamily="34" charset="-122"/>
+              <a:ea typeface="微软雅黑" panose="020B0503020204020204" pitchFamily="34" charset="-122"/>
+            </a:endParaRPr>
+          </a:p>
+        </p:txBody>
+      </p:sp>
+      <p:sp>
+        <p:nvSpPr>
+          <p:cNvPr id="9" name="文本框 8"/>
+          <p:cNvSpPr txBox="1"/>
+          <p:nvPr/>
+        </p:nvSpPr>
+        <p:spPr>
+          <a:xfrm>
+            <a:off x="10152185" y="2963349"/>
+            <a:ext cx="1787029" cy="460375"/>
+          </a:xfrm>
+          <a:prstGeom prst="rect">
+            <a:avLst/>
+          </a:prstGeom>
+          <a:noFill/>
+        </p:spPr>
+        <p:txBody>
+          <a:bodyPr wrap="square" rtlCol="0">
+            <a:spAutoFit/>
+          </a:bodyPr>
+          <a:lstStyle/>
+          <a:p>
+            <a:r>
+              <a:rPr lang="zh-CN" sz="2400" dirty="0">
+                <a:solidFill>
+                  <a:schemeClr val="bg1">
+                    <a:lumMod val="65000"/>
+                  </a:schemeClr>
+                </a:solidFill>
+                <a:latin typeface="微软雅黑" panose="020B0503020204020204" pitchFamily="34" charset="-122"/>
+                <a:ea typeface="微软雅黑" panose="020B0503020204020204" pitchFamily="34" charset="-122"/>
+              </a:rPr>
+              <a:t>项目功能</a:t>
+            </a:r>
+            <a:endParaRPr lang="zh-CN" sz="2400" dirty="0">
+              <a:solidFill>
+                <a:schemeClr val="bg1">
+                  <a:lumMod val="65000"/>
+                </a:schemeClr>
+              </a:solidFill>
+              <a:latin typeface="微软雅黑" panose="020B0503020204020204" pitchFamily="34" charset="-122"/>
+              <a:ea typeface="微软雅黑" panose="020B0503020204020204" pitchFamily="34" charset="-122"/>
+            </a:endParaRPr>
+          </a:p>
+        </p:txBody>
+      </p:sp>
+      <p:sp>
+        <p:nvSpPr>
+          <p:cNvPr id="10" name="文本框 9"/>
+          <p:cNvSpPr txBox="1"/>
+          <p:nvPr/>
+        </p:nvSpPr>
+        <p:spPr>
+          <a:xfrm>
+            <a:off x="10152673" y="2383435"/>
+            <a:ext cx="1787029" cy="460375"/>
+          </a:xfrm>
+          <a:prstGeom prst="rect">
+            <a:avLst/>
+          </a:prstGeom>
+          <a:noFill/>
+        </p:spPr>
+        <p:txBody>
+          <a:bodyPr wrap="square" rtlCol="0">
+            <a:spAutoFit/>
+          </a:bodyPr>
+          <a:lstStyle/>
+          <a:p>
+            <a:r>
+              <a:rPr lang="zh-CN" sz="2400" dirty="0">
+                <a:solidFill>
+                  <a:schemeClr val="bg1">
+                    <a:lumMod val="65000"/>
+                  </a:schemeClr>
+                </a:solidFill>
+                <a:latin typeface="微软雅黑" panose="020B0503020204020204" pitchFamily="34" charset="-122"/>
+                <a:ea typeface="微软雅黑" panose="020B0503020204020204" pitchFamily="34" charset="-122"/>
+              </a:rPr>
+              <a:t>项目介绍</a:t>
+            </a:r>
+            <a:endParaRPr lang="zh-CN" sz="2400" dirty="0">
+              <a:solidFill>
+                <a:schemeClr val="bg1">
+                  <a:lumMod val="65000"/>
+                </a:schemeClr>
+              </a:solidFill>
+              <a:latin typeface="微软雅黑" panose="020B0503020204020204" pitchFamily="34" charset="-122"/>
+              <a:ea typeface="微软雅黑" panose="020B0503020204020204" pitchFamily="34" charset="-122"/>
+            </a:endParaRPr>
+          </a:p>
+        </p:txBody>
+      </p:sp>
+      <p:sp>
+        <p:nvSpPr>
+          <p:cNvPr id="12" name="文本框 11"/>
+          <p:cNvSpPr txBox="1"/>
+          <p:nvPr/>
+        </p:nvSpPr>
+        <p:spPr>
+          <a:xfrm>
+            <a:off x="13160668" y="4205567"/>
+            <a:ext cx="1787029" cy="461665"/>
+          </a:xfrm>
+          <a:prstGeom prst="rect">
+            <a:avLst/>
+          </a:prstGeom>
+          <a:noFill/>
+        </p:spPr>
+        <p:txBody>
+          <a:bodyPr wrap="square" rtlCol="0">
+            <a:spAutoFit/>
+          </a:bodyPr>
+          <a:lstStyle/>
+          <a:p>
+            <a:r>
+              <a:rPr lang="zh-CN" altLang="en-US" sz="2400" dirty="0">
+                <a:solidFill>
+                  <a:schemeClr val="bg1">
+                    <a:lumMod val="65000"/>
+                  </a:schemeClr>
+                </a:solidFill>
+                <a:latin typeface="微软雅黑" panose="020B0503020204020204" pitchFamily="34" charset="-122"/>
+                <a:ea typeface="微软雅黑" panose="020B0503020204020204" pitchFamily="34" charset="-122"/>
+              </a:rPr>
+              <a:t>汇报题目</a:t>
+            </a:r>
+            <a:r>
+              <a:rPr lang="en-US" altLang="zh-CN" sz="2400" dirty="0">
+                <a:solidFill>
+                  <a:schemeClr val="bg1">
+                    <a:lumMod val="65000"/>
+                  </a:schemeClr>
+                </a:solidFill>
+                <a:latin typeface="微软雅黑" panose="020B0503020204020204" pitchFamily="34" charset="-122"/>
+                <a:ea typeface="微软雅黑" panose="020B0503020204020204" pitchFamily="34" charset="-122"/>
+              </a:rPr>
+              <a:t>5</a:t>
+            </a:r>
+            <a:endParaRPr lang="zh-CN" altLang="en-US" sz="2400" dirty="0">
+              <a:solidFill>
+                <a:schemeClr val="bg1">
+                  <a:lumMod val="65000"/>
+                </a:schemeClr>
+              </a:solidFill>
+              <a:latin typeface="微软雅黑" panose="020B0503020204020204" pitchFamily="34" charset="-122"/>
+              <a:ea typeface="微软雅黑" panose="020B0503020204020204" pitchFamily="34" charset="-122"/>
+            </a:endParaRPr>
+          </a:p>
+        </p:txBody>
+      </p:sp>
+      <p:sp>
+        <p:nvSpPr>
+          <p:cNvPr id="5" name="文本框 4"/>
+          <p:cNvSpPr txBox="1"/>
+          <p:nvPr/>
+        </p:nvSpPr>
+        <p:spPr>
+          <a:xfrm>
+            <a:off x="454025" y="913765"/>
+            <a:ext cx="6070600" cy="368300"/>
+          </a:xfrm>
+          <a:prstGeom prst="rect">
+            <a:avLst/>
+          </a:prstGeom>
+          <a:noFill/>
+        </p:spPr>
+        <p:txBody>
+          <a:bodyPr wrap="square" rtlCol="0">
+            <a:spAutoFit/>
+          </a:bodyPr>
+          <a:p>
+            <a:pPr indent="0">
+              <a:buNone/>
+            </a:pPr>
+            <a:r>
+              <a:rPr lang="en-US" altLang="zh-CN"/>
+              <a:t>8. </a:t>
+            </a:r>
+            <a:r>
+              <a:rPr lang="zh-CN" altLang="en-US"/>
+              <a:t>使用</a:t>
+            </a:r>
+            <a:r>
+              <a:rPr lang="en-US" altLang="zh-CN"/>
+              <a:t>jwt</a:t>
+            </a:r>
+            <a:r>
+              <a:rPr lang="zh-CN" altLang="en-US"/>
+              <a:t>鉴权认证</a:t>
+            </a:r>
+            <a:endParaRPr lang="en-US" altLang="zh-CN"/>
+          </a:p>
+        </p:txBody>
+      </p:sp>
+      <p:pic>
+        <p:nvPicPr>
+          <p:cNvPr id="7" name="图片 6"/>
+          <p:cNvPicPr>
+            <a:picLocks noChangeAspect="1"/>
+          </p:cNvPicPr>
+          <p:nvPr/>
+        </p:nvPicPr>
+        <p:blipFill>
+          <a:blip r:embed="rId3"/>
+          <a:stretch>
+            <a:fillRect/>
+          </a:stretch>
+        </p:blipFill>
+        <p:spPr>
+          <a:xfrm>
+            <a:off x="454025" y="1217295"/>
+            <a:ext cx="7169785" cy="1892935"/>
+          </a:xfrm>
+          <a:prstGeom prst="rect">
+            <a:avLst/>
+          </a:prstGeom>
+        </p:spPr>
+      </p:pic>
+      <p:sp>
+        <p:nvSpPr>
+          <p:cNvPr id="11" name="文本框 10"/>
+          <p:cNvSpPr txBox="1"/>
+          <p:nvPr/>
+        </p:nvSpPr>
+        <p:spPr>
+          <a:xfrm>
+            <a:off x="320675" y="3175635"/>
+            <a:ext cx="4064000" cy="368300"/>
+          </a:xfrm>
+          <a:prstGeom prst="rect">
+            <a:avLst/>
+          </a:prstGeom>
+          <a:noFill/>
+        </p:spPr>
+        <p:txBody>
+          <a:bodyPr wrap="square" rtlCol="0">
+            <a:spAutoFit/>
+          </a:bodyPr>
+          <a:p>
+            <a:r>
+              <a:rPr lang="en-US" altLang="zh-CN">
+                <a:sym typeface="+mn-ea"/>
+              </a:rPr>
+              <a:t>10. </a:t>
+            </a:r>
+            <a:r>
+              <a:rPr lang="zh-CN" altLang="en-US">
+                <a:sym typeface="+mn-ea"/>
+              </a:rPr>
+              <a:t>使用正则表达式校验输入</a:t>
+            </a:r>
+            <a:endParaRPr lang="zh-CN" altLang="en-US"/>
+          </a:p>
+        </p:txBody>
+      </p:sp>
+      <p:pic>
+        <p:nvPicPr>
+          <p:cNvPr id="13" name="图片 12"/>
+          <p:cNvPicPr>
+            <a:picLocks noChangeAspect="1"/>
+          </p:cNvPicPr>
+          <p:nvPr/>
+        </p:nvPicPr>
+        <p:blipFill>
+          <a:blip r:embed="rId4"/>
+          <a:stretch>
+            <a:fillRect/>
+          </a:stretch>
+        </p:blipFill>
+        <p:spPr>
+          <a:xfrm>
+            <a:off x="3535680" y="3258820"/>
+            <a:ext cx="4926965" cy="3382645"/>
+          </a:xfrm>
+          <a:prstGeom prst="rect">
+            <a:avLst/>
+          </a:prstGeom>
+        </p:spPr>
+      </p:pic>
+    </p:spTree>
+  </p:cSld>
+  <p:clrMapOvr>
+    <a:masterClrMapping/>
+  </p:clrMapOvr>
+  <mc:AlternateContent xmlns:mc="http://schemas.openxmlformats.org/markup-compatibility/2006" xmlns:p159="http://schemas.microsoft.com/office/powerpoint/2015/09/main">
+    <mc:Choice Requires="p159">
+      <p:transition xmlns:p14="http://schemas.microsoft.com/office/powerpoint/2010/main" spd="slow" p14:dur="1250">
+        <p159:morph option="byObject"/>
+      </p:transition>
+    </mc:Choice>
+    <mc:Fallback>
+      <p:transition spd="slow">
+        <p:fade/>
+      </p:transition>
+    </mc:Fallback>
+  </mc:AlternateContent>
+  <p:timing>
+    <p:tnLst>
+      <p:par>
+        <p:cTn id="1" dur="indefinite" restart="never" nodeType="tmRoot">
+          <p:childTnLst>
+            <p:seq concurrent="1" nextAc="seek">
+              <p:cTn id="2" dur="indefinite" nodeType="mainSeq">
+                <p:childTnLst>
+                  <p:par>
+                    <p:cTn id="3" fill="hold">
+                      <p:stCondLst>
+                        <p:cond delay="indefinite"/>
+                      </p:stCondLst>
+                      <p:childTnLst>
+                        <p:par>
+                          <p:cTn id="4" fill="hold">
+                            <p:stCondLst>
+                              <p:cond delay="0"/>
+                            </p:stCondLst>
+                            <p:childTnLst>
+                              <p:par>
+                                <p:cTn id="5" presetID="55" presetClass="entr" presetSubtype="0" fill="hold" nodeType="clickEffect">
+                                  <p:stCondLst>
+                                    <p:cond delay="0"/>
+                                  </p:stCondLst>
+                                  <p:childTnLst>
+                                    <p:set>
+                                      <p:cBhvr>
+                                        <p:cTn id="6" dur="1" fill="hold">
+                                          <p:stCondLst>
+                                            <p:cond delay="0"/>
+                                          </p:stCondLst>
+                                        </p:cTn>
+                                        <p:tgtEl>
+                                          <p:spTgt spid="7"/>
+                                        </p:tgtEl>
+                                        <p:attrNameLst>
+                                          <p:attrName>style.visibility</p:attrName>
+                                        </p:attrNameLst>
+                                      </p:cBhvr>
+                                      <p:to>
+                                        <p:strVal val="visible"/>
+                                      </p:to>
+                                    </p:set>
+                                    <p:anim calcmode="lin" valueType="num">
+                                      <p:cBhvr>
+                                        <p:cTn id="7" dur="1000" fill="hold"/>
+                                        <p:tgtEl>
+                                          <p:spTgt spid="7"/>
+                                        </p:tgtEl>
+                                        <p:attrNameLst>
+                                          <p:attrName>ppt_w</p:attrName>
+                                        </p:attrNameLst>
+                                      </p:cBhvr>
+                                      <p:tavLst>
+                                        <p:tav tm="0">
+                                          <p:val>
+                                            <p:strVal val="#ppt_w*0.70"/>
+                                          </p:val>
+                                        </p:tav>
+                                        <p:tav tm="100000">
+                                          <p:val>
+                                            <p:strVal val="#ppt_w"/>
+                                          </p:val>
+                                        </p:tav>
+                                      </p:tavLst>
+                                    </p:anim>
+                                    <p:anim calcmode="lin" valueType="num">
+                                      <p:cBhvr>
+                                        <p:cTn id="8" dur="1000" fill="hold"/>
+                                        <p:tgtEl>
+                                          <p:spTgt spid="7"/>
+                                        </p:tgtEl>
+                                        <p:attrNameLst>
+                                          <p:attrName>ppt_h</p:attrName>
+                                        </p:attrNameLst>
+                                      </p:cBhvr>
+                                      <p:tavLst>
+                                        <p:tav tm="0">
+                                          <p:val>
+                                            <p:strVal val="#ppt_h"/>
+                                          </p:val>
+                                        </p:tav>
+                                        <p:tav tm="100000">
+                                          <p:val>
+                                            <p:strVal val="#ppt_h"/>
+                                          </p:val>
+                                        </p:tav>
+                                      </p:tavLst>
+                                    </p:anim>
+                                    <p:animEffect transition="in" filter="fade">
+                                      <p:cBhvr>
+                                        <p:cTn id="9" dur="1000"/>
+                                        <p:tgtEl>
+                                          <p:spTgt spid="7"/>
+                                        </p:tgtEl>
+                                      </p:cBhvr>
+                                    </p:animEffect>
+                                  </p:childTnLst>
+                                </p:cTn>
+                              </p:par>
+                            </p:childTnLst>
+                          </p:cTn>
+                        </p:par>
+                      </p:childTnLst>
+                    </p:cTn>
+                  </p:par>
+                  <p:par>
+                    <p:cTn id="10" fill="hold">
+                      <p:stCondLst>
+                        <p:cond delay="indefinite"/>
+                      </p:stCondLst>
+                      <p:childTnLst>
+                        <p:par>
+                          <p:cTn id="11" fill="hold">
+                            <p:stCondLst>
+                              <p:cond delay="0"/>
+                            </p:stCondLst>
+                            <p:childTnLst>
+                              <p:par>
+                                <p:cTn id="12" presetID="55" presetClass="entr" presetSubtype="0" fill="hold" nodeType="clickEffect">
+                                  <p:stCondLst>
+                                    <p:cond delay="0"/>
+                                  </p:stCondLst>
+                                  <p:childTnLst>
+                                    <p:set>
+                                      <p:cBhvr>
+                                        <p:cTn id="13" dur="1" fill="hold">
+                                          <p:stCondLst>
+                                            <p:cond delay="0"/>
+                                          </p:stCondLst>
+                                        </p:cTn>
+                                        <p:tgtEl>
+                                          <p:spTgt spid="13"/>
+                                        </p:tgtEl>
+                                        <p:attrNameLst>
+                                          <p:attrName>style.visibility</p:attrName>
+                                        </p:attrNameLst>
+                                      </p:cBhvr>
+                                      <p:to>
+                                        <p:strVal val="visible"/>
+                                      </p:to>
+                                    </p:set>
+                                    <p:anim calcmode="lin" valueType="num">
+                                      <p:cBhvr>
+                                        <p:cTn id="14" dur="1000" fill="hold"/>
+                                        <p:tgtEl>
+                                          <p:spTgt spid="13"/>
+                                        </p:tgtEl>
+                                        <p:attrNameLst>
+                                          <p:attrName>ppt_w</p:attrName>
+                                        </p:attrNameLst>
+                                      </p:cBhvr>
+                                      <p:tavLst>
+                                        <p:tav tm="0">
+                                          <p:val>
+                                            <p:strVal val="#ppt_w*0.70"/>
+                                          </p:val>
+                                        </p:tav>
+                                        <p:tav tm="100000">
+                                          <p:val>
+                                            <p:strVal val="#ppt_w"/>
+                                          </p:val>
+                                        </p:tav>
+                                      </p:tavLst>
+                                    </p:anim>
+                                    <p:anim calcmode="lin" valueType="num">
+                                      <p:cBhvr>
+                                        <p:cTn id="15" dur="1000" fill="hold"/>
+                                        <p:tgtEl>
+                                          <p:spTgt spid="13"/>
+                                        </p:tgtEl>
+                                        <p:attrNameLst>
+                                          <p:attrName>ppt_h</p:attrName>
+                                        </p:attrNameLst>
+                                      </p:cBhvr>
+                                      <p:tavLst>
+                                        <p:tav tm="0">
+                                          <p:val>
+                                            <p:strVal val="#ppt_h"/>
+                                          </p:val>
+                                        </p:tav>
+                                        <p:tav tm="100000">
+                                          <p:val>
+                                            <p:strVal val="#ppt_h"/>
+                                          </p:val>
+                                        </p:tav>
+                                      </p:tavLst>
+                                    </p:anim>
+                                    <p:animEffect transition="in" filter="fade">
+                                      <p:cBhvr>
+                                        <p:cTn id="16" dur="1000"/>
+                                        <p:tgtEl>
+                                          <p:spTgt spid="13"/>
+                                        </p:tgtEl>
+                                      </p:cBhvr>
+                                    </p:animEffect>
+                                  </p:childTnLst>
+                                </p:cTn>
+                              </p:par>
+                            </p:childTnLst>
+                          </p:cTn>
+                        </p:par>
+                      </p:childTnLst>
+                    </p:cTn>
+                  </p:par>
+                </p:childTnLst>
+              </p:cTn>
+              <p:prevCondLst>
+                <p:cond evt="onPrev" delay="0">
+                  <p:tgtEl>
+                    <p:sldTgt/>
+                  </p:tgtEl>
+                </p:cond>
+              </p:prevCondLst>
+              <p:nextCondLst>
+                <p:cond evt="onNext" delay="0">
+                  <p:tgtEl>
+                    <p:sldTgt/>
+                  </p:tgtEl>
+                </p:cond>
+              </p:nextCondLst>
+            </p:seq>
+          </p:childTnLst>
+        </p:cTn>
+      </p:par>
+    </p:tnLst>
+  </p:timing>
+</p:sld>
+</file>
+
+<file path=ppt/slides/slide14.xml><?xml version="1.0" encoding="utf-8"?>
+<p:sld xmlns:a="http://schemas.openxmlformats.org/drawingml/2006/main" xmlns:r="http://schemas.openxmlformats.org/officeDocument/2006/relationships" xmlns:p="http://schemas.openxmlformats.org/presentationml/2006/main">
+  <p:cSld>
+    <p:spTree>
+      <p:nvGrpSpPr>
+        <p:cNvPr id="1" name=""/>
+        <p:cNvGrpSpPr/>
+        <p:nvPr/>
+      </p:nvGrpSpPr>
+      <p:grpSpPr>
+        <a:xfrm>
+          <a:off x="0" y="0"/>
+          <a:ext cx="0" cy="0"/>
+          <a:chOff x="0" y="0"/>
+          <a:chExt cx="0" cy="0"/>
+        </a:xfrm>
+      </p:grpSpPr>
+      <p:sp>
+        <p:nvSpPr>
+          <p:cNvPr id="2" name="矩形 1"/>
+          <p:cNvSpPr/>
+          <p:nvPr/>
+        </p:nvSpPr>
+        <p:spPr>
+          <a:xfrm>
+            <a:off x="9942286" y="0"/>
+            <a:ext cx="2249715" cy="6858000"/>
+          </a:xfrm>
+          <a:prstGeom prst="rect">
+            <a:avLst/>
+          </a:prstGeom>
+          <a:solidFill>
+            <a:srgbClr val="3843B3"/>
+          </a:solidFill>
+          <a:ln>
+            <a:noFill/>
+          </a:ln>
+        </p:spPr>
+        <p:style>
+          <a:lnRef idx="2">
+            <a:schemeClr val="accent1">
+              <a:shade val="50000"/>
+            </a:schemeClr>
+          </a:lnRef>
+          <a:fillRef idx="1">
+            <a:schemeClr val="accent1"/>
+          </a:fillRef>
+          <a:effectRef idx="0">
+            <a:schemeClr val="accent1"/>
+          </a:effectRef>
+          <a:fontRef idx="minor">
+            <a:schemeClr val="lt1"/>
+          </a:fontRef>
+        </p:style>
+        <p:txBody>
+          <a:bodyPr rtlCol="0" anchor="ctr"/>
+          <a:lstStyle/>
+          <a:p>
+            <a:pPr algn="ctr"/>
+            <a:endParaRPr lang="zh-CN" altLang="en-US" dirty="0">
+              <a:latin typeface="微软雅黑" panose="020B0503020204020204" pitchFamily="34" charset="-122"/>
+              <a:ea typeface="微软雅黑" panose="020B0503020204020204" pitchFamily="34" charset="-122"/>
+            </a:endParaRPr>
+          </a:p>
+        </p:txBody>
+      </p:sp>
+      <p:sp>
+        <p:nvSpPr>
+          <p:cNvPr id="3" name="文本框 2"/>
+          <p:cNvSpPr txBox="1"/>
+          <p:nvPr/>
+        </p:nvSpPr>
+        <p:spPr>
+          <a:xfrm>
+            <a:off x="1425004" y="509861"/>
+            <a:ext cx="2656459" cy="460375"/>
+          </a:xfrm>
+          <a:prstGeom prst="rect">
+            <a:avLst/>
+          </a:prstGeom>
+          <a:noFill/>
+        </p:spPr>
+        <p:txBody>
+          <a:bodyPr wrap="square" rtlCol="0">
+            <a:spAutoFit/>
+          </a:bodyPr>
+          <a:lstStyle/>
+          <a:p>
+            <a:r>
+              <a:rPr lang="zh-CN" sz="2400" b="1" dirty="0">
+                <a:solidFill>
+                  <a:schemeClr val="bg2">
+                    <a:lumMod val="25000"/>
+                  </a:schemeClr>
+                </a:solidFill>
+                <a:latin typeface="微软雅黑" panose="020B0503020204020204" pitchFamily="34" charset="-122"/>
+                <a:ea typeface="微软雅黑" panose="020B0503020204020204" pitchFamily="34" charset="-122"/>
+              </a:rPr>
+              <a:t>项目亮点</a:t>
+            </a:r>
+            <a:endParaRPr lang="zh-CN" sz="2400" b="1" dirty="0">
+              <a:solidFill>
+                <a:schemeClr val="bg2">
+                  <a:lumMod val="25000"/>
+                </a:schemeClr>
+              </a:solidFill>
+              <a:latin typeface="微软雅黑" panose="020B0503020204020204" pitchFamily="34" charset="-122"/>
+              <a:ea typeface="微软雅黑" panose="020B0503020204020204" pitchFamily="34" charset="-122"/>
+            </a:endParaRPr>
+          </a:p>
+        </p:txBody>
+      </p:sp>
+      <p:pic>
+        <p:nvPicPr>
+          <p:cNvPr id="4" name="图形 3"/>
+          <p:cNvPicPr>
+            <a:picLocks noChangeAspect="1"/>
+          </p:cNvPicPr>
+          <p:nvPr/>
+        </p:nvPicPr>
+        <p:blipFill>
+          <a:blip r:embed="rId1">
+            <a:extLst>
+              <a:ext uri="{28A0092B-C50C-407E-A947-70E740481C1C}">
+                <a14:useLocalDpi xmlns:a14="http://schemas.microsoft.com/office/drawing/2010/main" val="0"/>
+              </a:ext>
+              <a:ext uri="{96DAC541-7B7A-43D3-8B79-37D633B846F1}">
+                <asvg:svgBlip xmlns:asvg="http://schemas.microsoft.com/office/drawing/2016/SVG/main" r:embed="rId2"/>
+              </a:ext>
+            </a:extLst>
+          </a:blip>
+          <a:stretch>
+            <a:fillRect/>
+          </a:stretch>
+        </p:blipFill>
+        <p:spPr>
+          <a:xfrm>
+            <a:off x="10516998" y="420430"/>
+            <a:ext cx="1068278" cy="1102192"/>
+          </a:xfrm>
+          <a:prstGeom prst="rect">
+            <a:avLst/>
+          </a:prstGeom>
+        </p:spPr>
+      </p:pic>
+      <p:sp>
+        <p:nvSpPr>
+          <p:cNvPr id="6" name="椭圆 5"/>
+          <p:cNvSpPr/>
+          <p:nvPr/>
+        </p:nvSpPr>
+        <p:spPr>
+          <a:xfrm>
+            <a:off x="968457" y="577043"/>
+            <a:ext cx="327299" cy="327299"/>
+          </a:xfrm>
+          <a:prstGeom prst="ellipse">
+            <a:avLst/>
+          </a:prstGeom>
+          <a:solidFill>
+            <a:srgbClr val="3843B3"/>
+          </a:solidFill>
+          <a:ln w="53975">
+            <a:noFill/>
+          </a:ln>
+        </p:spPr>
+        <p:style>
+          <a:lnRef idx="2">
+            <a:schemeClr val="accent1">
+              <a:shade val="50000"/>
+            </a:schemeClr>
+          </a:lnRef>
+          <a:fillRef idx="1">
+            <a:schemeClr val="accent1"/>
+          </a:fillRef>
+          <a:effectRef idx="0">
+            <a:schemeClr val="accent1"/>
+          </a:effectRef>
+          <a:fontRef idx="minor">
+            <a:schemeClr val="lt1"/>
+          </a:fontRef>
+        </p:style>
+        <p:txBody>
+          <a:bodyPr rtlCol="0" anchor="ctr"/>
+          <a:lstStyle/>
+          <a:p>
+            <a:pPr algn="ctr"/>
+            <a:endParaRPr lang="zh-CN" altLang="en-US" sz="1400" b="1" dirty="0">
+              <a:latin typeface="微软雅黑" panose="020B0503020204020204" pitchFamily="34" charset="-122"/>
+              <a:ea typeface="微软雅黑" panose="020B0503020204020204" pitchFamily="34" charset="-122"/>
+            </a:endParaRPr>
+          </a:p>
+        </p:txBody>
+      </p:sp>
+      <p:sp>
+        <p:nvSpPr>
+          <p:cNvPr id="8" name="文本框 7"/>
+          <p:cNvSpPr txBox="1"/>
+          <p:nvPr/>
+        </p:nvSpPr>
+        <p:spPr>
+          <a:xfrm>
+            <a:off x="10152185" y="3543898"/>
+            <a:ext cx="1787029" cy="460375"/>
+          </a:xfrm>
+          <a:prstGeom prst="rect">
+            <a:avLst/>
+          </a:prstGeom>
+          <a:noFill/>
+        </p:spPr>
+        <p:txBody>
+          <a:bodyPr wrap="square" rtlCol="0">
+            <a:spAutoFit/>
+          </a:bodyPr>
+          <a:lstStyle/>
+          <a:p>
+            <a:r>
+              <a:rPr lang="zh-CN" sz="2400" dirty="0">
+                <a:solidFill>
+                  <a:schemeClr val="bg1"/>
+                </a:solidFill>
+                <a:latin typeface="微软雅黑" panose="020B0503020204020204" pitchFamily="34" charset="-122"/>
+                <a:ea typeface="微软雅黑" panose="020B0503020204020204" pitchFamily="34" charset="-122"/>
+              </a:rPr>
+              <a:t>项目亮点</a:t>
+            </a:r>
+            <a:endParaRPr lang="zh-CN" sz="2400" dirty="0">
+              <a:solidFill>
+                <a:schemeClr val="bg1"/>
+              </a:solidFill>
+              <a:latin typeface="微软雅黑" panose="020B0503020204020204" pitchFamily="34" charset="-122"/>
+              <a:ea typeface="微软雅黑" panose="020B0503020204020204" pitchFamily="34" charset="-122"/>
+            </a:endParaRPr>
+          </a:p>
+        </p:txBody>
+      </p:sp>
+      <p:sp>
+        <p:nvSpPr>
+          <p:cNvPr id="9" name="文本框 8"/>
+          <p:cNvSpPr txBox="1"/>
+          <p:nvPr/>
+        </p:nvSpPr>
+        <p:spPr>
+          <a:xfrm>
+            <a:off x="10152185" y="2963349"/>
+            <a:ext cx="1787029" cy="460375"/>
+          </a:xfrm>
+          <a:prstGeom prst="rect">
+            <a:avLst/>
+          </a:prstGeom>
+          <a:noFill/>
+        </p:spPr>
+        <p:txBody>
+          <a:bodyPr wrap="square" rtlCol="0">
+            <a:spAutoFit/>
+          </a:bodyPr>
+          <a:lstStyle/>
+          <a:p>
+            <a:r>
+              <a:rPr lang="zh-CN" sz="2400" dirty="0">
+                <a:solidFill>
+                  <a:schemeClr val="bg1">
+                    <a:lumMod val="65000"/>
+                  </a:schemeClr>
+                </a:solidFill>
+                <a:latin typeface="微软雅黑" panose="020B0503020204020204" pitchFamily="34" charset="-122"/>
+                <a:ea typeface="微软雅黑" panose="020B0503020204020204" pitchFamily="34" charset="-122"/>
+              </a:rPr>
+              <a:t>项目功能</a:t>
+            </a:r>
+            <a:endParaRPr lang="zh-CN" sz="2400" dirty="0">
+              <a:solidFill>
+                <a:schemeClr val="bg1">
+                  <a:lumMod val="65000"/>
+                </a:schemeClr>
+              </a:solidFill>
+              <a:latin typeface="微软雅黑" panose="020B0503020204020204" pitchFamily="34" charset="-122"/>
+              <a:ea typeface="微软雅黑" panose="020B0503020204020204" pitchFamily="34" charset="-122"/>
+            </a:endParaRPr>
+          </a:p>
+        </p:txBody>
+      </p:sp>
+      <p:sp>
+        <p:nvSpPr>
+          <p:cNvPr id="10" name="文本框 9"/>
+          <p:cNvSpPr txBox="1"/>
+          <p:nvPr/>
+        </p:nvSpPr>
+        <p:spPr>
+          <a:xfrm>
+            <a:off x="10152673" y="2383435"/>
+            <a:ext cx="1787029" cy="460375"/>
+          </a:xfrm>
+          <a:prstGeom prst="rect">
+            <a:avLst/>
+          </a:prstGeom>
+          <a:noFill/>
+        </p:spPr>
+        <p:txBody>
+          <a:bodyPr wrap="square" rtlCol="0">
+            <a:spAutoFit/>
+          </a:bodyPr>
+          <a:lstStyle/>
+          <a:p>
+            <a:r>
+              <a:rPr lang="zh-CN" sz="2400" dirty="0">
+                <a:solidFill>
+                  <a:schemeClr val="bg1">
+                    <a:lumMod val="65000"/>
+                  </a:schemeClr>
+                </a:solidFill>
+                <a:latin typeface="微软雅黑" panose="020B0503020204020204" pitchFamily="34" charset="-122"/>
+                <a:ea typeface="微软雅黑" panose="020B0503020204020204" pitchFamily="34" charset="-122"/>
+              </a:rPr>
+              <a:t>项目介绍</a:t>
+            </a:r>
+            <a:endParaRPr lang="zh-CN" sz="2400" dirty="0">
+              <a:solidFill>
+                <a:schemeClr val="bg1">
+                  <a:lumMod val="65000"/>
+                </a:schemeClr>
+              </a:solidFill>
+              <a:latin typeface="微软雅黑" panose="020B0503020204020204" pitchFamily="34" charset="-122"/>
+              <a:ea typeface="微软雅黑" panose="020B0503020204020204" pitchFamily="34" charset="-122"/>
+            </a:endParaRPr>
+          </a:p>
+        </p:txBody>
+      </p:sp>
+      <p:sp>
+        <p:nvSpPr>
+          <p:cNvPr id="12" name="文本框 11"/>
+          <p:cNvSpPr txBox="1"/>
+          <p:nvPr/>
+        </p:nvSpPr>
+        <p:spPr>
+          <a:xfrm>
+            <a:off x="13160668" y="4205567"/>
+            <a:ext cx="1787029" cy="461665"/>
+          </a:xfrm>
+          <a:prstGeom prst="rect">
+            <a:avLst/>
+          </a:prstGeom>
+          <a:noFill/>
+        </p:spPr>
+        <p:txBody>
+          <a:bodyPr wrap="square" rtlCol="0">
+            <a:spAutoFit/>
+          </a:bodyPr>
+          <a:lstStyle/>
+          <a:p>
+            <a:r>
+              <a:rPr lang="zh-CN" altLang="en-US" sz="2400" dirty="0">
+                <a:solidFill>
+                  <a:schemeClr val="bg1">
+                    <a:lumMod val="65000"/>
+                  </a:schemeClr>
+                </a:solidFill>
+                <a:latin typeface="微软雅黑" panose="020B0503020204020204" pitchFamily="34" charset="-122"/>
+                <a:ea typeface="微软雅黑" panose="020B0503020204020204" pitchFamily="34" charset="-122"/>
+              </a:rPr>
+              <a:t>汇报题目</a:t>
+            </a:r>
+            <a:r>
+              <a:rPr lang="en-US" altLang="zh-CN" sz="2400" dirty="0">
+                <a:solidFill>
+                  <a:schemeClr val="bg1">
+                    <a:lumMod val="65000"/>
+                  </a:schemeClr>
+                </a:solidFill>
+                <a:latin typeface="微软雅黑" panose="020B0503020204020204" pitchFamily="34" charset="-122"/>
+                <a:ea typeface="微软雅黑" panose="020B0503020204020204" pitchFamily="34" charset="-122"/>
+              </a:rPr>
+              <a:t>5</a:t>
+            </a:r>
+            <a:endParaRPr lang="zh-CN" altLang="en-US" sz="2400" dirty="0">
+              <a:solidFill>
+                <a:schemeClr val="bg1">
+                  <a:lumMod val="65000"/>
+                </a:schemeClr>
+              </a:solidFill>
+              <a:latin typeface="微软雅黑" panose="020B0503020204020204" pitchFamily="34" charset="-122"/>
+              <a:ea typeface="微软雅黑" panose="020B0503020204020204" pitchFamily="34" charset="-122"/>
+            </a:endParaRPr>
+          </a:p>
+        </p:txBody>
+      </p:sp>
+      <p:sp>
+        <p:nvSpPr>
+          <p:cNvPr id="5" name="文本框 4"/>
+          <p:cNvSpPr txBox="1"/>
+          <p:nvPr/>
+        </p:nvSpPr>
+        <p:spPr>
+          <a:xfrm>
+            <a:off x="637540" y="970280"/>
+            <a:ext cx="2844800" cy="368300"/>
+          </a:xfrm>
+          <a:prstGeom prst="rect">
+            <a:avLst/>
+          </a:prstGeom>
+          <a:noFill/>
+        </p:spPr>
+        <p:txBody>
+          <a:bodyPr wrap="square" rtlCol="0">
+            <a:spAutoFit/>
+          </a:bodyPr>
+          <a:p>
+            <a:pPr indent="0">
+              <a:buNone/>
+            </a:pPr>
+            <a:r>
+              <a:rPr lang="en-US" altLang="zh-CN"/>
+              <a:t>11. </a:t>
+            </a:r>
+            <a:r>
+              <a:rPr lang="zh-CN" altLang="en-US"/>
+              <a:t>采用</a:t>
+            </a:r>
+            <a:r>
+              <a:rPr lang="en-US" altLang="zh-CN"/>
+              <a:t>VO</a:t>
+            </a:r>
+            <a:r>
+              <a:rPr lang="zh-CN" altLang="en-US"/>
+              <a:t>、</a:t>
+            </a:r>
+            <a:r>
+              <a:rPr lang="en-US" altLang="zh-CN"/>
+              <a:t>PO</a:t>
+            </a:r>
+            <a:r>
+              <a:rPr lang="zh-CN" altLang="en-US"/>
+              <a:t>等模型</a:t>
+            </a:r>
+            <a:endParaRPr lang="zh-CN" altLang="en-US"/>
+          </a:p>
+        </p:txBody>
+      </p:sp>
+      <p:pic>
+        <p:nvPicPr>
+          <p:cNvPr id="7" name="图片 6"/>
+          <p:cNvPicPr>
+            <a:picLocks noChangeAspect="1"/>
+          </p:cNvPicPr>
+          <p:nvPr/>
+        </p:nvPicPr>
+        <p:blipFill>
+          <a:blip r:embed="rId3"/>
+          <a:stretch>
+            <a:fillRect/>
+          </a:stretch>
+        </p:blipFill>
+        <p:spPr>
+          <a:xfrm>
+            <a:off x="1539240" y="1569085"/>
+            <a:ext cx="2717800" cy="1466850"/>
+          </a:xfrm>
+          <a:prstGeom prst="rect">
+            <a:avLst/>
+          </a:prstGeom>
+        </p:spPr>
+      </p:pic>
+      <p:sp>
+        <p:nvSpPr>
+          <p:cNvPr id="11" name="文本框 10"/>
+          <p:cNvSpPr txBox="1"/>
+          <p:nvPr>
+            <p:custDataLst>
+              <p:tags r:id="rId4"/>
+            </p:custDataLst>
+          </p:nvPr>
+        </p:nvSpPr>
+        <p:spPr>
+          <a:xfrm>
+            <a:off x="472440" y="3266440"/>
+            <a:ext cx="6070600" cy="368300"/>
+          </a:xfrm>
+          <a:prstGeom prst="rect">
+            <a:avLst/>
+          </a:prstGeom>
+          <a:noFill/>
+        </p:spPr>
+        <p:txBody>
+          <a:bodyPr wrap="square" rtlCol="0">
+            <a:spAutoFit/>
+          </a:bodyPr>
+          <a:p>
+            <a:pPr indent="0">
+              <a:buNone/>
+            </a:pPr>
+            <a:r>
+              <a:rPr lang="en-US" altLang="zh-CN"/>
+              <a:t>12. </a:t>
+            </a:r>
+            <a:r>
+              <a:rPr lang="zh-CN" altLang="en-US"/>
+              <a:t>封装</a:t>
+            </a:r>
+            <a:r>
+              <a:rPr lang="en-US" altLang="zh-CN"/>
+              <a:t>BaseServlet</a:t>
+            </a:r>
+            <a:r>
+              <a:rPr lang="zh-CN" altLang="en-US"/>
+              <a:t>类简化开发</a:t>
+            </a:r>
+            <a:endParaRPr lang="zh-CN" altLang="en-US"/>
+          </a:p>
+        </p:txBody>
+      </p:sp>
+      <p:pic>
+        <p:nvPicPr>
+          <p:cNvPr id="13" name="图片 12"/>
+          <p:cNvPicPr>
+            <a:picLocks noChangeAspect="1"/>
+          </p:cNvPicPr>
+          <p:nvPr/>
+        </p:nvPicPr>
+        <p:blipFill>
+          <a:blip r:embed="rId5"/>
+          <a:stretch>
+            <a:fillRect/>
+          </a:stretch>
+        </p:blipFill>
+        <p:spPr>
+          <a:xfrm>
+            <a:off x="5250180" y="283845"/>
+            <a:ext cx="2428875" cy="2819400"/>
+          </a:xfrm>
+          <a:prstGeom prst="rect">
+            <a:avLst/>
+          </a:prstGeom>
+        </p:spPr>
+      </p:pic>
+      <p:pic>
+        <p:nvPicPr>
+          <p:cNvPr id="14" name="图片 13"/>
+          <p:cNvPicPr>
+            <a:picLocks noChangeAspect="1"/>
+          </p:cNvPicPr>
+          <p:nvPr/>
+        </p:nvPicPr>
+        <p:blipFill>
+          <a:blip r:embed="rId6"/>
+          <a:stretch>
+            <a:fillRect/>
+          </a:stretch>
+        </p:blipFill>
+        <p:spPr>
+          <a:xfrm>
+            <a:off x="968375" y="3865245"/>
+            <a:ext cx="2295525" cy="2533650"/>
+          </a:xfrm>
+          <a:prstGeom prst="rect">
+            <a:avLst/>
+          </a:prstGeom>
+        </p:spPr>
+      </p:pic>
+    </p:spTree>
+  </p:cSld>
+  <p:clrMapOvr>
+    <a:masterClrMapping/>
+  </p:clrMapOvr>
+  <mc:AlternateContent xmlns:mc="http://schemas.openxmlformats.org/markup-compatibility/2006" xmlns:p159="http://schemas.microsoft.com/office/powerpoint/2015/09/main">
+    <mc:Choice Requires="p159">
+      <p:transition xmlns:p14="http://schemas.microsoft.com/office/powerpoint/2010/main" spd="slow" p14:dur="1250">
+        <p159:morph option="byObject"/>
+      </p:transition>
+    </mc:Choice>
+    <mc:Fallback>
+      <p:transition spd="slow">
+        <p:fade/>
+      </p:transition>
+    </mc:Fallback>
+  </mc:AlternateContent>
+  <p:timing>
+    <p:tnLst>
+      <p:par>
+        <p:cTn id="1" dur="indefinite" restart="never" nodeType="tmRoot">
+          <p:childTnLst>
+            <p:seq concurrent="1" nextAc="seek">
+              <p:cTn id="2" dur="indefinite" nodeType="mainSeq">
+                <p:childTnLst>
+                  <p:par>
+                    <p:cTn id="3" fill="hold">
+                      <p:stCondLst>
+                        <p:cond delay="indefinite"/>
+                      </p:stCondLst>
+                      <p:childTnLst>
+                        <p:par>
+                          <p:cTn id="4" fill="hold">
+                            <p:stCondLst>
+                              <p:cond delay="0"/>
+                            </p:stCondLst>
+                            <p:childTnLst>
+                              <p:par>
+                                <p:cTn id="5" presetID="55" presetClass="entr" presetSubtype="0" fill="hold" nodeType="clickEffect">
+                                  <p:stCondLst>
+                                    <p:cond delay="0"/>
+                                  </p:stCondLst>
+                                  <p:childTnLst>
+                                    <p:set>
+                                      <p:cBhvr>
+                                        <p:cTn id="6" dur="1" fill="hold">
+                                          <p:stCondLst>
+                                            <p:cond delay="0"/>
+                                          </p:stCondLst>
+                                        </p:cTn>
+                                        <p:tgtEl>
+                                          <p:spTgt spid="7"/>
+                                        </p:tgtEl>
+                                        <p:attrNameLst>
+                                          <p:attrName>style.visibility</p:attrName>
+                                        </p:attrNameLst>
+                                      </p:cBhvr>
+                                      <p:to>
+                                        <p:strVal val="visible"/>
+                                      </p:to>
+                                    </p:set>
+                                    <p:anim calcmode="lin" valueType="num">
+                                      <p:cBhvr>
+                                        <p:cTn id="7" dur="1000" fill="hold"/>
+                                        <p:tgtEl>
+                                          <p:spTgt spid="7"/>
+                                        </p:tgtEl>
+                                        <p:attrNameLst>
+                                          <p:attrName>ppt_w</p:attrName>
+                                        </p:attrNameLst>
+                                      </p:cBhvr>
+                                      <p:tavLst>
+                                        <p:tav tm="0">
+                                          <p:val>
+                                            <p:strVal val="#ppt_w*0.70"/>
+                                          </p:val>
+                                        </p:tav>
+                                        <p:tav tm="100000">
+                                          <p:val>
+                                            <p:strVal val="#ppt_w"/>
+                                          </p:val>
+                                        </p:tav>
+                                      </p:tavLst>
+                                    </p:anim>
+                                    <p:anim calcmode="lin" valueType="num">
+                                      <p:cBhvr>
+                                        <p:cTn id="8" dur="1000" fill="hold"/>
+                                        <p:tgtEl>
+                                          <p:spTgt spid="7"/>
+                                        </p:tgtEl>
+                                        <p:attrNameLst>
+                                          <p:attrName>ppt_h</p:attrName>
+                                        </p:attrNameLst>
+                                      </p:cBhvr>
+                                      <p:tavLst>
+                                        <p:tav tm="0">
+                                          <p:val>
+                                            <p:strVal val="#ppt_h"/>
+                                          </p:val>
+                                        </p:tav>
+                                        <p:tav tm="100000">
+                                          <p:val>
+                                            <p:strVal val="#ppt_h"/>
+                                          </p:val>
+                                        </p:tav>
+                                      </p:tavLst>
+                                    </p:anim>
+                                    <p:animEffect transition="in" filter="fade">
+                                      <p:cBhvr>
+                                        <p:cTn id="9" dur="1000"/>
+                                        <p:tgtEl>
+                                          <p:spTgt spid="7"/>
+                                        </p:tgtEl>
+                                      </p:cBhvr>
+                                    </p:animEffect>
+                                  </p:childTnLst>
+                                </p:cTn>
+                              </p:par>
+                            </p:childTnLst>
+                          </p:cTn>
+                        </p:par>
+                      </p:childTnLst>
+                    </p:cTn>
+                  </p:par>
+                  <p:par>
+                    <p:cTn id="10" fill="hold">
+                      <p:stCondLst>
+                        <p:cond delay="indefinite"/>
+                      </p:stCondLst>
+                      <p:childTnLst>
+                        <p:par>
+                          <p:cTn id="11" fill="hold">
+                            <p:stCondLst>
+                              <p:cond delay="0"/>
+                            </p:stCondLst>
+                            <p:childTnLst>
+                              <p:par>
+                                <p:cTn id="12" presetID="55" presetClass="entr" presetSubtype="0" fill="hold" nodeType="clickEffect">
+                                  <p:stCondLst>
+                                    <p:cond delay="0"/>
+                                  </p:stCondLst>
+                                  <p:childTnLst>
+                                    <p:set>
+                                      <p:cBhvr>
+                                        <p:cTn id="13" dur="1" fill="hold">
+                                          <p:stCondLst>
+                                            <p:cond delay="0"/>
+                                          </p:stCondLst>
+                                        </p:cTn>
+                                        <p:tgtEl>
+                                          <p:spTgt spid="13"/>
+                                        </p:tgtEl>
+                                        <p:attrNameLst>
+                                          <p:attrName>style.visibility</p:attrName>
+                                        </p:attrNameLst>
+                                      </p:cBhvr>
+                                      <p:to>
+                                        <p:strVal val="visible"/>
+                                      </p:to>
+                                    </p:set>
+                                    <p:anim calcmode="lin" valueType="num">
+                                      <p:cBhvr>
+                                        <p:cTn id="14" dur="1000" fill="hold"/>
+                                        <p:tgtEl>
+                                          <p:spTgt spid="13"/>
+                                        </p:tgtEl>
+                                        <p:attrNameLst>
+                                          <p:attrName>ppt_w</p:attrName>
+                                        </p:attrNameLst>
+                                      </p:cBhvr>
+                                      <p:tavLst>
+                                        <p:tav tm="0">
+                                          <p:val>
+                                            <p:strVal val="#ppt_w*0.70"/>
+                                          </p:val>
+                                        </p:tav>
+                                        <p:tav tm="100000">
+                                          <p:val>
+                                            <p:strVal val="#ppt_w"/>
+                                          </p:val>
+                                        </p:tav>
+                                      </p:tavLst>
+                                    </p:anim>
+                                    <p:anim calcmode="lin" valueType="num">
+                                      <p:cBhvr>
+                                        <p:cTn id="15" dur="1000" fill="hold"/>
+                                        <p:tgtEl>
+                                          <p:spTgt spid="13"/>
+                                        </p:tgtEl>
+                                        <p:attrNameLst>
+                                          <p:attrName>ppt_h</p:attrName>
+                                        </p:attrNameLst>
+                                      </p:cBhvr>
+                                      <p:tavLst>
+                                        <p:tav tm="0">
+                                          <p:val>
+                                            <p:strVal val="#ppt_h"/>
+                                          </p:val>
+                                        </p:tav>
+                                        <p:tav tm="100000">
+                                          <p:val>
+                                            <p:strVal val="#ppt_h"/>
+                                          </p:val>
+                                        </p:tav>
+                                      </p:tavLst>
+                                    </p:anim>
+                                    <p:animEffect transition="in" filter="fade">
+                                      <p:cBhvr>
+                                        <p:cTn id="16" dur="1000"/>
+                                        <p:tgtEl>
+                                          <p:spTgt spid="13"/>
+                                        </p:tgtEl>
+                                      </p:cBhvr>
+                                    </p:animEffect>
+                                  </p:childTnLst>
+                                </p:cTn>
+                              </p:par>
+                            </p:childTnLst>
+                          </p:cTn>
+                        </p:par>
+                      </p:childTnLst>
+                    </p:cTn>
+                  </p:par>
+                  <p:par>
+                    <p:cTn id="17" fill="hold">
+                      <p:stCondLst>
+                        <p:cond delay="indefinite"/>
+                      </p:stCondLst>
+                      <p:childTnLst>
+                        <p:par>
+                          <p:cTn id="18" fill="hold">
+                            <p:stCondLst>
+                              <p:cond delay="0"/>
+                            </p:stCondLst>
+                            <p:childTnLst>
+                              <p:par>
+                                <p:cTn id="19" presetID="55" presetClass="entr" presetSubtype="0" fill="hold" nodeType="clickEffect">
+                                  <p:stCondLst>
+                                    <p:cond delay="0"/>
+                                  </p:stCondLst>
+                                  <p:childTnLst>
+                                    <p:set>
+                                      <p:cBhvr>
+                                        <p:cTn id="20" dur="1" fill="hold">
+                                          <p:stCondLst>
+                                            <p:cond delay="0"/>
+                                          </p:stCondLst>
+                                        </p:cTn>
+                                        <p:tgtEl>
+                                          <p:spTgt spid="14"/>
+                                        </p:tgtEl>
+                                        <p:attrNameLst>
+                                          <p:attrName>style.visibility</p:attrName>
+                                        </p:attrNameLst>
+                                      </p:cBhvr>
+                                      <p:to>
+                                        <p:strVal val="visible"/>
+                                      </p:to>
+                                    </p:set>
+                                    <p:anim calcmode="lin" valueType="num">
+                                      <p:cBhvr>
+                                        <p:cTn id="21" dur="1000" fill="hold"/>
+                                        <p:tgtEl>
+                                          <p:spTgt spid="14"/>
+                                        </p:tgtEl>
+                                        <p:attrNameLst>
+                                          <p:attrName>ppt_w</p:attrName>
+                                        </p:attrNameLst>
+                                      </p:cBhvr>
+                                      <p:tavLst>
+                                        <p:tav tm="0">
+                                          <p:val>
+                                            <p:strVal val="#ppt_w*0.70"/>
+                                          </p:val>
+                                        </p:tav>
+                                        <p:tav tm="100000">
+                                          <p:val>
+                                            <p:strVal val="#ppt_w"/>
+                                          </p:val>
+                                        </p:tav>
+                                      </p:tavLst>
+                                    </p:anim>
+                                    <p:anim calcmode="lin" valueType="num">
+                                      <p:cBhvr>
+                                        <p:cTn id="22" dur="1000" fill="hold"/>
+                                        <p:tgtEl>
+                                          <p:spTgt spid="14"/>
+                                        </p:tgtEl>
+                                        <p:attrNameLst>
+                                          <p:attrName>ppt_h</p:attrName>
+                                        </p:attrNameLst>
+                                      </p:cBhvr>
+                                      <p:tavLst>
+                                        <p:tav tm="0">
+                                          <p:val>
+                                            <p:strVal val="#ppt_h"/>
+                                          </p:val>
+                                        </p:tav>
+                                        <p:tav tm="100000">
+                                          <p:val>
+                                            <p:strVal val="#ppt_h"/>
+                                          </p:val>
+                                        </p:tav>
+                                      </p:tavLst>
+                                    </p:anim>
+                                    <p:animEffect transition="in" filter="fade">
+                                      <p:cBhvr>
+                                        <p:cTn id="23" dur="1000"/>
+                                        <p:tgtEl>
+                                          <p:spTgt spid="14"/>
+                                        </p:tgtEl>
+                                      </p:cBhvr>
+                                    </p:animEffect>
+                                  </p:childTnLst>
+                                </p:cTn>
+                              </p:par>
+                            </p:childTnLst>
+                          </p:cTn>
+                        </p:par>
+                      </p:childTnLst>
+                    </p:cTn>
+                  </p:par>
+                </p:childTnLst>
+              </p:cTn>
+              <p:prevCondLst>
+                <p:cond evt="onPrev" delay="0">
+                  <p:tgtEl>
+                    <p:sldTgt/>
+                  </p:tgtEl>
+                </p:cond>
+              </p:prevCondLst>
+              <p:nextCondLst>
+                <p:cond evt="onNext" delay="0">
+                  <p:tgtEl>
+                    <p:sldTgt/>
+                  </p:tgtEl>
+                </p:cond>
+              </p:nextCondLst>
+            </p:seq>
+          </p:childTnLst>
+        </p:cTn>
+      </p:par>
+    </p:tnLst>
+  </p:timing>
+</p:sld>
+</file>
+
+<file path=ppt/slides/slide15.xml><?xml version="1.0" encoding="utf-8"?>
+<p:sld xmlns:a="http://schemas.openxmlformats.org/drawingml/2006/main" xmlns:r="http://schemas.openxmlformats.org/officeDocument/2006/relationships" xmlns:p="http://schemas.openxmlformats.org/presentationml/2006/main">
+  <p:cSld>
+    <p:spTree>
+      <p:nvGrpSpPr>
+        <p:cNvPr id="1" name=""/>
+        <p:cNvGrpSpPr/>
+        <p:nvPr/>
+      </p:nvGrpSpPr>
+      <p:grpSpPr>
+        <a:xfrm>
+          <a:off x="0" y="0"/>
+          <a:ext cx="0" cy="0"/>
+          <a:chOff x="0" y="0"/>
+          <a:chExt cx="0" cy="0"/>
+        </a:xfrm>
+      </p:grpSpPr>
+      <p:sp>
+        <p:nvSpPr>
+          <p:cNvPr id="2" name="矩形 1"/>
+          <p:cNvSpPr/>
+          <p:nvPr/>
+        </p:nvSpPr>
+        <p:spPr>
+          <a:xfrm>
+            <a:off x="9942286" y="0"/>
+            <a:ext cx="2249715" cy="6858000"/>
+          </a:xfrm>
+          <a:prstGeom prst="rect">
+            <a:avLst/>
+          </a:prstGeom>
+          <a:solidFill>
+            <a:srgbClr val="3843B3"/>
+          </a:solidFill>
+          <a:ln>
+            <a:noFill/>
+          </a:ln>
+        </p:spPr>
+        <p:style>
+          <a:lnRef idx="2">
+            <a:schemeClr val="accent1">
+              <a:shade val="50000"/>
+            </a:schemeClr>
+          </a:lnRef>
+          <a:fillRef idx="1">
+            <a:schemeClr val="accent1"/>
+          </a:fillRef>
+          <a:effectRef idx="0">
+            <a:schemeClr val="accent1"/>
+          </a:effectRef>
+          <a:fontRef idx="minor">
+            <a:schemeClr val="lt1"/>
+          </a:fontRef>
+        </p:style>
+        <p:txBody>
+          <a:bodyPr rtlCol="0" anchor="ctr"/>
+          <a:lstStyle/>
+          <a:p>
+            <a:pPr algn="ctr"/>
+            <a:endParaRPr lang="zh-CN" altLang="en-US" dirty="0">
+              <a:latin typeface="微软雅黑" panose="020B0503020204020204" pitchFamily="34" charset="-122"/>
+              <a:ea typeface="微软雅黑" panose="020B0503020204020204" pitchFamily="34" charset="-122"/>
+            </a:endParaRPr>
+          </a:p>
+        </p:txBody>
+      </p:sp>
+      <p:sp>
+        <p:nvSpPr>
+          <p:cNvPr id="3" name="文本框 2"/>
+          <p:cNvSpPr txBox="1"/>
+          <p:nvPr/>
+        </p:nvSpPr>
+        <p:spPr>
+          <a:xfrm>
+            <a:off x="1425004" y="509861"/>
+            <a:ext cx="2656459" cy="460375"/>
+          </a:xfrm>
+          <a:prstGeom prst="rect">
+            <a:avLst/>
+          </a:prstGeom>
+          <a:noFill/>
+        </p:spPr>
+        <p:txBody>
+          <a:bodyPr wrap="square" rtlCol="0">
+            <a:spAutoFit/>
+          </a:bodyPr>
+          <a:lstStyle/>
+          <a:p>
+            <a:r>
+              <a:rPr lang="zh-CN" sz="2400" b="1" dirty="0">
+                <a:solidFill>
+                  <a:schemeClr val="bg2">
+                    <a:lumMod val="25000"/>
+                  </a:schemeClr>
+                </a:solidFill>
+                <a:latin typeface="微软雅黑" panose="020B0503020204020204" pitchFamily="34" charset="-122"/>
+                <a:ea typeface="微软雅黑" panose="020B0503020204020204" pitchFamily="34" charset="-122"/>
+              </a:rPr>
+              <a:t>项目亮点</a:t>
+            </a:r>
+            <a:endParaRPr lang="zh-CN" sz="2400" b="1" dirty="0">
+              <a:solidFill>
+                <a:schemeClr val="bg2">
+                  <a:lumMod val="25000"/>
+                </a:schemeClr>
+              </a:solidFill>
+              <a:latin typeface="微软雅黑" panose="020B0503020204020204" pitchFamily="34" charset="-122"/>
+              <a:ea typeface="微软雅黑" panose="020B0503020204020204" pitchFamily="34" charset="-122"/>
+            </a:endParaRPr>
+          </a:p>
+        </p:txBody>
+      </p:sp>
+      <p:pic>
+        <p:nvPicPr>
+          <p:cNvPr id="4" name="图形 3"/>
+          <p:cNvPicPr>
+            <a:picLocks noChangeAspect="1"/>
+          </p:cNvPicPr>
+          <p:nvPr/>
+        </p:nvPicPr>
+        <p:blipFill>
+          <a:blip r:embed="rId1">
+            <a:extLst>
+              <a:ext uri="{28A0092B-C50C-407E-A947-70E740481C1C}">
+                <a14:useLocalDpi xmlns:a14="http://schemas.microsoft.com/office/drawing/2010/main" val="0"/>
+              </a:ext>
+              <a:ext uri="{96DAC541-7B7A-43D3-8B79-37D633B846F1}">
+                <asvg:svgBlip xmlns:asvg="http://schemas.microsoft.com/office/drawing/2016/SVG/main" r:embed="rId2"/>
+              </a:ext>
+            </a:extLst>
+          </a:blip>
+          <a:stretch>
+            <a:fillRect/>
+          </a:stretch>
+        </p:blipFill>
+        <p:spPr>
+          <a:xfrm>
+            <a:off x="10516998" y="420430"/>
+            <a:ext cx="1068278" cy="1102192"/>
+          </a:xfrm>
+          <a:prstGeom prst="rect">
+            <a:avLst/>
+          </a:prstGeom>
+        </p:spPr>
+      </p:pic>
+      <p:sp>
+        <p:nvSpPr>
+          <p:cNvPr id="6" name="椭圆 5"/>
+          <p:cNvSpPr/>
+          <p:nvPr/>
+        </p:nvSpPr>
+        <p:spPr>
+          <a:xfrm>
+            <a:off x="968457" y="577043"/>
+            <a:ext cx="327299" cy="327299"/>
+          </a:xfrm>
+          <a:prstGeom prst="ellipse">
+            <a:avLst/>
+          </a:prstGeom>
+          <a:solidFill>
+            <a:srgbClr val="3843B3"/>
+          </a:solidFill>
+          <a:ln w="53975">
+            <a:noFill/>
+          </a:ln>
+        </p:spPr>
+        <p:style>
+          <a:lnRef idx="2">
+            <a:schemeClr val="accent1">
+              <a:shade val="50000"/>
+            </a:schemeClr>
+          </a:lnRef>
+          <a:fillRef idx="1">
+            <a:schemeClr val="accent1"/>
+          </a:fillRef>
+          <a:effectRef idx="0">
+            <a:schemeClr val="accent1"/>
+          </a:effectRef>
+          <a:fontRef idx="minor">
+            <a:schemeClr val="lt1"/>
+          </a:fontRef>
+        </p:style>
+        <p:txBody>
+          <a:bodyPr rtlCol="0" anchor="ctr"/>
+          <a:lstStyle/>
+          <a:p>
+            <a:pPr algn="ctr"/>
+            <a:endParaRPr lang="zh-CN" altLang="en-US" sz="1400" b="1" dirty="0">
+              <a:latin typeface="微软雅黑" panose="020B0503020204020204" pitchFamily="34" charset="-122"/>
+              <a:ea typeface="微软雅黑" panose="020B0503020204020204" pitchFamily="34" charset="-122"/>
+            </a:endParaRPr>
+          </a:p>
+        </p:txBody>
+      </p:sp>
+      <p:sp>
+        <p:nvSpPr>
+          <p:cNvPr id="8" name="文本框 7"/>
+          <p:cNvSpPr txBox="1"/>
+          <p:nvPr/>
+        </p:nvSpPr>
+        <p:spPr>
+          <a:xfrm>
+            <a:off x="10152185" y="3543898"/>
+            <a:ext cx="1787029" cy="460375"/>
+          </a:xfrm>
+          <a:prstGeom prst="rect">
+            <a:avLst/>
+          </a:prstGeom>
+          <a:noFill/>
+        </p:spPr>
+        <p:txBody>
+          <a:bodyPr wrap="square" rtlCol="0">
+            <a:spAutoFit/>
+          </a:bodyPr>
+          <a:lstStyle/>
+          <a:p>
+            <a:r>
+              <a:rPr lang="zh-CN" sz="2400" dirty="0">
+                <a:solidFill>
+                  <a:schemeClr val="bg1"/>
+                </a:solidFill>
+                <a:latin typeface="微软雅黑" panose="020B0503020204020204" pitchFamily="34" charset="-122"/>
+                <a:ea typeface="微软雅黑" panose="020B0503020204020204" pitchFamily="34" charset="-122"/>
+              </a:rPr>
+              <a:t>项目亮点</a:t>
+            </a:r>
+            <a:endParaRPr lang="zh-CN" sz="2400" dirty="0">
+              <a:solidFill>
+                <a:schemeClr val="bg1"/>
+              </a:solidFill>
+              <a:latin typeface="微软雅黑" panose="020B0503020204020204" pitchFamily="34" charset="-122"/>
+              <a:ea typeface="微软雅黑" panose="020B0503020204020204" pitchFamily="34" charset="-122"/>
+            </a:endParaRPr>
+          </a:p>
+        </p:txBody>
+      </p:sp>
+      <p:sp>
+        <p:nvSpPr>
+          <p:cNvPr id="9" name="文本框 8"/>
+          <p:cNvSpPr txBox="1"/>
+          <p:nvPr/>
+        </p:nvSpPr>
+        <p:spPr>
+          <a:xfrm>
+            <a:off x="10152185" y="2963349"/>
+            <a:ext cx="1787029" cy="460375"/>
+          </a:xfrm>
+          <a:prstGeom prst="rect">
+            <a:avLst/>
+          </a:prstGeom>
+          <a:noFill/>
+        </p:spPr>
+        <p:txBody>
+          <a:bodyPr wrap="square" rtlCol="0">
+            <a:spAutoFit/>
+          </a:bodyPr>
+          <a:lstStyle/>
+          <a:p>
+            <a:r>
+              <a:rPr lang="zh-CN" sz="2400" dirty="0">
+                <a:solidFill>
+                  <a:schemeClr val="bg1">
+                    <a:lumMod val="65000"/>
+                  </a:schemeClr>
+                </a:solidFill>
+                <a:latin typeface="微软雅黑" panose="020B0503020204020204" pitchFamily="34" charset="-122"/>
+                <a:ea typeface="微软雅黑" panose="020B0503020204020204" pitchFamily="34" charset="-122"/>
+              </a:rPr>
+              <a:t>项目功能</a:t>
+            </a:r>
+            <a:endParaRPr lang="zh-CN" sz="2400" dirty="0">
+              <a:solidFill>
+                <a:schemeClr val="bg1">
+                  <a:lumMod val="65000"/>
+                </a:schemeClr>
+              </a:solidFill>
+              <a:latin typeface="微软雅黑" panose="020B0503020204020204" pitchFamily="34" charset="-122"/>
+              <a:ea typeface="微软雅黑" panose="020B0503020204020204" pitchFamily="34" charset="-122"/>
+            </a:endParaRPr>
+          </a:p>
+        </p:txBody>
+      </p:sp>
+      <p:sp>
+        <p:nvSpPr>
+          <p:cNvPr id="10" name="文本框 9"/>
+          <p:cNvSpPr txBox="1"/>
+          <p:nvPr/>
+        </p:nvSpPr>
+        <p:spPr>
+          <a:xfrm>
+            <a:off x="10152673" y="2383435"/>
+            <a:ext cx="1787029" cy="460375"/>
+          </a:xfrm>
+          <a:prstGeom prst="rect">
+            <a:avLst/>
+          </a:prstGeom>
+          <a:noFill/>
+        </p:spPr>
+        <p:txBody>
+          <a:bodyPr wrap="square" rtlCol="0">
+            <a:spAutoFit/>
+          </a:bodyPr>
+          <a:lstStyle/>
+          <a:p>
+            <a:r>
+              <a:rPr lang="zh-CN" sz="2400" dirty="0">
+                <a:solidFill>
+                  <a:schemeClr val="bg1">
+                    <a:lumMod val="65000"/>
+                  </a:schemeClr>
+                </a:solidFill>
+                <a:latin typeface="微软雅黑" panose="020B0503020204020204" pitchFamily="34" charset="-122"/>
+                <a:ea typeface="微软雅黑" panose="020B0503020204020204" pitchFamily="34" charset="-122"/>
+              </a:rPr>
+              <a:t>项目介绍</a:t>
+            </a:r>
+            <a:endParaRPr lang="zh-CN" sz="2400" dirty="0">
+              <a:solidFill>
+                <a:schemeClr val="bg1">
+                  <a:lumMod val="65000"/>
+                </a:schemeClr>
+              </a:solidFill>
+              <a:latin typeface="微软雅黑" panose="020B0503020204020204" pitchFamily="34" charset="-122"/>
+              <a:ea typeface="微软雅黑" panose="020B0503020204020204" pitchFamily="34" charset="-122"/>
+            </a:endParaRPr>
+          </a:p>
+        </p:txBody>
+      </p:sp>
+      <p:sp>
+        <p:nvSpPr>
+          <p:cNvPr id="12" name="文本框 11"/>
+          <p:cNvSpPr txBox="1"/>
+          <p:nvPr/>
+        </p:nvSpPr>
+        <p:spPr>
+          <a:xfrm>
+            <a:off x="13160668" y="4205567"/>
+            <a:ext cx="1787029" cy="461665"/>
+          </a:xfrm>
+          <a:prstGeom prst="rect">
+            <a:avLst/>
+          </a:prstGeom>
+          <a:noFill/>
+        </p:spPr>
+        <p:txBody>
+          <a:bodyPr wrap="square" rtlCol="0">
+            <a:spAutoFit/>
+          </a:bodyPr>
+          <a:lstStyle/>
+          <a:p>
+            <a:r>
+              <a:rPr lang="zh-CN" altLang="en-US" sz="2400" dirty="0">
+                <a:solidFill>
+                  <a:schemeClr val="bg1">
+                    <a:lumMod val="65000"/>
+                  </a:schemeClr>
+                </a:solidFill>
+                <a:latin typeface="微软雅黑" panose="020B0503020204020204" pitchFamily="34" charset="-122"/>
+                <a:ea typeface="微软雅黑" panose="020B0503020204020204" pitchFamily="34" charset="-122"/>
+              </a:rPr>
+              <a:t>汇报题目</a:t>
+            </a:r>
+            <a:r>
+              <a:rPr lang="en-US" altLang="zh-CN" sz="2400" dirty="0">
+                <a:solidFill>
+                  <a:schemeClr val="bg1">
+                    <a:lumMod val="65000"/>
+                  </a:schemeClr>
+                </a:solidFill>
+                <a:latin typeface="微软雅黑" panose="020B0503020204020204" pitchFamily="34" charset="-122"/>
+                <a:ea typeface="微软雅黑" panose="020B0503020204020204" pitchFamily="34" charset="-122"/>
+              </a:rPr>
+              <a:t>5</a:t>
+            </a:r>
+            <a:endParaRPr lang="zh-CN" altLang="en-US" sz="2400" dirty="0">
+              <a:solidFill>
+                <a:schemeClr val="bg1">
+                  <a:lumMod val="65000"/>
+                </a:schemeClr>
+              </a:solidFill>
+              <a:latin typeface="微软雅黑" panose="020B0503020204020204" pitchFamily="34" charset="-122"/>
+              <a:ea typeface="微软雅黑" panose="020B0503020204020204" pitchFamily="34" charset="-122"/>
+            </a:endParaRPr>
+          </a:p>
+        </p:txBody>
+      </p:sp>
+      <p:sp>
+        <p:nvSpPr>
+          <p:cNvPr id="5" name="文本框 4"/>
+          <p:cNvSpPr txBox="1"/>
+          <p:nvPr/>
+        </p:nvSpPr>
+        <p:spPr>
+          <a:xfrm>
+            <a:off x="1224280" y="1089660"/>
+            <a:ext cx="6070600" cy="368300"/>
+          </a:xfrm>
+          <a:prstGeom prst="rect">
+            <a:avLst/>
+          </a:prstGeom>
+          <a:noFill/>
+        </p:spPr>
+        <p:txBody>
+          <a:bodyPr wrap="square" rtlCol="0">
+            <a:spAutoFit/>
+          </a:bodyPr>
+          <a:p>
+            <a:pPr indent="0">
+              <a:buNone/>
+            </a:pPr>
+            <a:r>
+              <a:rPr lang="en-US" altLang="zh-CN"/>
+              <a:t>13. </a:t>
+            </a:r>
+            <a:r>
+              <a:rPr lang="zh-CN" altLang="en-US"/>
+              <a:t>实现用户验证码登录，忘记密码等功能</a:t>
+            </a:r>
+            <a:endParaRPr lang="zh-CN" altLang="en-US"/>
+          </a:p>
+        </p:txBody>
+      </p:sp>
+      <p:pic>
+        <p:nvPicPr>
+          <p:cNvPr id="7" name="图片 6"/>
+          <p:cNvPicPr>
+            <a:picLocks noChangeAspect="1"/>
+          </p:cNvPicPr>
+          <p:nvPr/>
+        </p:nvPicPr>
+        <p:blipFill>
+          <a:blip r:embed="rId3"/>
+          <a:stretch>
+            <a:fillRect/>
+          </a:stretch>
+        </p:blipFill>
+        <p:spPr>
+          <a:xfrm>
+            <a:off x="713740" y="1539240"/>
+            <a:ext cx="5768340" cy="5064760"/>
+          </a:xfrm>
+          <a:prstGeom prst="rect">
+            <a:avLst/>
+          </a:prstGeom>
+        </p:spPr>
+      </p:pic>
+      <p:sp>
+        <p:nvSpPr>
+          <p:cNvPr id="100" name="文本框 99"/>
+          <p:cNvSpPr txBox="1"/>
+          <p:nvPr/>
+        </p:nvSpPr>
+        <p:spPr>
+          <a:xfrm>
+            <a:off x="6486525" y="2728595"/>
+            <a:ext cx="3455670" cy="1275715"/>
+          </a:xfrm>
+          <a:prstGeom prst="rect">
+            <a:avLst/>
+          </a:prstGeom>
+          <a:noFill/>
+          <a:ln w="9525">
+            <a:noFill/>
+          </a:ln>
+        </p:spPr>
+        <p:txBody>
+          <a:bodyPr wrap="square">
+            <a:noAutofit/>
+          </a:bodyPr>
+          <a:p>
+            <a:pPr marL="285750" indent="-285750">
+              <a:buFont typeface="Wingdings" panose="05000000000000000000" charset="0"/>
+              <a:buChar char="ü"/>
+            </a:pPr>
+            <a:r>
+              <a:rPr lang="zh-CN" b="0">
+                <a:ea typeface="等线" panose="02010600030101010101" charset="-122"/>
+              </a:rPr>
+              <a:t>保护网站安全</a:t>
+            </a:r>
+            <a:endParaRPr lang="zh-CN" b="0">
+              <a:ea typeface="等线" panose="02010600030101010101" charset="-122"/>
+            </a:endParaRPr>
+          </a:p>
+          <a:p>
+            <a:pPr marL="285750" indent="-285750">
+              <a:buFont typeface="Wingdings" panose="05000000000000000000" charset="0"/>
+              <a:buChar char="ü"/>
+            </a:pPr>
+            <a:r>
+              <a:rPr lang="zh-CN" b="0">
+                <a:ea typeface="等线" panose="02010600030101010101" charset="-122"/>
+              </a:rPr>
+              <a:t>防止机器大规模注册</a:t>
+            </a:r>
+            <a:endParaRPr lang="zh-CN" b="0">
+              <a:ea typeface="等线" panose="02010600030101010101" charset="-122"/>
+            </a:endParaRPr>
+          </a:p>
+          <a:p>
+            <a:pPr marL="285750" indent="-285750">
+              <a:buFont typeface="Wingdings" panose="05000000000000000000" charset="0"/>
+              <a:buChar char="ü"/>
+            </a:pPr>
+            <a:r>
+              <a:rPr lang="zh-CN" b="0">
+                <a:ea typeface="等线" panose="02010600030101010101" charset="-122"/>
+              </a:rPr>
+              <a:t>防止机器暴力破解数据密码</a:t>
+            </a:r>
+            <a:endParaRPr lang="zh-CN" altLang="en-US" b="0">
+              <a:ea typeface="等线" panose="02010600030101010101" charset="-122"/>
+            </a:endParaRPr>
+          </a:p>
+        </p:txBody>
+      </p:sp>
+    </p:spTree>
+  </p:cSld>
+  <p:clrMapOvr>
+    <a:masterClrMapping/>
+  </p:clrMapOvr>
+  <mc:AlternateContent xmlns:mc="http://schemas.openxmlformats.org/markup-compatibility/2006" xmlns:p159="http://schemas.microsoft.com/office/powerpoint/2015/09/main">
+    <mc:Choice Requires="p159">
+      <p:transition xmlns:p14="http://schemas.microsoft.com/office/powerpoint/2010/main" spd="slow" p14:dur="1250">
+        <p159:morph option="byObject"/>
+      </p:transition>
+    </mc:Choice>
+    <mc:Fallback>
+      <p:transition spd="slow">
+        <p:fade/>
+      </p:transition>
+    </mc:Fallback>
+  </mc:AlternateContent>
+  <p:timing>
+    <p:tnLst>
+      <p:par>
+        <p:cTn id="1" dur="indefinite" restart="never" nodeType="tmRoot">
+          <p:childTnLst>
+            <p:seq concurrent="1" nextAc="seek">
+              <p:cTn id="2" dur="indefinite" nodeType="mainSeq">
+                <p:childTnLst>
+                  <p:par>
+                    <p:cTn id="3" fill="hold">
+                      <p:stCondLst>
+                        <p:cond delay="indefinite"/>
+                      </p:stCondLst>
+                      <p:childTnLst>
+                        <p:par>
+                          <p:cTn id="4" fill="hold">
+                            <p:stCondLst>
+                              <p:cond delay="0"/>
+                            </p:stCondLst>
+                            <p:childTnLst>
+                              <p:par>
+                                <p:cTn id="5" presetID="55" presetClass="entr" presetSubtype="0" fill="hold" nodeType="clickEffect">
+                                  <p:stCondLst>
+                                    <p:cond delay="0"/>
+                                  </p:stCondLst>
+                                  <p:childTnLst>
+                                    <p:set>
+                                      <p:cBhvr>
+                                        <p:cTn id="6" dur="1" fill="hold">
+                                          <p:stCondLst>
+                                            <p:cond delay="0"/>
+                                          </p:stCondLst>
+                                        </p:cTn>
+                                        <p:tgtEl>
+                                          <p:spTgt spid="7"/>
+                                        </p:tgtEl>
+                                        <p:attrNameLst>
+                                          <p:attrName>style.visibility</p:attrName>
+                                        </p:attrNameLst>
+                                      </p:cBhvr>
+                                      <p:to>
+                                        <p:strVal val="visible"/>
+                                      </p:to>
+                                    </p:set>
+                                    <p:anim calcmode="lin" valueType="num">
+                                      <p:cBhvr>
+                                        <p:cTn id="7" dur="1000" fill="hold"/>
+                                        <p:tgtEl>
+                                          <p:spTgt spid="7"/>
+                                        </p:tgtEl>
+                                        <p:attrNameLst>
+                                          <p:attrName>ppt_w</p:attrName>
+                                        </p:attrNameLst>
+                                      </p:cBhvr>
+                                      <p:tavLst>
+                                        <p:tav tm="0">
+                                          <p:val>
+                                            <p:strVal val="#ppt_w*0.70"/>
+                                          </p:val>
+                                        </p:tav>
+                                        <p:tav tm="100000">
+                                          <p:val>
+                                            <p:strVal val="#ppt_w"/>
+                                          </p:val>
+                                        </p:tav>
+                                      </p:tavLst>
+                                    </p:anim>
+                                    <p:anim calcmode="lin" valueType="num">
+                                      <p:cBhvr>
+                                        <p:cTn id="8" dur="1000" fill="hold"/>
+                                        <p:tgtEl>
+                                          <p:spTgt spid="7"/>
+                                        </p:tgtEl>
+                                        <p:attrNameLst>
+                                          <p:attrName>ppt_h</p:attrName>
+                                        </p:attrNameLst>
+                                      </p:cBhvr>
+                                      <p:tavLst>
+                                        <p:tav tm="0">
+                                          <p:val>
+                                            <p:strVal val="#ppt_h"/>
+                                          </p:val>
+                                        </p:tav>
+                                        <p:tav tm="100000">
+                                          <p:val>
+                                            <p:strVal val="#ppt_h"/>
+                                          </p:val>
+                                        </p:tav>
+                                      </p:tavLst>
+                                    </p:anim>
+                                    <p:animEffect transition="in" filter="fade">
+                                      <p:cBhvr>
+                                        <p:cTn id="9" dur="1000"/>
+                                        <p:tgtEl>
+                                          <p:spTgt spid="7"/>
+                                        </p:tgtEl>
+                                      </p:cBhvr>
+                                    </p:animEffect>
+                                  </p:childTnLst>
+                                </p:cTn>
+                              </p:par>
+                            </p:childTnLst>
+                          </p:cTn>
+                        </p:par>
+                      </p:childTnLst>
+                    </p:cTn>
+                  </p:par>
+                  <p:par>
+                    <p:cTn id="10" fill="hold">
+                      <p:stCondLst>
+                        <p:cond delay="indefinite"/>
+                      </p:stCondLst>
+                      <p:childTnLst>
+                        <p:par>
+                          <p:cTn id="11" fill="hold">
+                            <p:stCondLst>
+                              <p:cond delay="0"/>
+                            </p:stCondLst>
+                            <p:childTnLst>
+                              <p:par>
+                                <p:cTn id="12" presetID="55" presetClass="entr" presetSubtype="0" fill="hold" grpId="0" nodeType="clickEffect">
+                                  <p:stCondLst>
+                                    <p:cond delay="0"/>
+                                  </p:stCondLst>
+                                  <p:childTnLst>
+                                    <p:set>
+                                      <p:cBhvr>
+                                        <p:cTn id="13" dur="1" fill="hold">
+                                          <p:stCondLst>
+                                            <p:cond delay="0"/>
+                                          </p:stCondLst>
+                                        </p:cTn>
+                                        <p:tgtEl>
+                                          <p:spTgt spid="100"/>
+                                        </p:tgtEl>
+                                        <p:attrNameLst>
+                                          <p:attrName>style.visibility</p:attrName>
+                                        </p:attrNameLst>
+                                      </p:cBhvr>
+                                      <p:to>
+                                        <p:strVal val="visible"/>
+                                      </p:to>
+                                    </p:set>
+                                    <p:anim calcmode="lin" valueType="num">
+                                      <p:cBhvr>
+                                        <p:cTn id="14" dur="1000" fill="hold"/>
+                                        <p:tgtEl>
+                                          <p:spTgt spid="100"/>
+                                        </p:tgtEl>
+                                        <p:attrNameLst>
+                                          <p:attrName>ppt_w</p:attrName>
+                                        </p:attrNameLst>
+                                      </p:cBhvr>
+                                      <p:tavLst>
+                                        <p:tav tm="0">
+                                          <p:val>
+                                            <p:strVal val="#ppt_w*0.70"/>
+                                          </p:val>
+                                        </p:tav>
+                                        <p:tav tm="100000">
+                                          <p:val>
+                                            <p:strVal val="#ppt_w"/>
+                                          </p:val>
+                                        </p:tav>
+                                      </p:tavLst>
+                                    </p:anim>
+                                    <p:anim calcmode="lin" valueType="num">
+                                      <p:cBhvr>
+                                        <p:cTn id="15" dur="1000" fill="hold"/>
+                                        <p:tgtEl>
+                                          <p:spTgt spid="100"/>
+                                        </p:tgtEl>
+                                        <p:attrNameLst>
+                                          <p:attrName>ppt_h</p:attrName>
+                                        </p:attrNameLst>
+                                      </p:cBhvr>
+                                      <p:tavLst>
+                                        <p:tav tm="0">
+                                          <p:val>
+                                            <p:strVal val="#ppt_h"/>
+                                          </p:val>
+                                        </p:tav>
+                                        <p:tav tm="100000">
+                                          <p:val>
+                                            <p:strVal val="#ppt_h"/>
+                                          </p:val>
+                                        </p:tav>
+                                      </p:tavLst>
+                                    </p:anim>
+                                    <p:animEffect transition="in" filter="fade">
+                                      <p:cBhvr>
+                                        <p:cTn id="16" dur="1000"/>
+                                        <p:tgtEl>
+                                          <p:spTgt spid="100"/>
+                                        </p:tgtEl>
+                                      </p:cBhvr>
+                                    </p:animEffect>
+                                  </p:childTnLst>
+                                </p:cTn>
+                              </p:par>
+                            </p:childTnLst>
+                          </p:cTn>
+                        </p:par>
+                      </p:childTnLst>
+                    </p:cTn>
+                  </p:par>
+                </p:childTnLst>
+              </p:cTn>
+              <p:prevCondLst>
+                <p:cond evt="onPrev" delay="0">
+                  <p:tgtEl>
+                    <p:sldTgt/>
+                  </p:tgtEl>
+                </p:cond>
+              </p:prevCondLst>
+              <p:nextCondLst>
+                <p:cond evt="onNext" delay="0">
+                  <p:tgtEl>
+                    <p:sldTgt/>
+                  </p:tgtEl>
+                </p:cond>
+              </p:nextCondLst>
+            </p:seq>
+          </p:childTnLst>
+        </p:cTn>
+      </p:par>
+    </p:tnLst>
+    <p:bldLst>
+      <p:bldP spid="100" grpId="0"/>
+      <p:bldP spid="100" grpId="1"/>
+    </p:bldLst>
+  </p:timing>
+</p:sld>
+</file>
+
+<file path=ppt/slides/slide16.xml><?xml version="1.0" encoding="utf-8"?>
+<p:sld xmlns:a="http://schemas.openxmlformats.org/drawingml/2006/main" xmlns:r="http://schemas.openxmlformats.org/officeDocument/2006/relationships" xmlns:p="http://schemas.openxmlformats.org/presentationml/2006/main">
+  <p:cSld>
+    <p:spTree>
+      <p:nvGrpSpPr>
+        <p:cNvPr id="1" name=""/>
+        <p:cNvGrpSpPr/>
+        <p:nvPr/>
+      </p:nvGrpSpPr>
+      <p:grpSpPr>
+        <a:xfrm>
+          <a:off x="0" y="0"/>
+          <a:ext cx="0" cy="0"/>
+          <a:chOff x="0" y="0"/>
+          <a:chExt cx="0" cy="0"/>
+        </a:xfrm>
+      </p:grpSpPr>
+      <p:sp>
+        <p:nvSpPr>
+          <p:cNvPr id="2" name="矩形 1"/>
+          <p:cNvSpPr/>
+          <p:nvPr/>
+        </p:nvSpPr>
+        <p:spPr>
+          <a:xfrm>
+            <a:off x="9942286" y="0"/>
+            <a:ext cx="2249715" cy="6858000"/>
+          </a:xfrm>
+          <a:prstGeom prst="rect">
+            <a:avLst/>
+          </a:prstGeom>
+          <a:solidFill>
+            <a:srgbClr val="3843B3"/>
+          </a:solidFill>
+          <a:ln>
+            <a:noFill/>
+          </a:ln>
+        </p:spPr>
+        <p:style>
+          <a:lnRef idx="2">
+            <a:schemeClr val="accent1">
+              <a:shade val="50000"/>
+            </a:schemeClr>
+          </a:lnRef>
+          <a:fillRef idx="1">
+            <a:schemeClr val="accent1"/>
+          </a:fillRef>
+          <a:effectRef idx="0">
+            <a:schemeClr val="accent1"/>
+          </a:effectRef>
+          <a:fontRef idx="minor">
+            <a:schemeClr val="lt1"/>
+          </a:fontRef>
+        </p:style>
+        <p:txBody>
+          <a:bodyPr rtlCol="0" anchor="ctr"/>
+          <a:lstStyle/>
+          <a:p>
+            <a:pPr algn="ctr"/>
+            <a:endParaRPr lang="zh-CN" altLang="en-US" dirty="0">
+              <a:latin typeface="微软雅黑" panose="020B0503020204020204" pitchFamily="34" charset="-122"/>
+              <a:ea typeface="微软雅黑" panose="020B0503020204020204" pitchFamily="34" charset="-122"/>
+            </a:endParaRPr>
+          </a:p>
+        </p:txBody>
+      </p:sp>
+      <p:sp>
+        <p:nvSpPr>
+          <p:cNvPr id="3" name="文本框 2"/>
+          <p:cNvSpPr txBox="1"/>
+          <p:nvPr/>
+        </p:nvSpPr>
+        <p:spPr>
+          <a:xfrm>
+            <a:off x="1425004" y="509861"/>
+            <a:ext cx="2656459" cy="460375"/>
+          </a:xfrm>
+          <a:prstGeom prst="rect">
+            <a:avLst/>
+          </a:prstGeom>
+          <a:noFill/>
+        </p:spPr>
+        <p:txBody>
+          <a:bodyPr wrap="square" rtlCol="0">
+            <a:spAutoFit/>
+          </a:bodyPr>
+          <a:lstStyle/>
+          <a:p>
+            <a:r>
+              <a:rPr lang="zh-CN" sz="2400" b="1" dirty="0">
+                <a:solidFill>
+                  <a:schemeClr val="bg2">
+                    <a:lumMod val="25000"/>
+                  </a:schemeClr>
+                </a:solidFill>
+                <a:latin typeface="微软雅黑" panose="020B0503020204020204" pitchFamily="34" charset="-122"/>
+                <a:ea typeface="微软雅黑" panose="020B0503020204020204" pitchFamily="34" charset="-122"/>
+              </a:rPr>
+              <a:t>项目亮点</a:t>
+            </a:r>
+            <a:endParaRPr lang="zh-CN" sz="2400" b="1" dirty="0">
+              <a:solidFill>
+                <a:schemeClr val="bg2">
+                  <a:lumMod val="25000"/>
+                </a:schemeClr>
+              </a:solidFill>
+              <a:latin typeface="微软雅黑" panose="020B0503020204020204" pitchFamily="34" charset="-122"/>
+              <a:ea typeface="微软雅黑" panose="020B0503020204020204" pitchFamily="34" charset="-122"/>
+            </a:endParaRPr>
+          </a:p>
+        </p:txBody>
+      </p:sp>
+      <p:pic>
+        <p:nvPicPr>
+          <p:cNvPr id="4" name="图形 3"/>
+          <p:cNvPicPr>
+            <a:picLocks noChangeAspect="1"/>
+          </p:cNvPicPr>
+          <p:nvPr/>
+        </p:nvPicPr>
+        <p:blipFill>
+          <a:blip r:embed="rId1">
+            <a:extLst>
+              <a:ext uri="{28A0092B-C50C-407E-A947-70E740481C1C}">
+                <a14:useLocalDpi xmlns:a14="http://schemas.microsoft.com/office/drawing/2010/main" val="0"/>
+              </a:ext>
+              <a:ext uri="{96DAC541-7B7A-43D3-8B79-37D633B846F1}">
+                <asvg:svgBlip xmlns:asvg="http://schemas.microsoft.com/office/drawing/2016/SVG/main" r:embed="rId2"/>
+              </a:ext>
+            </a:extLst>
+          </a:blip>
+          <a:stretch>
+            <a:fillRect/>
+          </a:stretch>
+        </p:blipFill>
+        <p:spPr>
+          <a:xfrm>
+            <a:off x="10516998" y="420430"/>
+            <a:ext cx="1068278" cy="1102192"/>
+          </a:xfrm>
+          <a:prstGeom prst="rect">
+            <a:avLst/>
+          </a:prstGeom>
+        </p:spPr>
+      </p:pic>
+      <p:sp>
+        <p:nvSpPr>
+          <p:cNvPr id="6" name="椭圆 5"/>
+          <p:cNvSpPr/>
+          <p:nvPr/>
+        </p:nvSpPr>
+        <p:spPr>
+          <a:xfrm>
+            <a:off x="968457" y="577043"/>
+            <a:ext cx="327299" cy="327299"/>
+          </a:xfrm>
+          <a:prstGeom prst="ellipse">
+            <a:avLst/>
+          </a:prstGeom>
+          <a:solidFill>
+            <a:srgbClr val="3843B3"/>
+          </a:solidFill>
+          <a:ln w="53975">
+            <a:noFill/>
+          </a:ln>
+        </p:spPr>
+        <p:style>
+          <a:lnRef idx="2">
+            <a:schemeClr val="accent1">
+              <a:shade val="50000"/>
+            </a:schemeClr>
+          </a:lnRef>
+          <a:fillRef idx="1">
+            <a:schemeClr val="accent1"/>
+          </a:fillRef>
+          <a:effectRef idx="0">
+            <a:schemeClr val="accent1"/>
+          </a:effectRef>
+          <a:fontRef idx="minor">
+            <a:schemeClr val="lt1"/>
+          </a:fontRef>
+        </p:style>
+        <p:txBody>
+          <a:bodyPr rtlCol="0" anchor="ctr"/>
+          <a:lstStyle/>
+          <a:p>
+            <a:pPr algn="ctr"/>
+            <a:endParaRPr lang="zh-CN" altLang="en-US" sz="1400" b="1" dirty="0">
+              <a:latin typeface="微软雅黑" panose="020B0503020204020204" pitchFamily="34" charset="-122"/>
+              <a:ea typeface="微软雅黑" panose="020B0503020204020204" pitchFamily="34" charset="-122"/>
+            </a:endParaRPr>
+          </a:p>
+        </p:txBody>
+      </p:sp>
+      <p:sp>
+        <p:nvSpPr>
+          <p:cNvPr id="8" name="文本框 7"/>
+          <p:cNvSpPr txBox="1"/>
+          <p:nvPr/>
+        </p:nvSpPr>
+        <p:spPr>
+          <a:xfrm>
+            <a:off x="10152185" y="3543898"/>
+            <a:ext cx="1787029" cy="460375"/>
+          </a:xfrm>
+          <a:prstGeom prst="rect">
+            <a:avLst/>
+          </a:prstGeom>
+          <a:noFill/>
+        </p:spPr>
+        <p:txBody>
+          <a:bodyPr wrap="square" rtlCol="0">
+            <a:spAutoFit/>
+          </a:bodyPr>
+          <a:lstStyle/>
+          <a:p>
+            <a:r>
+              <a:rPr lang="zh-CN" sz="2400" dirty="0">
+                <a:solidFill>
+                  <a:schemeClr val="bg1"/>
+                </a:solidFill>
+                <a:latin typeface="微软雅黑" panose="020B0503020204020204" pitchFamily="34" charset="-122"/>
+                <a:ea typeface="微软雅黑" panose="020B0503020204020204" pitchFamily="34" charset="-122"/>
+              </a:rPr>
+              <a:t>项目亮点</a:t>
+            </a:r>
+            <a:endParaRPr lang="zh-CN" sz="2400" dirty="0">
+              <a:solidFill>
+                <a:schemeClr val="bg1"/>
+              </a:solidFill>
+              <a:latin typeface="微软雅黑" panose="020B0503020204020204" pitchFamily="34" charset="-122"/>
+              <a:ea typeface="微软雅黑" panose="020B0503020204020204" pitchFamily="34" charset="-122"/>
+            </a:endParaRPr>
+          </a:p>
+        </p:txBody>
+      </p:sp>
+      <p:sp>
+        <p:nvSpPr>
+          <p:cNvPr id="9" name="文本框 8"/>
+          <p:cNvSpPr txBox="1"/>
+          <p:nvPr/>
+        </p:nvSpPr>
+        <p:spPr>
+          <a:xfrm>
+            <a:off x="10152185" y="2963349"/>
+            <a:ext cx="1787029" cy="460375"/>
+          </a:xfrm>
+          <a:prstGeom prst="rect">
+            <a:avLst/>
+          </a:prstGeom>
+          <a:noFill/>
+        </p:spPr>
+        <p:txBody>
+          <a:bodyPr wrap="square" rtlCol="0">
+            <a:spAutoFit/>
+          </a:bodyPr>
+          <a:lstStyle/>
+          <a:p>
+            <a:r>
+              <a:rPr lang="zh-CN" sz="2400" dirty="0">
+                <a:solidFill>
+                  <a:schemeClr val="bg1">
+                    <a:lumMod val="65000"/>
+                  </a:schemeClr>
+                </a:solidFill>
+                <a:latin typeface="微软雅黑" panose="020B0503020204020204" pitchFamily="34" charset="-122"/>
+                <a:ea typeface="微软雅黑" panose="020B0503020204020204" pitchFamily="34" charset="-122"/>
+              </a:rPr>
+              <a:t>项目功能</a:t>
+            </a:r>
+            <a:endParaRPr lang="zh-CN" sz="2400" dirty="0">
+              <a:solidFill>
+                <a:schemeClr val="bg1">
+                  <a:lumMod val="65000"/>
+                </a:schemeClr>
+              </a:solidFill>
+              <a:latin typeface="微软雅黑" panose="020B0503020204020204" pitchFamily="34" charset="-122"/>
+              <a:ea typeface="微软雅黑" panose="020B0503020204020204" pitchFamily="34" charset="-122"/>
+            </a:endParaRPr>
+          </a:p>
+        </p:txBody>
+      </p:sp>
+      <p:sp>
+        <p:nvSpPr>
+          <p:cNvPr id="10" name="文本框 9"/>
+          <p:cNvSpPr txBox="1"/>
+          <p:nvPr/>
+        </p:nvSpPr>
+        <p:spPr>
+          <a:xfrm>
+            <a:off x="10152673" y="2383435"/>
+            <a:ext cx="1787029" cy="460375"/>
+          </a:xfrm>
+          <a:prstGeom prst="rect">
+            <a:avLst/>
+          </a:prstGeom>
+          <a:noFill/>
+        </p:spPr>
+        <p:txBody>
+          <a:bodyPr wrap="square" rtlCol="0">
+            <a:spAutoFit/>
+          </a:bodyPr>
+          <a:lstStyle/>
+          <a:p>
+            <a:r>
+              <a:rPr lang="zh-CN" sz="2400" dirty="0">
+                <a:solidFill>
+                  <a:schemeClr val="bg1">
+                    <a:lumMod val="65000"/>
+                  </a:schemeClr>
+                </a:solidFill>
+                <a:latin typeface="微软雅黑" panose="020B0503020204020204" pitchFamily="34" charset="-122"/>
+                <a:ea typeface="微软雅黑" panose="020B0503020204020204" pitchFamily="34" charset="-122"/>
+              </a:rPr>
+              <a:t>项目介绍</a:t>
+            </a:r>
+            <a:endParaRPr lang="zh-CN" sz="2400" dirty="0">
+              <a:solidFill>
+                <a:schemeClr val="bg1">
+                  <a:lumMod val="65000"/>
+                </a:schemeClr>
+              </a:solidFill>
+              <a:latin typeface="微软雅黑" panose="020B0503020204020204" pitchFamily="34" charset="-122"/>
+              <a:ea typeface="微软雅黑" panose="020B0503020204020204" pitchFamily="34" charset="-122"/>
+            </a:endParaRPr>
+          </a:p>
+        </p:txBody>
+      </p:sp>
+      <p:sp>
+        <p:nvSpPr>
+          <p:cNvPr id="12" name="文本框 11"/>
+          <p:cNvSpPr txBox="1"/>
+          <p:nvPr/>
+        </p:nvSpPr>
+        <p:spPr>
+          <a:xfrm>
+            <a:off x="13160668" y="4205567"/>
+            <a:ext cx="1787029" cy="461665"/>
+          </a:xfrm>
+          <a:prstGeom prst="rect">
+            <a:avLst/>
+          </a:prstGeom>
+          <a:noFill/>
+        </p:spPr>
+        <p:txBody>
+          <a:bodyPr wrap="square" rtlCol="0">
+            <a:spAutoFit/>
+          </a:bodyPr>
+          <a:lstStyle/>
+          <a:p>
+            <a:r>
+              <a:rPr lang="zh-CN" altLang="en-US" sz="2400" dirty="0">
+                <a:solidFill>
+                  <a:schemeClr val="bg1">
+                    <a:lumMod val="65000"/>
+                  </a:schemeClr>
+                </a:solidFill>
+                <a:latin typeface="微软雅黑" panose="020B0503020204020204" pitchFamily="34" charset="-122"/>
+                <a:ea typeface="微软雅黑" panose="020B0503020204020204" pitchFamily="34" charset="-122"/>
+              </a:rPr>
+              <a:t>汇报题目</a:t>
+            </a:r>
+            <a:r>
+              <a:rPr lang="en-US" altLang="zh-CN" sz="2400" dirty="0">
+                <a:solidFill>
+                  <a:schemeClr val="bg1">
+                    <a:lumMod val="65000"/>
+                  </a:schemeClr>
+                </a:solidFill>
+                <a:latin typeface="微软雅黑" panose="020B0503020204020204" pitchFamily="34" charset="-122"/>
+                <a:ea typeface="微软雅黑" panose="020B0503020204020204" pitchFamily="34" charset="-122"/>
+              </a:rPr>
+              <a:t>5</a:t>
+            </a:r>
+            <a:endParaRPr lang="zh-CN" altLang="en-US" sz="2400" dirty="0">
+              <a:solidFill>
+                <a:schemeClr val="bg1">
+                  <a:lumMod val="65000"/>
+                </a:schemeClr>
+              </a:solidFill>
+              <a:latin typeface="微软雅黑" panose="020B0503020204020204" pitchFamily="34" charset="-122"/>
+              <a:ea typeface="微软雅黑" panose="020B0503020204020204" pitchFamily="34" charset="-122"/>
+            </a:endParaRPr>
+          </a:p>
+        </p:txBody>
+      </p:sp>
+      <p:sp>
+        <p:nvSpPr>
+          <p:cNvPr id="5" name="文本框 4"/>
+          <p:cNvSpPr txBox="1"/>
+          <p:nvPr/>
+        </p:nvSpPr>
+        <p:spPr>
+          <a:xfrm>
+            <a:off x="1793240" y="1209040"/>
+            <a:ext cx="6070600" cy="368300"/>
+          </a:xfrm>
+          <a:prstGeom prst="rect">
+            <a:avLst/>
+          </a:prstGeom>
+          <a:noFill/>
+        </p:spPr>
+        <p:txBody>
+          <a:bodyPr wrap="square" rtlCol="0">
+            <a:spAutoFit/>
+          </a:bodyPr>
+          <a:p>
+            <a:pPr indent="0">
+              <a:buNone/>
+            </a:pPr>
+            <a:r>
+              <a:rPr lang="en-US" altLang="zh-CN"/>
+              <a:t>14. </a:t>
+            </a:r>
+            <a:r>
+              <a:rPr lang="zh-CN" altLang="en-US"/>
+              <a:t>用户敏感信息加密传输，数据库数据加密存储</a:t>
+            </a:r>
+            <a:endParaRPr lang="zh-CN" altLang="en-US"/>
+          </a:p>
+        </p:txBody>
+      </p:sp>
+      <p:pic>
+        <p:nvPicPr>
+          <p:cNvPr id="7" name="图片 6"/>
+          <p:cNvPicPr>
+            <a:picLocks noChangeAspect="1"/>
+          </p:cNvPicPr>
+          <p:nvPr/>
+        </p:nvPicPr>
+        <p:blipFill>
+          <a:blip r:embed="rId3"/>
+          <a:stretch>
+            <a:fillRect/>
+          </a:stretch>
+        </p:blipFill>
+        <p:spPr>
+          <a:xfrm>
+            <a:off x="1296035" y="2820670"/>
+            <a:ext cx="2101215" cy="1174115"/>
+          </a:xfrm>
+          <a:prstGeom prst="rect">
+            <a:avLst/>
+          </a:prstGeom>
+        </p:spPr>
+      </p:pic>
+      <p:pic>
+        <p:nvPicPr>
+          <p:cNvPr id="11" name="图片 10"/>
+          <p:cNvPicPr>
+            <a:picLocks noChangeAspect="1"/>
+          </p:cNvPicPr>
+          <p:nvPr/>
+        </p:nvPicPr>
+        <p:blipFill>
+          <a:blip r:embed="rId4"/>
+          <a:stretch>
+            <a:fillRect/>
+          </a:stretch>
+        </p:blipFill>
+        <p:spPr>
+          <a:xfrm>
+            <a:off x="4081780" y="2527300"/>
+            <a:ext cx="4838700" cy="3007360"/>
+          </a:xfrm>
+          <a:prstGeom prst="rect">
+            <a:avLst/>
+          </a:prstGeom>
+        </p:spPr>
+      </p:pic>
+      <p:sp>
+        <p:nvSpPr>
+          <p:cNvPr id="13" name="文本框 12"/>
+          <p:cNvSpPr txBox="1"/>
+          <p:nvPr/>
+        </p:nvSpPr>
+        <p:spPr>
+          <a:xfrm>
+            <a:off x="836930" y="2014855"/>
+            <a:ext cx="2012315" cy="368300"/>
+          </a:xfrm>
+          <a:prstGeom prst="rect">
+            <a:avLst/>
+          </a:prstGeom>
+          <a:noFill/>
+        </p:spPr>
+        <p:txBody>
+          <a:bodyPr wrap="square" rtlCol="0">
+            <a:spAutoFit/>
+          </a:bodyPr>
+          <a:p>
+            <a:r>
+              <a:rPr lang="zh-CN" altLang="en-US"/>
+              <a:t>数据信息加密：</a:t>
+            </a:r>
+            <a:endParaRPr lang="zh-CN" altLang="en-US"/>
+          </a:p>
+        </p:txBody>
+      </p:sp>
+      <p:sp>
+        <p:nvSpPr>
+          <p:cNvPr id="14" name="文本框 13"/>
+          <p:cNvSpPr txBox="1"/>
+          <p:nvPr/>
+        </p:nvSpPr>
+        <p:spPr>
+          <a:xfrm>
+            <a:off x="3759200" y="1858645"/>
+            <a:ext cx="2896235" cy="387350"/>
+          </a:xfrm>
+          <a:prstGeom prst="rect">
+            <a:avLst/>
+          </a:prstGeom>
+          <a:noFill/>
+        </p:spPr>
+        <p:txBody>
+          <a:bodyPr wrap="square" rtlCol="0" anchor="t">
+            <a:noAutofit/>
+          </a:bodyPr>
+          <a:p>
+            <a:pPr indent="0">
+              <a:buNone/>
+            </a:pPr>
+            <a:r>
+              <a:rPr lang="zh-CN" altLang="en-US">
+                <a:sym typeface="+mn-ea"/>
+              </a:rPr>
+              <a:t>数据库数据加密存储：</a:t>
+            </a:r>
+            <a:endParaRPr lang="zh-CN" altLang="en-US">
+              <a:sym typeface="+mn-ea"/>
+            </a:endParaRPr>
+          </a:p>
+        </p:txBody>
+      </p:sp>
+    </p:spTree>
+  </p:cSld>
+  <p:clrMapOvr>
+    <a:masterClrMapping/>
+  </p:clrMapOvr>
+  <mc:AlternateContent xmlns:mc="http://schemas.openxmlformats.org/markup-compatibility/2006" xmlns:p159="http://schemas.microsoft.com/office/powerpoint/2015/09/main">
+    <mc:Choice Requires="p159">
+      <p:transition xmlns:p14="http://schemas.microsoft.com/office/powerpoint/2010/main" spd="slow" p14:dur="1250">
+        <p159:morph option="byObject"/>
+      </p:transition>
+    </mc:Choice>
+    <mc:Fallback>
+      <p:transition spd="slow">
+        <p:fade/>
+      </p:transition>
+    </mc:Fallback>
+  </mc:AlternateContent>
+  <p:timing>
+    <p:tnLst>
+      <p:par>
+        <p:cTn id="1" dur="indefinite" restart="never" nodeType="tmRoot">
+          <p:childTnLst>
+            <p:seq concurrent="1" nextAc="seek">
+              <p:cTn id="2" dur="indefinite" nodeType="mainSeq">
+                <p:childTnLst>
+                  <p:par>
+                    <p:cTn id="3" fill="hold">
+                      <p:stCondLst>
+                        <p:cond delay="indefinite"/>
+                      </p:stCondLst>
+                      <p:childTnLst>
+                        <p:par>
+                          <p:cTn id="4" fill="hold">
+                            <p:stCondLst>
+                              <p:cond delay="0"/>
+                            </p:stCondLst>
+                            <p:childTnLst>
+                              <p:par>
+                                <p:cTn id="5" presetID="55" presetClass="entr" presetSubtype="0" fill="hold" nodeType="clickEffect">
+                                  <p:stCondLst>
+                                    <p:cond delay="0"/>
+                                  </p:stCondLst>
+                                  <p:childTnLst>
+                                    <p:set>
+                                      <p:cBhvr>
+                                        <p:cTn id="6" dur="1" fill="hold">
+                                          <p:stCondLst>
+                                            <p:cond delay="0"/>
+                                          </p:stCondLst>
+                                        </p:cTn>
+                                        <p:tgtEl>
+                                          <p:spTgt spid="7"/>
+                                        </p:tgtEl>
+                                        <p:attrNameLst>
+                                          <p:attrName>style.visibility</p:attrName>
+                                        </p:attrNameLst>
+                                      </p:cBhvr>
+                                      <p:to>
+                                        <p:strVal val="visible"/>
+                                      </p:to>
+                                    </p:set>
+                                    <p:anim calcmode="lin" valueType="num">
+                                      <p:cBhvr>
+                                        <p:cTn id="7" dur="1000" fill="hold"/>
+                                        <p:tgtEl>
+                                          <p:spTgt spid="7"/>
+                                        </p:tgtEl>
+                                        <p:attrNameLst>
+                                          <p:attrName>ppt_w</p:attrName>
+                                        </p:attrNameLst>
+                                      </p:cBhvr>
+                                      <p:tavLst>
+                                        <p:tav tm="0">
+                                          <p:val>
+                                            <p:strVal val="#ppt_w*0.70"/>
+                                          </p:val>
+                                        </p:tav>
+                                        <p:tav tm="100000">
+                                          <p:val>
+                                            <p:strVal val="#ppt_w"/>
+                                          </p:val>
+                                        </p:tav>
+                                      </p:tavLst>
+                                    </p:anim>
+                                    <p:anim calcmode="lin" valueType="num">
+                                      <p:cBhvr>
+                                        <p:cTn id="8" dur="1000" fill="hold"/>
+                                        <p:tgtEl>
+                                          <p:spTgt spid="7"/>
+                                        </p:tgtEl>
+                                        <p:attrNameLst>
+                                          <p:attrName>ppt_h</p:attrName>
+                                        </p:attrNameLst>
+                                      </p:cBhvr>
+                                      <p:tavLst>
+                                        <p:tav tm="0">
+                                          <p:val>
+                                            <p:strVal val="#ppt_h"/>
+                                          </p:val>
+                                        </p:tav>
+                                        <p:tav tm="100000">
+                                          <p:val>
+                                            <p:strVal val="#ppt_h"/>
+                                          </p:val>
+                                        </p:tav>
+                                      </p:tavLst>
+                                    </p:anim>
+                                    <p:animEffect transition="in" filter="fade">
+                                      <p:cBhvr>
+                                        <p:cTn id="9" dur="1000"/>
+                                        <p:tgtEl>
+                                          <p:spTgt spid="7"/>
+                                        </p:tgtEl>
+                                      </p:cBhvr>
+                                    </p:animEffect>
+                                  </p:childTnLst>
+                                </p:cTn>
+                              </p:par>
+                              <p:par>
+                                <p:cTn id="10" presetID="55" presetClass="entr" presetSubtype="0" fill="hold" grpId="0" nodeType="withEffect">
+                                  <p:stCondLst>
+                                    <p:cond delay="0"/>
+                                  </p:stCondLst>
+                                  <p:childTnLst>
+                                    <p:set>
+                                      <p:cBhvr>
+                                        <p:cTn id="11" dur="1" fill="hold">
+                                          <p:stCondLst>
+                                            <p:cond delay="0"/>
+                                          </p:stCondLst>
+                                        </p:cTn>
+                                        <p:tgtEl>
+                                          <p:spTgt spid="13"/>
+                                        </p:tgtEl>
+                                        <p:attrNameLst>
+                                          <p:attrName>style.visibility</p:attrName>
+                                        </p:attrNameLst>
+                                      </p:cBhvr>
+                                      <p:to>
+                                        <p:strVal val="visible"/>
+                                      </p:to>
+                                    </p:set>
+                                    <p:anim calcmode="lin" valueType="num">
+                                      <p:cBhvr>
+                                        <p:cTn id="12" dur="1000" fill="hold"/>
+                                        <p:tgtEl>
+                                          <p:spTgt spid="13"/>
+                                        </p:tgtEl>
+                                        <p:attrNameLst>
+                                          <p:attrName>ppt_w</p:attrName>
+                                        </p:attrNameLst>
+                                      </p:cBhvr>
+                                      <p:tavLst>
+                                        <p:tav tm="0">
+                                          <p:val>
+                                            <p:strVal val="#ppt_w*0.70"/>
+                                          </p:val>
+                                        </p:tav>
+                                        <p:tav tm="100000">
+                                          <p:val>
+                                            <p:strVal val="#ppt_w"/>
+                                          </p:val>
+                                        </p:tav>
+                                      </p:tavLst>
+                                    </p:anim>
+                                    <p:anim calcmode="lin" valueType="num">
+                                      <p:cBhvr>
+                                        <p:cTn id="13" dur="1000" fill="hold"/>
+                                        <p:tgtEl>
+                                          <p:spTgt spid="13"/>
+                                        </p:tgtEl>
+                                        <p:attrNameLst>
+                                          <p:attrName>ppt_h</p:attrName>
+                                        </p:attrNameLst>
+                                      </p:cBhvr>
+                                      <p:tavLst>
+                                        <p:tav tm="0">
+                                          <p:val>
+                                            <p:strVal val="#ppt_h"/>
+                                          </p:val>
+                                        </p:tav>
+                                        <p:tav tm="100000">
+                                          <p:val>
+                                            <p:strVal val="#ppt_h"/>
+                                          </p:val>
+                                        </p:tav>
+                                      </p:tavLst>
+                                    </p:anim>
+                                    <p:animEffect transition="in" filter="fade">
+                                      <p:cBhvr>
+                                        <p:cTn id="14" dur="1000"/>
+                                        <p:tgtEl>
+                                          <p:spTgt spid="13"/>
+                                        </p:tgtEl>
+                                      </p:cBhvr>
+                                    </p:animEffect>
+                                  </p:childTnLst>
+                                </p:cTn>
+                              </p:par>
+                            </p:childTnLst>
+                          </p:cTn>
+                        </p:par>
+                      </p:childTnLst>
+                    </p:cTn>
+                  </p:par>
+                  <p:par>
+                    <p:cTn id="15" fill="hold">
+                      <p:stCondLst>
+                        <p:cond delay="indefinite"/>
+                      </p:stCondLst>
+                      <p:childTnLst>
+                        <p:par>
+                          <p:cTn id="16" fill="hold">
+                            <p:stCondLst>
+                              <p:cond delay="0"/>
+                            </p:stCondLst>
+                            <p:childTnLst>
+                              <p:par>
+                                <p:cTn id="17" presetID="29" presetClass="entr" presetSubtype="0" fill="hold" nodeType="clickEffect">
+                                  <p:stCondLst>
+                                    <p:cond delay="0"/>
+                                  </p:stCondLst>
+                                  <p:childTnLst>
+                                    <p:set>
+                                      <p:cBhvr>
+                                        <p:cTn id="18" dur="1" fill="hold">
+                                          <p:stCondLst>
+                                            <p:cond delay="0"/>
+                                          </p:stCondLst>
+                                        </p:cTn>
+                                        <p:tgtEl>
+                                          <p:spTgt spid="11"/>
+                                        </p:tgtEl>
+                                        <p:attrNameLst>
+                                          <p:attrName>style.visibility</p:attrName>
+                                        </p:attrNameLst>
+                                      </p:cBhvr>
+                                      <p:to>
+                                        <p:strVal val="visible"/>
+                                      </p:to>
+                                    </p:set>
+                                    <p:anim calcmode="lin" valueType="num">
+                                      <p:cBhvr>
+                                        <p:cTn id="19" dur="1000" fill="hold"/>
+                                        <p:tgtEl>
+                                          <p:spTgt spid="11"/>
+                                        </p:tgtEl>
+                                        <p:attrNameLst>
+                                          <p:attrName>ppt_x</p:attrName>
+                                        </p:attrNameLst>
+                                      </p:cBhvr>
+                                      <p:tavLst>
+                                        <p:tav tm="0">
+                                          <p:val>
+                                            <p:strVal val="#ppt_x-.2"/>
+                                          </p:val>
+                                        </p:tav>
+                                        <p:tav tm="100000">
+                                          <p:val>
+                                            <p:strVal val="#ppt_x"/>
+                                          </p:val>
+                                        </p:tav>
+                                      </p:tavLst>
+                                    </p:anim>
+                                    <p:anim calcmode="lin" valueType="num">
+                                      <p:cBhvr>
+                                        <p:cTn id="20" dur="1000" fill="hold"/>
+                                        <p:tgtEl>
+                                          <p:spTgt spid="11"/>
+                                        </p:tgtEl>
+                                        <p:attrNameLst>
+                                          <p:attrName>ppt_y</p:attrName>
+                                        </p:attrNameLst>
+                                      </p:cBhvr>
+                                      <p:tavLst>
+                                        <p:tav tm="0">
+                                          <p:val>
+                                            <p:strVal val="#ppt_y"/>
+                                          </p:val>
+                                        </p:tav>
+                                        <p:tav tm="100000">
+                                          <p:val>
+                                            <p:strVal val="#ppt_y"/>
+                                          </p:val>
+                                        </p:tav>
+                                      </p:tavLst>
+                                    </p:anim>
+                                    <p:animEffect transition="in" filter="wipe(right)" prLst="gradientSize: 0.1">
+                                      <p:cBhvr>
+                                        <p:cTn id="21" dur="1000"/>
+                                        <p:tgtEl>
+                                          <p:spTgt spid="11"/>
+                                        </p:tgtEl>
+                                      </p:cBhvr>
+                                    </p:animEffect>
+                                  </p:childTnLst>
+                                </p:cTn>
+                              </p:par>
+                              <p:par>
+                                <p:cTn id="22" presetID="29" presetClass="entr" presetSubtype="0" fill="hold" grpId="0" nodeType="withEffect">
+                                  <p:stCondLst>
+                                    <p:cond delay="0"/>
+                                  </p:stCondLst>
+                                  <p:childTnLst>
+                                    <p:set>
+                                      <p:cBhvr>
+                                        <p:cTn id="23" dur="1" fill="hold">
+                                          <p:stCondLst>
+                                            <p:cond delay="0"/>
+                                          </p:stCondLst>
+                                        </p:cTn>
+                                        <p:tgtEl>
+                                          <p:spTgt spid="14"/>
+                                        </p:tgtEl>
+                                        <p:attrNameLst>
+                                          <p:attrName>style.visibility</p:attrName>
+                                        </p:attrNameLst>
+                                      </p:cBhvr>
+                                      <p:to>
+                                        <p:strVal val="visible"/>
+                                      </p:to>
+                                    </p:set>
+                                    <p:anim calcmode="lin" valueType="num">
+                                      <p:cBhvr>
+                                        <p:cTn id="24" dur="1000" fill="hold"/>
+                                        <p:tgtEl>
+                                          <p:spTgt spid="14"/>
+                                        </p:tgtEl>
+                                        <p:attrNameLst>
+                                          <p:attrName>ppt_x</p:attrName>
+                                        </p:attrNameLst>
+                                      </p:cBhvr>
+                                      <p:tavLst>
+                                        <p:tav tm="0">
+                                          <p:val>
+                                            <p:strVal val="#ppt_x-.2"/>
+                                          </p:val>
+                                        </p:tav>
+                                        <p:tav tm="100000">
+                                          <p:val>
+                                            <p:strVal val="#ppt_x"/>
+                                          </p:val>
+                                        </p:tav>
+                                      </p:tavLst>
+                                    </p:anim>
+                                    <p:anim calcmode="lin" valueType="num">
+                                      <p:cBhvr>
+                                        <p:cTn id="25" dur="1000" fill="hold"/>
+                                        <p:tgtEl>
+                                          <p:spTgt spid="14"/>
+                                        </p:tgtEl>
+                                        <p:attrNameLst>
+                                          <p:attrName>ppt_y</p:attrName>
+                                        </p:attrNameLst>
+                                      </p:cBhvr>
+                                      <p:tavLst>
+                                        <p:tav tm="0">
+                                          <p:val>
+                                            <p:strVal val="#ppt_y"/>
+                                          </p:val>
+                                        </p:tav>
+                                        <p:tav tm="100000">
+                                          <p:val>
+                                            <p:strVal val="#ppt_y"/>
+                                          </p:val>
+                                        </p:tav>
+                                      </p:tavLst>
+                                    </p:anim>
+                                    <p:animEffect transition="in" filter="wipe(right)" prLst="gradientSize: 0.1">
+                                      <p:cBhvr>
+                                        <p:cTn id="26" dur="1000"/>
+                                        <p:tgtEl>
+                                          <p:spTgt spid="14"/>
+                                        </p:tgtEl>
+                                      </p:cBhvr>
+                                    </p:animEffect>
+                                  </p:childTnLst>
+                                </p:cTn>
+                              </p:par>
+                            </p:childTnLst>
+                          </p:cTn>
+                        </p:par>
+                      </p:childTnLst>
+                    </p:cTn>
+                  </p:par>
+                </p:childTnLst>
+              </p:cTn>
+              <p:prevCondLst>
+                <p:cond evt="onPrev" delay="0">
+                  <p:tgtEl>
+                    <p:sldTgt/>
+                  </p:tgtEl>
+                </p:cond>
+              </p:prevCondLst>
+              <p:nextCondLst>
+                <p:cond evt="onNext" delay="0">
+                  <p:tgtEl>
+                    <p:sldTgt/>
+                  </p:tgtEl>
+                </p:cond>
+              </p:nextCondLst>
+            </p:seq>
+          </p:childTnLst>
+        </p:cTn>
+      </p:par>
+    </p:tnLst>
+    <p:bldLst>
+      <p:bldP spid="13" grpId="0"/>
+      <p:bldP spid="13" grpId="1"/>
+      <p:bldP spid="14" grpId="0"/>
+      <p:bldP spid="14" grpId="1"/>
+    </p:bldLst>
+  </p:timing>
+</p:sld>
+</file>
+
+<file path=ppt/slides/slide17.xml><?xml version="1.0" encoding="utf-8"?>
+<p:sld xmlns:a="http://schemas.openxmlformats.org/drawingml/2006/main" xmlns:r="http://schemas.openxmlformats.org/officeDocument/2006/relationships" xmlns:p="http://schemas.openxmlformats.org/presentationml/2006/main">
+  <p:cSld>
+    <p:spTree>
+      <p:nvGrpSpPr>
+        <p:cNvPr id="1" name=""/>
+        <p:cNvGrpSpPr/>
+        <p:nvPr/>
+      </p:nvGrpSpPr>
+      <p:grpSpPr>
+        <a:xfrm>
+          <a:off x="0" y="0"/>
+          <a:ext cx="0" cy="0"/>
+          <a:chOff x="0" y="0"/>
+          <a:chExt cx="0" cy="0"/>
+        </a:xfrm>
+      </p:grpSpPr>
+      <p:sp>
+        <p:nvSpPr>
+          <p:cNvPr id="2" name="矩形 1"/>
+          <p:cNvSpPr/>
+          <p:nvPr/>
+        </p:nvSpPr>
+        <p:spPr>
+          <a:xfrm>
+            <a:off x="9942286" y="0"/>
+            <a:ext cx="2249715" cy="6858000"/>
+          </a:xfrm>
+          <a:prstGeom prst="rect">
+            <a:avLst/>
+          </a:prstGeom>
+          <a:solidFill>
+            <a:srgbClr val="3843B3"/>
+          </a:solidFill>
+          <a:ln>
+            <a:noFill/>
+          </a:ln>
+        </p:spPr>
+        <p:style>
+          <a:lnRef idx="2">
+            <a:schemeClr val="accent1">
+              <a:shade val="50000"/>
+            </a:schemeClr>
+          </a:lnRef>
+          <a:fillRef idx="1">
+            <a:schemeClr val="accent1"/>
+          </a:fillRef>
+          <a:effectRef idx="0">
+            <a:schemeClr val="accent1"/>
+          </a:effectRef>
+          <a:fontRef idx="minor">
+            <a:schemeClr val="lt1"/>
+          </a:fontRef>
+        </p:style>
+        <p:txBody>
+          <a:bodyPr rtlCol="0" anchor="ctr"/>
+          <a:lstStyle/>
+          <a:p>
+            <a:pPr algn="ctr"/>
+            <a:endParaRPr lang="zh-CN" altLang="en-US" dirty="0">
+              <a:latin typeface="微软雅黑" panose="020B0503020204020204" pitchFamily="34" charset="-122"/>
+              <a:ea typeface="微软雅黑" panose="020B0503020204020204" pitchFamily="34" charset="-122"/>
+            </a:endParaRPr>
+          </a:p>
+        </p:txBody>
+      </p:sp>
+      <p:sp>
+        <p:nvSpPr>
+          <p:cNvPr id="3" name="文本框 2"/>
+          <p:cNvSpPr txBox="1"/>
+          <p:nvPr/>
+        </p:nvSpPr>
+        <p:spPr>
+          <a:xfrm>
+            <a:off x="1425004" y="509861"/>
+            <a:ext cx="2656459" cy="460375"/>
+          </a:xfrm>
+          <a:prstGeom prst="rect">
+            <a:avLst/>
+          </a:prstGeom>
+          <a:noFill/>
+        </p:spPr>
+        <p:txBody>
+          <a:bodyPr wrap="square" rtlCol="0">
+            <a:spAutoFit/>
+          </a:bodyPr>
+          <a:lstStyle/>
+          <a:p>
+            <a:r>
+              <a:rPr lang="zh-CN" sz="2400" b="1" dirty="0">
+                <a:solidFill>
+                  <a:schemeClr val="bg2">
+                    <a:lumMod val="25000"/>
+                  </a:schemeClr>
+                </a:solidFill>
+                <a:latin typeface="微软雅黑" panose="020B0503020204020204" pitchFamily="34" charset="-122"/>
+                <a:ea typeface="微软雅黑" panose="020B0503020204020204" pitchFamily="34" charset="-122"/>
+              </a:rPr>
+              <a:t>项目亮点</a:t>
+            </a:r>
+            <a:endParaRPr lang="zh-CN" sz="2400" b="1" dirty="0">
+              <a:solidFill>
+                <a:schemeClr val="bg2">
+                  <a:lumMod val="25000"/>
+                </a:schemeClr>
+              </a:solidFill>
+              <a:latin typeface="微软雅黑" panose="020B0503020204020204" pitchFamily="34" charset="-122"/>
+              <a:ea typeface="微软雅黑" panose="020B0503020204020204" pitchFamily="34" charset="-122"/>
+            </a:endParaRPr>
+          </a:p>
+        </p:txBody>
+      </p:sp>
+      <p:pic>
+        <p:nvPicPr>
+          <p:cNvPr id="4" name="图形 3"/>
+          <p:cNvPicPr>
+            <a:picLocks noChangeAspect="1"/>
+          </p:cNvPicPr>
+          <p:nvPr/>
+        </p:nvPicPr>
+        <p:blipFill>
+          <a:blip r:embed="rId1">
+            <a:extLst>
+              <a:ext uri="{28A0092B-C50C-407E-A947-70E740481C1C}">
+                <a14:useLocalDpi xmlns:a14="http://schemas.microsoft.com/office/drawing/2010/main" val="0"/>
+              </a:ext>
+              <a:ext uri="{96DAC541-7B7A-43D3-8B79-37D633B846F1}">
+                <asvg:svgBlip xmlns:asvg="http://schemas.microsoft.com/office/drawing/2016/SVG/main" r:embed="rId2"/>
+              </a:ext>
+            </a:extLst>
+          </a:blip>
+          <a:stretch>
+            <a:fillRect/>
+          </a:stretch>
+        </p:blipFill>
+        <p:spPr>
+          <a:xfrm>
+            <a:off x="10516998" y="420430"/>
+            <a:ext cx="1068278" cy="1102192"/>
+          </a:xfrm>
+          <a:prstGeom prst="rect">
+            <a:avLst/>
+          </a:prstGeom>
+        </p:spPr>
+      </p:pic>
+      <p:sp>
+        <p:nvSpPr>
+          <p:cNvPr id="6" name="椭圆 5"/>
+          <p:cNvSpPr/>
+          <p:nvPr/>
+        </p:nvSpPr>
+        <p:spPr>
+          <a:xfrm>
+            <a:off x="968457" y="577043"/>
+            <a:ext cx="327299" cy="327299"/>
+          </a:xfrm>
+          <a:prstGeom prst="ellipse">
+            <a:avLst/>
+          </a:prstGeom>
+          <a:solidFill>
+            <a:srgbClr val="3843B3"/>
+          </a:solidFill>
+          <a:ln w="53975">
+            <a:noFill/>
+          </a:ln>
+        </p:spPr>
+        <p:style>
+          <a:lnRef idx="2">
+            <a:schemeClr val="accent1">
+              <a:shade val="50000"/>
+            </a:schemeClr>
+          </a:lnRef>
+          <a:fillRef idx="1">
+            <a:schemeClr val="accent1"/>
+          </a:fillRef>
+          <a:effectRef idx="0">
+            <a:schemeClr val="accent1"/>
+          </a:effectRef>
+          <a:fontRef idx="minor">
+            <a:schemeClr val="lt1"/>
+          </a:fontRef>
+        </p:style>
+        <p:txBody>
+          <a:bodyPr rtlCol="0" anchor="ctr"/>
+          <a:lstStyle/>
+          <a:p>
+            <a:pPr algn="ctr"/>
+            <a:endParaRPr lang="zh-CN" altLang="en-US" sz="1400" b="1" dirty="0">
+              <a:latin typeface="微软雅黑" panose="020B0503020204020204" pitchFamily="34" charset="-122"/>
+              <a:ea typeface="微软雅黑" panose="020B0503020204020204" pitchFamily="34" charset="-122"/>
+            </a:endParaRPr>
+          </a:p>
+        </p:txBody>
+      </p:sp>
+      <p:sp>
+        <p:nvSpPr>
+          <p:cNvPr id="8" name="文本框 7"/>
+          <p:cNvSpPr txBox="1"/>
+          <p:nvPr/>
+        </p:nvSpPr>
+        <p:spPr>
+          <a:xfrm>
+            <a:off x="10152185" y="3543898"/>
+            <a:ext cx="1787029" cy="460375"/>
+          </a:xfrm>
+          <a:prstGeom prst="rect">
+            <a:avLst/>
+          </a:prstGeom>
+          <a:noFill/>
+        </p:spPr>
+        <p:txBody>
+          <a:bodyPr wrap="square" rtlCol="0">
+            <a:spAutoFit/>
+          </a:bodyPr>
+          <a:lstStyle/>
+          <a:p>
+            <a:r>
+              <a:rPr lang="zh-CN" sz="2400" dirty="0">
+                <a:solidFill>
+                  <a:schemeClr val="bg1"/>
+                </a:solidFill>
+                <a:latin typeface="微软雅黑" panose="020B0503020204020204" pitchFamily="34" charset="-122"/>
+                <a:ea typeface="微软雅黑" panose="020B0503020204020204" pitchFamily="34" charset="-122"/>
+              </a:rPr>
+              <a:t>项目亮点</a:t>
+            </a:r>
+            <a:endParaRPr lang="zh-CN" sz="2400" dirty="0">
+              <a:solidFill>
+                <a:schemeClr val="bg1"/>
+              </a:solidFill>
+              <a:latin typeface="微软雅黑" panose="020B0503020204020204" pitchFamily="34" charset="-122"/>
+              <a:ea typeface="微软雅黑" panose="020B0503020204020204" pitchFamily="34" charset="-122"/>
+            </a:endParaRPr>
+          </a:p>
+        </p:txBody>
+      </p:sp>
+      <p:sp>
+        <p:nvSpPr>
+          <p:cNvPr id="9" name="文本框 8"/>
+          <p:cNvSpPr txBox="1"/>
+          <p:nvPr/>
+        </p:nvSpPr>
+        <p:spPr>
+          <a:xfrm>
+            <a:off x="10152185" y="2963349"/>
+            <a:ext cx="1787029" cy="460375"/>
+          </a:xfrm>
+          <a:prstGeom prst="rect">
+            <a:avLst/>
+          </a:prstGeom>
+          <a:noFill/>
+        </p:spPr>
+        <p:txBody>
+          <a:bodyPr wrap="square" rtlCol="0">
+            <a:spAutoFit/>
+          </a:bodyPr>
+          <a:lstStyle/>
+          <a:p>
+            <a:r>
+              <a:rPr lang="zh-CN" sz="2400" dirty="0">
+                <a:solidFill>
+                  <a:schemeClr val="bg1">
+                    <a:lumMod val="65000"/>
+                  </a:schemeClr>
+                </a:solidFill>
+                <a:latin typeface="微软雅黑" panose="020B0503020204020204" pitchFamily="34" charset="-122"/>
+                <a:ea typeface="微软雅黑" panose="020B0503020204020204" pitchFamily="34" charset="-122"/>
+              </a:rPr>
+              <a:t>项目功能</a:t>
+            </a:r>
+            <a:endParaRPr lang="zh-CN" sz="2400" dirty="0">
+              <a:solidFill>
+                <a:schemeClr val="bg1">
+                  <a:lumMod val="65000"/>
+                </a:schemeClr>
+              </a:solidFill>
+              <a:latin typeface="微软雅黑" panose="020B0503020204020204" pitchFamily="34" charset="-122"/>
+              <a:ea typeface="微软雅黑" panose="020B0503020204020204" pitchFamily="34" charset="-122"/>
+            </a:endParaRPr>
+          </a:p>
+        </p:txBody>
+      </p:sp>
+      <p:sp>
+        <p:nvSpPr>
+          <p:cNvPr id="10" name="文本框 9"/>
+          <p:cNvSpPr txBox="1"/>
+          <p:nvPr/>
+        </p:nvSpPr>
+        <p:spPr>
+          <a:xfrm>
+            <a:off x="10152673" y="2383435"/>
+            <a:ext cx="1787029" cy="460375"/>
+          </a:xfrm>
+          <a:prstGeom prst="rect">
+            <a:avLst/>
+          </a:prstGeom>
+          <a:noFill/>
+        </p:spPr>
+        <p:txBody>
+          <a:bodyPr wrap="square" rtlCol="0">
+            <a:spAutoFit/>
+          </a:bodyPr>
+          <a:lstStyle/>
+          <a:p>
+            <a:r>
+              <a:rPr lang="zh-CN" sz="2400" dirty="0">
+                <a:solidFill>
+                  <a:schemeClr val="bg1">
+                    <a:lumMod val="65000"/>
+                  </a:schemeClr>
+                </a:solidFill>
+                <a:latin typeface="微软雅黑" panose="020B0503020204020204" pitchFamily="34" charset="-122"/>
+                <a:ea typeface="微软雅黑" panose="020B0503020204020204" pitchFamily="34" charset="-122"/>
+              </a:rPr>
+              <a:t>项目介绍</a:t>
+            </a:r>
+            <a:endParaRPr lang="zh-CN" sz="2400" dirty="0">
+              <a:solidFill>
+                <a:schemeClr val="bg1">
+                  <a:lumMod val="65000"/>
+                </a:schemeClr>
+              </a:solidFill>
+              <a:latin typeface="微软雅黑" panose="020B0503020204020204" pitchFamily="34" charset="-122"/>
+              <a:ea typeface="微软雅黑" panose="020B0503020204020204" pitchFamily="34" charset="-122"/>
+            </a:endParaRPr>
+          </a:p>
+        </p:txBody>
+      </p:sp>
+      <p:sp>
+        <p:nvSpPr>
+          <p:cNvPr id="12" name="文本框 11"/>
+          <p:cNvSpPr txBox="1"/>
+          <p:nvPr/>
+        </p:nvSpPr>
+        <p:spPr>
+          <a:xfrm>
+            <a:off x="13160668" y="4205567"/>
+            <a:ext cx="1787029" cy="461665"/>
+          </a:xfrm>
+          <a:prstGeom prst="rect">
+            <a:avLst/>
+          </a:prstGeom>
+          <a:noFill/>
+        </p:spPr>
+        <p:txBody>
+          <a:bodyPr wrap="square" rtlCol="0">
+            <a:spAutoFit/>
+          </a:bodyPr>
+          <a:lstStyle/>
+          <a:p>
+            <a:r>
+              <a:rPr lang="zh-CN" altLang="en-US" sz="2400" dirty="0">
+                <a:solidFill>
+                  <a:schemeClr val="bg1">
+                    <a:lumMod val="65000"/>
+                  </a:schemeClr>
+                </a:solidFill>
+                <a:latin typeface="微软雅黑" panose="020B0503020204020204" pitchFamily="34" charset="-122"/>
+                <a:ea typeface="微软雅黑" panose="020B0503020204020204" pitchFamily="34" charset="-122"/>
+              </a:rPr>
+              <a:t>汇报题目</a:t>
+            </a:r>
+            <a:r>
+              <a:rPr lang="en-US" altLang="zh-CN" sz="2400" dirty="0">
+                <a:solidFill>
+                  <a:schemeClr val="bg1">
+                    <a:lumMod val="65000"/>
+                  </a:schemeClr>
+                </a:solidFill>
+                <a:latin typeface="微软雅黑" panose="020B0503020204020204" pitchFamily="34" charset="-122"/>
+                <a:ea typeface="微软雅黑" panose="020B0503020204020204" pitchFamily="34" charset="-122"/>
+              </a:rPr>
+              <a:t>5</a:t>
+            </a:r>
+            <a:endParaRPr lang="zh-CN" altLang="en-US" sz="2400" dirty="0">
+              <a:solidFill>
+                <a:schemeClr val="bg1">
+                  <a:lumMod val="65000"/>
+                </a:schemeClr>
+              </a:solidFill>
+              <a:latin typeface="微软雅黑" panose="020B0503020204020204" pitchFamily="34" charset="-122"/>
+              <a:ea typeface="微软雅黑" panose="020B0503020204020204" pitchFamily="34" charset="-122"/>
+            </a:endParaRPr>
+          </a:p>
+        </p:txBody>
+      </p:sp>
+      <p:sp>
+        <p:nvSpPr>
+          <p:cNvPr id="5" name="文本框 4"/>
+          <p:cNvSpPr txBox="1"/>
+          <p:nvPr/>
+        </p:nvSpPr>
+        <p:spPr>
+          <a:xfrm>
+            <a:off x="535940" y="970280"/>
+            <a:ext cx="6070600" cy="368300"/>
+          </a:xfrm>
+          <a:prstGeom prst="rect">
+            <a:avLst/>
+          </a:prstGeom>
+          <a:noFill/>
+        </p:spPr>
+        <p:txBody>
+          <a:bodyPr wrap="square" rtlCol="0">
+            <a:spAutoFit/>
+          </a:bodyPr>
+          <a:p>
+            <a:pPr indent="0">
+              <a:buNone/>
+            </a:pPr>
+            <a:r>
+              <a:rPr lang="en-US" altLang="zh-CN"/>
+              <a:t>15.  使用Git管理源代码</a:t>
+            </a:r>
+            <a:endParaRPr lang="en-US" altLang="zh-CN"/>
+          </a:p>
+        </p:txBody>
+      </p:sp>
+      <p:pic>
+        <p:nvPicPr>
+          <p:cNvPr id="7" name="图片 2"/>
+          <p:cNvPicPr>
+            <a:picLocks noChangeAspect="1"/>
+          </p:cNvPicPr>
+          <p:nvPr/>
+        </p:nvPicPr>
+        <p:blipFill>
+          <a:blip r:embed="rId3"/>
+          <a:stretch>
+            <a:fillRect/>
+          </a:stretch>
+        </p:blipFill>
+        <p:spPr>
+          <a:xfrm>
+            <a:off x="3742373" y="420370"/>
+            <a:ext cx="5974715" cy="6245860"/>
+          </a:xfrm>
+          <a:prstGeom prst="rect">
+            <a:avLst/>
+          </a:prstGeom>
+          <a:noFill/>
+          <a:ln>
+            <a:noFill/>
+          </a:ln>
+        </p:spPr>
+      </p:pic>
+      <p:sp>
+        <p:nvSpPr>
+          <p:cNvPr id="100" name="文本框 99"/>
+          <p:cNvSpPr txBox="1"/>
+          <p:nvPr/>
+        </p:nvSpPr>
+        <p:spPr>
+          <a:xfrm>
+            <a:off x="317500" y="2175510"/>
+            <a:ext cx="3662680" cy="1476375"/>
+          </a:xfrm>
+          <a:prstGeom prst="rect">
+            <a:avLst/>
+          </a:prstGeom>
+          <a:noFill/>
+          <a:ln w="9525">
+            <a:noFill/>
+          </a:ln>
+        </p:spPr>
+        <p:txBody>
+          <a:bodyPr wrap="square">
+            <a:spAutoFit/>
+          </a:bodyPr>
+          <a:p>
+            <a:pPr marL="285750" indent="-285750">
+              <a:buFont typeface="Wingdings" panose="05000000000000000000" charset="0"/>
+              <a:buChar char="ü"/>
+            </a:pPr>
+            <a:r>
+              <a:rPr lang="zh-CN" b="0">
+                <a:ea typeface="等线" panose="02010600030101010101" charset="-122"/>
+              </a:rPr>
+              <a:t>代码回退</a:t>
+            </a:r>
+            <a:endParaRPr lang="zh-CN" b="0">
+              <a:ea typeface="等线" panose="02010600030101010101" charset="-122"/>
+            </a:endParaRPr>
+          </a:p>
+          <a:p>
+            <a:pPr marL="285750" indent="-285750">
+              <a:buFont typeface="Wingdings" panose="05000000000000000000" charset="0"/>
+              <a:buChar char="ü"/>
+            </a:pPr>
+            <a:r>
+              <a:rPr lang="zh-CN" b="0">
+                <a:ea typeface="等线" panose="02010600030101010101" charset="-122"/>
+              </a:rPr>
+              <a:t>降低与代码冲突的可能性</a:t>
+            </a:r>
+            <a:endParaRPr lang="zh-CN" b="0">
+              <a:ea typeface="等线" panose="02010600030101010101" charset="-122"/>
+            </a:endParaRPr>
+          </a:p>
+          <a:p>
+            <a:pPr marL="285750" indent="-285750">
+              <a:buFont typeface="Wingdings" panose="05000000000000000000" charset="0"/>
+              <a:buChar char="ü"/>
+            </a:pPr>
+            <a:r>
+              <a:rPr lang="zh-CN" b="0">
+                <a:ea typeface="等线" panose="02010600030101010101" charset="-122"/>
+              </a:rPr>
+              <a:t>及时更新最新的代码</a:t>
+            </a:r>
+            <a:endParaRPr lang="zh-CN" b="0">
+              <a:ea typeface="等线" panose="02010600030101010101" charset="-122"/>
+            </a:endParaRPr>
+          </a:p>
+          <a:p>
+            <a:pPr marL="285750" indent="-285750">
+              <a:buFont typeface="Wingdings" panose="05000000000000000000" charset="0"/>
+              <a:buChar char="ü"/>
+            </a:pPr>
+            <a:r>
+              <a:rPr lang="zh-CN" b="0">
+                <a:ea typeface="等线" panose="02010600030101010101" charset="-122"/>
+              </a:rPr>
+              <a:t>相互了解各个模块之间的进度</a:t>
+            </a:r>
+            <a:endParaRPr lang="zh-CN" b="0">
+              <a:ea typeface="等线" panose="02010600030101010101" charset="-122"/>
+            </a:endParaRPr>
+          </a:p>
+          <a:p>
+            <a:pPr marL="285750" indent="-285750">
+              <a:buFont typeface="Wingdings" panose="05000000000000000000" charset="0"/>
+              <a:buChar char="ü"/>
+            </a:pPr>
+            <a:r>
+              <a:rPr lang="zh-CN" b="0">
+                <a:ea typeface="等线" panose="02010600030101010101" charset="-122"/>
+              </a:rPr>
+              <a:t>不怕硬盘损坏、突然断电</a:t>
+            </a:r>
+            <a:endParaRPr lang="zh-CN" altLang="en-US" b="0">
+              <a:ea typeface="等线" panose="02010600030101010101" charset="-122"/>
+            </a:endParaRPr>
+          </a:p>
+        </p:txBody>
+      </p:sp>
+    </p:spTree>
+  </p:cSld>
+  <p:clrMapOvr>
+    <a:masterClrMapping/>
+  </p:clrMapOvr>
+  <mc:AlternateContent xmlns:mc="http://schemas.openxmlformats.org/markup-compatibility/2006" xmlns:p159="http://schemas.microsoft.com/office/powerpoint/2015/09/main">
+    <mc:Choice Requires="p159">
+      <p:transition xmlns:p14="http://schemas.microsoft.com/office/powerpoint/2010/main" spd="slow" p14:dur="1250">
+        <p159:morph option="byObject"/>
+      </p:transition>
+    </mc:Choice>
+    <mc:Fallback>
+      <p:transition spd="slow">
+        <p:fade/>
+      </p:transition>
+    </mc:Fallback>
+  </mc:AlternateContent>
+  <p:timing>
+    <p:tnLst>
+      <p:par>
+        <p:cTn id="1" dur="indefinite" restart="never" nodeType="tmRoot">
+          <p:childTnLst>
+            <p:seq concurrent="1" nextAc="seek">
+              <p:cTn id="2" dur="indefinite" nodeType="mainSeq">
+                <p:childTnLst>
+                  <p:par>
+                    <p:cTn id="3" fill="hold">
+                      <p:stCondLst>
+                        <p:cond delay="indefinite"/>
+                      </p:stCondLst>
+                      <p:childTnLst>
+                        <p:par>
+                          <p:cTn id="4" fill="hold">
+                            <p:stCondLst>
+                              <p:cond delay="0"/>
+                            </p:stCondLst>
+                            <p:childTnLst>
+                              <p:par>
+                                <p:cTn id="5" presetID="4" presetClass="entr" presetSubtype="16" fill="hold" grpId="0" nodeType="clickEffect">
+                                  <p:stCondLst>
+                                    <p:cond delay="0"/>
+                                  </p:stCondLst>
+                                  <p:childTnLst>
+                                    <p:set>
+                                      <p:cBhvr>
+                                        <p:cTn id="6" dur="1" fill="hold">
+                                          <p:stCondLst>
+                                            <p:cond delay="0"/>
+                                          </p:stCondLst>
+                                        </p:cTn>
+                                        <p:tgtEl>
+                                          <p:spTgt spid="100"/>
+                                        </p:tgtEl>
+                                        <p:attrNameLst>
+                                          <p:attrName>style.visibility</p:attrName>
+                                        </p:attrNameLst>
+                                      </p:cBhvr>
+                                      <p:to>
+                                        <p:strVal val="visible"/>
+                                      </p:to>
+                                    </p:set>
+                                    <p:animEffect transition="in" filter="box(in)">
+                                      <p:cBhvr>
+                                        <p:cTn id="7" dur="2000"/>
+                                        <p:tgtEl>
+                                          <p:spTgt spid="100"/>
+                                        </p:tgtEl>
+                                      </p:cBhvr>
+                                    </p:animEffect>
+                                  </p:childTnLst>
+                                </p:cTn>
+                              </p:par>
+                            </p:childTnLst>
+                          </p:cTn>
+                        </p:par>
+                      </p:childTnLst>
+                    </p:cTn>
+                  </p:par>
+                  <p:par>
+                    <p:cTn id="8" fill="hold">
+                      <p:stCondLst>
+                        <p:cond delay="indefinite"/>
+                      </p:stCondLst>
+                      <p:childTnLst>
+                        <p:par>
+                          <p:cTn id="9" fill="hold">
+                            <p:stCondLst>
+                              <p:cond delay="0"/>
+                            </p:stCondLst>
+                            <p:childTnLst>
+                              <p:par>
+                                <p:cTn id="10" presetID="22" presetClass="entr" presetSubtype="4" fill="hold" nodeType="clickEffect">
+                                  <p:stCondLst>
+                                    <p:cond delay="0"/>
+                                  </p:stCondLst>
+                                  <p:childTnLst>
+                                    <p:set>
+                                      <p:cBhvr>
+                                        <p:cTn id="11" dur="1" fill="hold">
+                                          <p:stCondLst>
+                                            <p:cond delay="0"/>
+                                          </p:stCondLst>
+                                        </p:cTn>
+                                        <p:tgtEl>
+                                          <p:spTgt spid="7"/>
+                                        </p:tgtEl>
+                                        <p:attrNameLst>
+                                          <p:attrName>style.visibility</p:attrName>
+                                        </p:attrNameLst>
+                                      </p:cBhvr>
+                                      <p:to>
+                                        <p:strVal val="visible"/>
+                                      </p:to>
+                                    </p:set>
+                                    <p:animEffect transition="in" filter="wipe(down)">
+                                      <p:cBhvr>
+                                        <p:cTn id="12" dur="500"/>
+                                        <p:tgtEl>
+                                          <p:spTgt spid="7"/>
+                                        </p:tgtEl>
+                                      </p:cBhvr>
+                                    </p:animEffect>
+                                  </p:childTnLst>
+                                </p:cTn>
+                              </p:par>
+                            </p:childTnLst>
+                          </p:cTn>
+                        </p:par>
+                      </p:childTnLst>
+                    </p:cTn>
+                  </p:par>
+                </p:childTnLst>
+              </p:cTn>
+              <p:prevCondLst>
+                <p:cond evt="onPrev" delay="0">
+                  <p:tgtEl>
+                    <p:sldTgt/>
+                  </p:tgtEl>
+                </p:cond>
+              </p:prevCondLst>
+              <p:nextCondLst>
+                <p:cond evt="onNext" delay="0">
+                  <p:tgtEl>
+                    <p:sldTgt/>
+                  </p:tgtEl>
+                </p:cond>
+              </p:nextCondLst>
+            </p:seq>
+          </p:childTnLst>
+        </p:cTn>
+      </p:par>
+    </p:tnLst>
+    <p:bldLst>
+      <p:bldP spid="100" grpId="0"/>
+      <p:bldP spid="100" grpId="1"/>
+    </p:bldLst>
+  </p:timing>
+</p:sld>
+</file>
+
+<file path=ppt/slides/slide18.xml><?xml version="1.0" encoding="utf-8"?>
+<p:sld xmlns:a="http://schemas.openxmlformats.org/drawingml/2006/main" xmlns:r="http://schemas.openxmlformats.org/officeDocument/2006/relationships" xmlns:p="http://schemas.openxmlformats.org/presentationml/2006/main">
+  <p:cSld>
+    <p:spTree>
+      <p:nvGrpSpPr>
+        <p:cNvPr id="1" name=""/>
+        <p:cNvGrpSpPr/>
+        <p:nvPr/>
+      </p:nvGrpSpPr>
+      <p:grpSpPr>
+        <a:xfrm>
+          <a:off x="0" y="0"/>
+          <a:ext cx="0" cy="0"/>
+          <a:chOff x="0" y="0"/>
+          <a:chExt cx="0" cy="0"/>
+        </a:xfrm>
+      </p:grpSpPr>
+      <p:pic>
+        <p:nvPicPr>
+          <p:cNvPr id="11" name="图形 10"/>
+          <p:cNvPicPr>
+            <a:picLocks noChangeAspect="1"/>
+          </p:cNvPicPr>
+          <p:nvPr/>
+        </p:nvPicPr>
+        <p:blipFill>
+          <a:blip r:embed="rId1">
+            <a:extLst>
+              <a:ext uri="{28A0092B-C50C-407E-A947-70E740481C1C}">
+                <a14:useLocalDpi xmlns:a14="http://schemas.microsoft.com/office/drawing/2010/main" val="0"/>
+              </a:ext>
+              <a:ext uri="{96DAC541-7B7A-43D3-8B79-37D633B846F1}">
+                <asvg:svgBlip xmlns:asvg="http://schemas.microsoft.com/office/drawing/2016/SVG/main" r:embed="rId2"/>
+              </a:ext>
+            </a:extLst>
+          </a:blip>
+          <a:stretch>
+            <a:fillRect/>
+          </a:stretch>
+        </p:blipFill>
+        <p:spPr>
+          <a:xfrm>
+            <a:off x="3457074" y="629136"/>
+            <a:ext cx="5277852" cy="5445404"/>
+          </a:xfrm>
+          <a:prstGeom prst="rect">
+            <a:avLst/>
+          </a:prstGeom>
+        </p:spPr>
+      </p:pic>
+      <p:sp>
+        <p:nvSpPr>
+          <p:cNvPr id="3" name="矩形 2"/>
+          <p:cNvSpPr/>
+          <p:nvPr/>
+        </p:nvSpPr>
+        <p:spPr>
+          <a:xfrm flipV="1">
+            <a:off x="0" y="3667956"/>
+            <a:ext cx="12192000" cy="3190043"/>
+          </a:xfrm>
+          <a:prstGeom prst="rect">
+            <a:avLst/>
+          </a:prstGeom>
+          <a:solidFill>
+            <a:srgbClr val="3843B3"/>
+          </a:solidFill>
+          <a:ln>
+            <a:noFill/>
+          </a:ln>
+        </p:spPr>
+        <p:style>
+          <a:lnRef idx="2">
+            <a:schemeClr val="accent1">
+              <a:shade val="50000"/>
+            </a:schemeClr>
+          </a:lnRef>
+          <a:fillRef idx="1">
+            <a:schemeClr val="accent1"/>
+          </a:fillRef>
+          <a:effectRef idx="0">
+            <a:schemeClr val="accent1"/>
+          </a:effectRef>
+          <a:fontRef idx="minor">
+            <a:schemeClr val="lt1"/>
+          </a:fontRef>
+        </p:style>
+        <p:txBody>
+          <a:bodyPr rtlCol="0" anchor="ctr"/>
+          <a:lstStyle/>
+          <a:p>
+            <a:pPr marL="0" marR="0" lvl="0" indent="0" algn="ctr" defTabSz="914400" rtl="0" eaLnBrk="1" fontAlgn="auto" latinLnBrk="0" hangingPunct="1">
+              <a:lnSpc>
+                <a:spcPct val="100000"/>
+              </a:lnSpc>
+              <a:spcBef>
+                <a:spcPts val="0"/>
+              </a:spcBef>
+              <a:spcAft>
+                <a:spcPts val="0"/>
+              </a:spcAft>
+              <a:buClrTx/>
+              <a:buSzTx/>
+              <a:buFontTx/>
+              <a:buNone/>
+              <a:defRPr/>
+            </a:pPr>
+            <a:endParaRPr kumimoji="0" lang="zh-CN" altLang="en-US" sz="1800" b="0" i="0" u="none" strike="noStrike" kern="1200" cap="none" spc="0" normalizeH="0" baseline="0" noProof="0">
+              <a:ln>
+                <a:noFill/>
+              </a:ln>
+              <a:solidFill>
+                <a:prstClr val="white"/>
+              </a:solidFill>
+              <a:effectLst/>
+              <a:uLnTx/>
+              <a:uFillTx/>
+              <a:latin typeface="Sitka Text"/>
+              <a:ea typeface="微软雅黑 Light" panose="020B0502040204020203" charset="-122"/>
+              <a:cs typeface="+mn-cs"/>
+            </a:endParaRPr>
+          </a:p>
+        </p:txBody>
+      </p:sp>
+      <p:pic>
+        <p:nvPicPr>
+          <p:cNvPr id="13" name="图形 12"/>
+          <p:cNvPicPr>
+            <a:picLocks noChangeAspect="1"/>
+          </p:cNvPicPr>
+          <p:nvPr/>
+        </p:nvPicPr>
+        <p:blipFill>
+          <a:blip r:embed="rId3">
+            <a:extLst>
+              <a:ext uri="{28A0092B-C50C-407E-A947-70E740481C1C}">
+                <a14:useLocalDpi xmlns:a14="http://schemas.microsoft.com/office/drawing/2010/main" val="0"/>
+              </a:ext>
+              <a:ext uri="{96DAC541-7B7A-43D3-8B79-37D633B846F1}">
+                <asvg:svgBlip xmlns:asvg="http://schemas.microsoft.com/office/drawing/2016/SVG/main" r:embed="rId4"/>
+              </a:ext>
+            </a:extLst>
+          </a:blip>
+          <a:stretch>
+            <a:fillRect/>
+          </a:stretch>
+        </p:blipFill>
+        <p:spPr>
+          <a:xfrm>
+            <a:off x="3457074" y="680577"/>
+            <a:ext cx="5277852" cy="5445404"/>
+          </a:xfrm>
+          <a:prstGeom prst="rect">
+            <a:avLst/>
+          </a:prstGeom>
+        </p:spPr>
+      </p:pic>
+      <p:sp>
+        <p:nvSpPr>
+          <p:cNvPr id="2" name="文本框 1"/>
+          <p:cNvSpPr txBox="1"/>
+          <p:nvPr/>
+        </p:nvSpPr>
+        <p:spPr>
+          <a:xfrm>
+            <a:off x="4341809" y="2836949"/>
+            <a:ext cx="3508381" cy="923330"/>
+          </a:xfrm>
+          <a:prstGeom prst="rect">
+            <a:avLst/>
+          </a:prstGeom>
+          <a:noFill/>
+        </p:spPr>
+        <p:txBody>
+          <a:bodyPr wrap="square" rtlCol="0">
+            <a:spAutoFit/>
+          </a:bodyPr>
+          <a:lstStyle/>
+          <a:p>
+            <a:pPr algn="dist"/>
+            <a:r>
+              <a:rPr lang="zh-CN" altLang="en-US" sz="5400" b="1" dirty="0">
+                <a:solidFill>
+                  <a:srgbClr val="3843B3"/>
+                </a:solidFill>
+                <a:latin typeface="微软雅黑" panose="020B0503020204020204" pitchFamily="34" charset="-122"/>
+                <a:ea typeface="微软雅黑" panose="020B0503020204020204" pitchFamily="34" charset="-122"/>
+              </a:rPr>
+              <a:t>感谢聆听</a:t>
+            </a:r>
+            <a:endParaRPr lang="zh-CN" altLang="en-US" sz="5400" b="1" dirty="0">
+              <a:solidFill>
+                <a:srgbClr val="3843B3"/>
+              </a:solidFill>
+              <a:latin typeface="微软雅黑" panose="020B0503020204020204" pitchFamily="34" charset="-122"/>
+              <a:ea typeface="微软雅黑" panose="020B0503020204020204" pitchFamily="34" charset="-122"/>
+            </a:endParaRPr>
+          </a:p>
+        </p:txBody>
+      </p:sp>
+      <p:sp>
+        <p:nvSpPr>
+          <p:cNvPr id="12" name="文本框 11"/>
+          <p:cNvSpPr txBox="1"/>
+          <p:nvPr/>
+        </p:nvSpPr>
+        <p:spPr>
+          <a:xfrm>
+            <a:off x="4341809" y="3707963"/>
+            <a:ext cx="3508381" cy="400110"/>
+          </a:xfrm>
+          <a:prstGeom prst="rect">
+            <a:avLst/>
+          </a:prstGeom>
+          <a:noFill/>
+        </p:spPr>
+        <p:txBody>
+          <a:bodyPr wrap="square" rtlCol="0">
+            <a:spAutoFit/>
+          </a:bodyPr>
+          <a:lstStyle/>
+          <a:p>
+            <a:pPr algn="dist"/>
+            <a:r>
+              <a:rPr lang="en-US" altLang="zh-CN" sz="2000" b="1" dirty="0">
+                <a:ln>
+                  <a:solidFill>
+                    <a:schemeClr val="bg1"/>
+                  </a:solidFill>
+                </a:ln>
+                <a:noFill/>
+                <a:latin typeface="Novecento wide Bold" panose="00000805000000000000" pitchFamily="50" charset="0"/>
+                <a:ea typeface="思源黑体 Medium" panose="020B0600000000000000" pitchFamily="34" charset="-122"/>
+              </a:rPr>
+              <a:t>Thanks for listening</a:t>
+            </a:r>
+            <a:endParaRPr lang="zh-CN" altLang="en-US" sz="2000" b="1" dirty="0">
+              <a:ln>
+                <a:solidFill>
+                  <a:schemeClr val="bg1"/>
+                </a:solidFill>
+              </a:ln>
+              <a:noFill/>
+              <a:latin typeface="Novecento wide Bold" panose="00000805000000000000" pitchFamily="50" charset="0"/>
+              <a:ea typeface="思源黑体 Medium" panose="020B0600000000000000" pitchFamily="34" charset="-122"/>
+            </a:endParaRPr>
+          </a:p>
+        </p:txBody>
+      </p:sp>
+    </p:spTree>
+  </p:cSld>
+  <p:clrMapOvr>
+    <a:masterClrMapping/>
+  </p:clrMapOvr>
+  <mc:AlternateContent xmlns:mc="http://schemas.openxmlformats.org/markup-compatibility/2006">
+    <mc:Choice xmlns:p14="http://schemas.microsoft.com/office/powerpoint/2010/main" Requires="p14">
+      <p:transition spd="slow" p14:dur="1000">
+        <p:wipe/>
+      </p:transition>
+    </mc:Choice>
+    <mc:Fallback>
+      <p:transition spd="slow">
+        <p:wipe/>
       </p:transition>
     </mc:Fallback>
   </mc:AlternateContent>
@@ -9061,7 +15397,7 @@
         </p:nvSpPr>
         <p:spPr>
           <a:xfrm>
-            <a:off x="1582420" y="1675765"/>
+            <a:off x="1424940" y="1790700"/>
             <a:ext cx="6055995" cy="1753235"/>
           </a:xfrm>
           <a:prstGeom prst="rect">
@@ -9090,6 +15426,30 @@
           </a:p>
         </p:txBody>
       </p:sp>
+      <p:pic>
+        <p:nvPicPr>
+          <p:cNvPr id="5" name="图片 4"/>
+          <p:cNvPicPr>
+            <a:picLocks noChangeAspect="1"/>
+          </p:cNvPicPr>
+          <p:nvPr/>
+        </p:nvPicPr>
+        <p:blipFill>
+          <a:blip r:embed="rId3"/>
+          <a:stretch>
+            <a:fillRect/>
+          </a:stretch>
+        </p:blipFill>
+        <p:spPr>
+          <a:xfrm>
+            <a:off x="-253365" y="970280"/>
+            <a:ext cx="12698730" cy="5476240"/>
+          </a:xfrm>
+          <a:prstGeom prst="rect">
+            <a:avLst/>
+          </a:prstGeom>
+        </p:spPr>
+      </p:pic>
     </p:spTree>
   </p:cSld>
   <p:clrMapOvr>
@@ -9107,6 +15467,135 @@
       </p:transition>
     </mc:Fallback>
   </mc:AlternateContent>
+  <p:timing>
+    <p:tnLst>
+      <p:par>
+        <p:cTn id="1" dur="indefinite" restart="never" nodeType="tmRoot">
+          <p:childTnLst>
+            <p:seq concurrent="1" nextAc="seek">
+              <p:cTn id="2" dur="indefinite" nodeType="mainSeq">
+                <p:childTnLst>
+                  <p:par>
+                    <p:cTn id="3" fill="hold">
+                      <p:stCondLst>
+                        <p:cond delay="indefinite"/>
+                      </p:stCondLst>
+                      <p:childTnLst>
+                        <p:par>
+                          <p:cTn id="4" fill="hold">
+                            <p:stCondLst>
+                              <p:cond delay="0"/>
+                            </p:stCondLst>
+                            <p:childTnLst>
+                              <p:par>
+                                <p:cTn id="5" presetID="29" presetClass="entr" presetSubtype="0" fill="hold" nodeType="clickEffect">
+                                  <p:stCondLst>
+                                    <p:cond delay="0"/>
+                                  </p:stCondLst>
+                                  <p:childTnLst>
+                                    <p:set>
+                                      <p:cBhvr>
+                                        <p:cTn id="6" dur="1" fill="hold">
+                                          <p:stCondLst>
+                                            <p:cond delay="0"/>
+                                          </p:stCondLst>
+                                        </p:cTn>
+                                        <p:tgtEl>
+                                          <p:spTgt spid="5"/>
+                                        </p:tgtEl>
+                                        <p:attrNameLst>
+                                          <p:attrName>style.visibility</p:attrName>
+                                        </p:attrNameLst>
+                                      </p:cBhvr>
+                                      <p:to>
+                                        <p:strVal val="visible"/>
+                                      </p:to>
+                                    </p:set>
+                                    <p:anim calcmode="lin" valueType="num">
+                                      <p:cBhvr>
+                                        <p:cTn id="7" dur="1000" fill="hold"/>
+                                        <p:tgtEl>
+                                          <p:spTgt spid="5"/>
+                                        </p:tgtEl>
+                                        <p:attrNameLst>
+                                          <p:attrName>ppt_x</p:attrName>
+                                        </p:attrNameLst>
+                                      </p:cBhvr>
+                                      <p:tavLst>
+                                        <p:tav tm="0">
+                                          <p:val>
+                                            <p:strVal val="#ppt_x-.2"/>
+                                          </p:val>
+                                        </p:tav>
+                                        <p:tav tm="100000">
+                                          <p:val>
+                                            <p:strVal val="#ppt_x"/>
+                                          </p:val>
+                                        </p:tav>
+                                      </p:tavLst>
+                                    </p:anim>
+                                    <p:anim calcmode="lin" valueType="num">
+                                      <p:cBhvr>
+                                        <p:cTn id="8" dur="1000" fill="hold"/>
+                                        <p:tgtEl>
+                                          <p:spTgt spid="5"/>
+                                        </p:tgtEl>
+                                        <p:attrNameLst>
+                                          <p:attrName>ppt_y</p:attrName>
+                                        </p:attrNameLst>
+                                      </p:cBhvr>
+                                      <p:tavLst>
+                                        <p:tav tm="0">
+                                          <p:val>
+                                            <p:strVal val="#ppt_y"/>
+                                          </p:val>
+                                        </p:tav>
+                                        <p:tav tm="100000">
+                                          <p:val>
+                                            <p:strVal val="#ppt_y"/>
+                                          </p:val>
+                                        </p:tav>
+                                      </p:tavLst>
+                                    </p:anim>
+                                    <p:animEffect transition="in" filter="wipe(right)" prLst="gradientSize: 0.1">
+                                      <p:cBhvr>
+                                        <p:cTn id="9" dur="1000"/>
+                                        <p:tgtEl>
+                                          <p:spTgt spid="5"/>
+                                        </p:tgtEl>
+                                      </p:cBhvr>
+                                    </p:animEffect>
+                                  </p:childTnLst>
+                                </p:cTn>
+                              </p:par>
+                            </p:childTnLst>
+                          </p:cTn>
+                        </p:par>
+                      </p:childTnLst>
+                    </p:cTn>
+                  </p:par>
+                </p:childTnLst>
+              </p:cTn>
+              <p:prevCondLst>
+                <p:cond evt="onPrev" delay="0">
+                  <p:tgtEl>
+                    <p:sldTgt/>
+                  </p:tgtEl>
+                </p:cond>
+              </p:prevCondLst>
+              <p:nextCondLst>
+                <p:cond evt="onNext" delay="0">
+                  <p:tgtEl>
+                    <p:sldTgt/>
+                  </p:tgtEl>
+                </p:cond>
+              </p:nextCondLst>
+            </p:seq>
+          </p:childTnLst>
+        </p:cTn>
+      </p:par>
+    </p:tnLst>
+  </p:timing>
 </p:sld>
 </file>
 
@@ -11078,8 +17567,8 @@
         </p:nvSpPr>
         <p:spPr>
           <a:xfrm>
-            <a:off x="1793240" y="1520190"/>
-            <a:ext cx="6070600" cy="3969385"/>
+            <a:off x="472440" y="970280"/>
+            <a:ext cx="6070600" cy="368300"/>
           </a:xfrm>
           <a:prstGeom prst="rect">
             <a:avLst/>
@@ -11096,7 +17585,7 @@
             </a:pPr>
             <a:r>
               <a:rPr lang="zh-CN" altLang="en-US"/>
-              <a:t>采用三层架构，实行</a:t>
+              <a:t>采用三层架构，实现</a:t>
             </a:r>
             <a:r>
               <a:rPr lang="en-US" altLang="zh-CN"/>
@@ -11108,183 +17597,206 @@
             </a:r>
             <a:endParaRPr lang="zh-CN" altLang="en-US"/>
           </a:p>
-          <a:p>
-            <a:pPr marL="342900" indent="-342900">
-              <a:buAutoNum type="arabicPeriod"/>
+        </p:txBody>
+      </p:sp>
+      <p:pic>
+        <p:nvPicPr>
+          <p:cNvPr id="13" name="图片 12"/>
+          <p:cNvPicPr>
+            <a:picLocks noChangeAspect="1"/>
+          </p:cNvPicPr>
+          <p:nvPr>
+            <p:custDataLst>
+              <p:tags r:id="rId3"/>
+            </p:custDataLst>
+          </p:nvPr>
+        </p:nvPicPr>
+        <p:blipFill>
+          <a:blip r:embed="rId4"/>
+          <a:stretch>
+            <a:fillRect/>
+          </a:stretch>
+        </p:blipFill>
+        <p:spPr>
+          <a:xfrm>
+            <a:off x="114935" y="1338580"/>
+            <a:ext cx="9827260" cy="5172710"/>
+          </a:xfrm>
+          <a:prstGeom prst="rect">
+            <a:avLst/>
+          </a:prstGeom>
+        </p:spPr>
+      </p:pic>
+      <p:sp>
+        <p:nvSpPr>
+          <p:cNvPr id="14" name="文本框 13"/>
+          <p:cNvSpPr txBox="1"/>
+          <p:nvPr/>
+        </p:nvSpPr>
+        <p:spPr>
+          <a:xfrm>
+            <a:off x="6741795" y="6489700"/>
+            <a:ext cx="3200400" cy="368300"/>
+          </a:xfrm>
+          <a:prstGeom prst="rect">
+            <a:avLst/>
+          </a:prstGeom>
+          <a:noFill/>
+        </p:spPr>
+        <p:txBody>
+          <a:bodyPr wrap="square" rtlCol="0">
+            <a:spAutoFit/>
+          </a:bodyPr>
+          <a:p>
+            <a:r>
+              <a:rPr lang="zh-CN" altLang="en-US"/>
+              <a:t>来源：</a:t>
+            </a:r>
+            <a:r>
+              <a:rPr lang="en-US" altLang="zh-CN"/>
+              <a:t>@QG</a:t>
+            </a:r>
+            <a:r>
+              <a:rPr lang="zh-CN" altLang="en-US"/>
+              <a:t>后台组李浩师兄</a:t>
+            </a:r>
+            <a:endParaRPr lang="zh-CN" altLang="en-US"/>
+          </a:p>
+        </p:txBody>
+      </p:sp>
+      <p:sp>
+        <p:nvSpPr>
+          <p:cNvPr id="100" name="文本框 99"/>
+          <p:cNvSpPr txBox="1"/>
+          <p:nvPr/>
+        </p:nvSpPr>
+        <p:spPr>
+          <a:xfrm>
+            <a:off x="4363720" y="255588"/>
+            <a:ext cx="5080000" cy="968375"/>
+          </a:xfrm>
+          <a:prstGeom prst="rect">
+            <a:avLst/>
+          </a:prstGeom>
+          <a:noFill/>
+          <a:ln w="9525">
+            <a:noFill/>
+          </a:ln>
+        </p:spPr>
+        <p:txBody>
+          <a:bodyPr>
+            <a:spAutoFit/>
+          </a:bodyPr>
+          <a:p>
+            <a:pPr indent="0">
+              <a:buFont typeface="Arial" panose="020B0604020202020204" pitchFamily="34" charset="0"/>
+              <a:buNone/>
             </a:pPr>
             <a:r>
-              <a:rPr lang="zh-CN" altLang="en-US"/>
-              <a:t>运用反射，提高开发效率</a:t>
-            </a:r>
-            <a:endParaRPr lang="zh-CN" altLang="en-US"/>
-          </a:p>
-          <a:p>
-            <a:pPr marL="342900" indent="-342900">
-              <a:buAutoNum type="arabicPeriod"/>
+              <a:rPr lang="en-US" altLang="zh-CN" sz="1900" b="0">
+                <a:solidFill>
+                  <a:srgbClr val="333333"/>
+                </a:solidFill>
+                <a:cs typeface="Helvetica" charset="0"/>
+              </a:rPr>
+              <a:t>√</a:t>
+            </a:r>
+            <a:r>
+              <a:rPr lang="zh-CN" sz="1900" b="0">
+                <a:solidFill>
+                  <a:srgbClr val="333333"/>
+                </a:solidFill>
+                <a:cs typeface="Helvetica" charset="0"/>
+              </a:rPr>
+              <a:t>结构清晰、耦合度低</a:t>
+            </a:r>
+            <a:endParaRPr lang="zh-CN" sz="1900" b="0">
+              <a:solidFill>
+                <a:srgbClr val="333333"/>
+              </a:solidFill>
+              <a:cs typeface="Helvetica" charset="0"/>
+            </a:endParaRPr>
+          </a:p>
+          <a:p>
+            <a:pPr indent="0">
+              <a:buFont typeface="Arial" panose="020B0604020202020204" pitchFamily="34" charset="0"/>
+              <a:buNone/>
             </a:pPr>
             <a:r>
-              <a:rPr lang="zh-CN" altLang="en-US"/>
-              <a:t>使用</a:t>
-            </a:r>
-            <a:r>
-              <a:rPr lang="en-US" altLang="zh-CN"/>
-              <a:t>postman</a:t>
-            </a:r>
-            <a:r>
-              <a:rPr lang="zh-CN" altLang="en-US"/>
-              <a:t>测试接口</a:t>
-            </a:r>
-            <a:endParaRPr lang="zh-CN" altLang="en-US"/>
-          </a:p>
-          <a:p>
-            <a:pPr marL="342900" indent="-342900">
-              <a:buAutoNum type="arabicPeriod"/>
+              <a:rPr lang="en-US" altLang="zh-CN" sz="1900">
+                <a:solidFill>
+                  <a:srgbClr val="333333"/>
+                </a:solidFill>
+                <a:cs typeface="Helvetica" charset="0"/>
+                <a:sym typeface="+mn-ea"/>
+              </a:rPr>
+              <a:t>√</a:t>
+            </a:r>
+            <a:r>
+              <a:rPr lang="zh-CN" sz="1900" b="0">
+                <a:solidFill>
+                  <a:srgbClr val="333333"/>
+                </a:solidFill>
+                <a:cs typeface="Helvetica" charset="0"/>
+              </a:rPr>
+              <a:t>可维护性高，可扩展性高</a:t>
+            </a:r>
+            <a:endParaRPr lang="zh-CN" sz="1900" b="0">
+              <a:solidFill>
+                <a:srgbClr val="333333"/>
+              </a:solidFill>
+              <a:cs typeface="Helvetica" charset="0"/>
+            </a:endParaRPr>
+          </a:p>
+          <a:p>
+            <a:pPr indent="0">
+              <a:buFont typeface="Arial" panose="020B0604020202020204" pitchFamily="34" charset="0"/>
+              <a:buNone/>
             </a:pPr>
             <a:r>
-              <a:rPr lang="zh-CN" altLang="en-US"/>
-              <a:t>编写数据库连接池</a:t>
-            </a:r>
-            <a:endParaRPr lang="zh-CN" altLang="en-US"/>
-          </a:p>
-          <a:p>
-            <a:pPr marL="342900" indent="-342900">
-              <a:buAutoNum type="arabicPeriod"/>
-            </a:pPr>
-            <a:r>
-              <a:rPr lang="zh-CN" altLang="en-US"/>
-              <a:t>编写</a:t>
-            </a:r>
-            <a:r>
-              <a:rPr lang="en-US" altLang="zh-CN"/>
-              <a:t>JDBC</a:t>
-            </a:r>
-            <a:r>
-              <a:rPr lang="zh-CN" altLang="en-US"/>
-              <a:t>工具类，简化操作数据库</a:t>
-            </a:r>
-            <a:endParaRPr lang="zh-CN" altLang="en-US"/>
-          </a:p>
-          <a:p>
-            <a:pPr marL="342900" indent="-342900">
-              <a:buAutoNum type="arabicPeriod"/>
-            </a:pPr>
-            <a:r>
-              <a:rPr lang="zh-CN" altLang="en-US"/>
-              <a:t>统一返回结果集</a:t>
-            </a:r>
-            <a:endParaRPr lang="zh-CN" altLang="en-US"/>
-          </a:p>
-          <a:p>
-            <a:pPr marL="342900" indent="-342900">
-              <a:buAutoNum type="arabicPeriod"/>
-            </a:pPr>
-            <a:r>
-              <a:rPr lang="zh-CN" altLang="en-US"/>
-              <a:t>使用常量类和配置文件</a:t>
-            </a:r>
-            <a:endParaRPr lang="zh-CN" altLang="en-US"/>
-          </a:p>
-          <a:p>
-            <a:pPr marL="342900" indent="-342900">
-              <a:buAutoNum type="arabicPeriod"/>
-            </a:pPr>
-            <a:r>
-              <a:rPr lang="zh-CN" altLang="en-US"/>
-              <a:t>使用</a:t>
-            </a:r>
-            <a:r>
-              <a:rPr lang="en-US" altLang="zh-CN"/>
-              <a:t>jwt</a:t>
-            </a:r>
-            <a:r>
-              <a:rPr lang="zh-CN" altLang="en-US"/>
-              <a:t>鉴权认证</a:t>
-            </a:r>
-            <a:endParaRPr lang="zh-CN" altLang="en-US"/>
-          </a:p>
-          <a:p>
-            <a:pPr marL="342900" indent="-342900">
-              <a:buAutoNum type="arabicPeriod"/>
-            </a:pPr>
-            <a:r>
-              <a:rPr lang="zh-CN" altLang="en-US"/>
-              <a:t>使用泛型，简化开发</a:t>
-            </a:r>
-            <a:endParaRPr lang="zh-CN" altLang="en-US"/>
-          </a:p>
-          <a:p>
-            <a:pPr marL="342900" indent="-342900">
-              <a:buAutoNum type="arabicPeriod"/>
-            </a:pPr>
-            <a:r>
-              <a:rPr lang="zh-CN" altLang="en-US"/>
-              <a:t>使用正则表达式校验输入</a:t>
-            </a:r>
-            <a:endParaRPr lang="zh-CN" altLang="en-US"/>
-          </a:p>
-          <a:p>
-            <a:pPr marL="342900" indent="-342900">
-              <a:buAutoNum type="arabicPeriod"/>
-            </a:pPr>
-            <a:r>
-              <a:rPr lang="zh-CN" altLang="en-US"/>
-              <a:t>采用</a:t>
-            </a:r>
-            <a:r>
-              <a:rPr lang="en-US" altLang="zh-CN"/>
-              <a:t>VO</a:t>
-            </a:r>
-            <a:r>
-              <a:rPr lang="zh-CN" altLang="en-US"/>
-              <a:t>、</a:t>
-            </a:r>
-            <a:r>
-              <a:rPr lang="en-US" altLang="zh-CN"/>
-              <a:t>PO</a:t>
-            </a:r>
-            <a:r>
-              <a:rPr lang="zh-CN" altLang="en-US"/>
-              <a:t>等模型</a:t>
-            </a:r>
-            <a:endParaRPr lang="zh-CN" altLang="en-US"/>
-          </a:p>
-          <a:p>
-            <a:pPr marL="342900" indent="-342900">
-              <a:buAutoNum type="arabicPeriod"/>
-            </a:pPr>
-            <a:r>
-              <a:rPr lang="zh-CN" altLang="en-US"/>
-              <a:t>封装</a:t>
-            </a:r>
-            <a:r>
-              <a:rPr lang="en-US" altLang="zh-CN"/>
-              <a:t>BaseServlet</a:t>
-            </a:r>
-            <a:r>
-              <a:rPr lang="zh-CN" altLang="en-US"/>
-              <a:t>类简化开发</a:t>
-            </a:r>
-            <a:endParaRPr lang="zh-CN" altLang="en-US"/>
-          </a:p>
-          <a:p>
-            <a:pPr marL="342900" indent="-342900">
-              <a:buAutoNum type="arabicPeriod"/>
-            </a:pPr>
-            <a:r>
-              <a:rPr lang="zh-CN" altLang="en-US"/>
-              <a:t>实现用户验证码登录，忘记密码等功能</a:t>
-            </a:r>
-            <a:endParaRPr lang="zh-CN" altLang="en-US"/>
-          </a:p>
-          <a:p>
-            <a:pPr marL="342900" indent="-342900">
-              <a:buAutoNum type="arabicPeriod"/>
-            </a:pPr>
-            <a:r>
-              <a:rPr lang="zh-CN" altLang="en-US"/>
-              <a:t>用户敏感信息加密传输，数据库数据加密存储</a:t>
-            </a:r>
-            <a:endParaRPr lang="zh-CN" altLang="en-US"/>
+              <a:rPr lang="en-US" altLang="zh-CN" sz="1900">
+                <a:solidFill>
+                  <a:srgbClr val="333333"/>
+                </a:solidFill>
+                <a:cs typeface="Helvetica" charset="0"/>
+                <a:sym typeface="+mn-ea"/>
+              </a:rPr>
+              <a:t>√</a:t>
+            </a:r>
+            <a:r>
+              <a:rPr lang="zh-CN" sz="1900" b="0">
+                <a:solidFill>
+                  <a:srgbClr val="333333"/>
+                </a:solidFill>
+                <a:cs typeface="Helvetica" charset="0"/>
+              </a:rPr>
+              <a:t>利于开发任务同步进行</a:t>
+            </a:r>
+            <a:r>
+              <a:rPr lang="en-US" sz="1900" b="0">
+                <a:solidFill>
+                  <a:srgbClr val="333333"/>
+                </a:solidFill>
+                <a:latin typeface="等线" panose="02010600030101010101" charset="-122"/>
+                <a:cs typeface="Helvetica" charset="0"/>
+              </a:rPr>
+              <a:t>, </a:t>
+            </a:r>
+            <a:r>
+              <a:rPr lang="zh-CN" sz="1900" b="0">
+                <a:solidFill>
+                  <a:srgbClr val="333333"/>
+                </a:solidFill>
+                <a:cs typeface="Helvetica" charset="0"/>
+              </a:rPr>
+              <a:t>容易适应需求变化</a:t>
+            </a:r>
+            <a:endParaRPr lang="zh-CN" altLang="en-US" sz="1900" b="0">
+              <a:solidFill>
+                <a:srgbClr val="333333"/>
+              </a:solidFill>
+              <a:cs typeface="Helvetica" charset="0"/>
+            </a:endParaRPr>
           </a:p>
         </p:txBody>
       </p:sp>
@@ -11325,9 +17837,104 @@
           <a:chExt cx="0" cy="0"/>
         </a:xfrm>
       </p:grpSpPr>
+      <p:sp>
+        <p:nvSpPr>
+          <p:cNvPr id="2" name="矩形 1"/>
+          <p:cNvSpPr/>
+          <p:nvPr/>
+        </p:nvSpPr>
+        <p:spPr>
+          <a:xfrm>
+            <a:off x="9942286" y="0"/>
+            <a:ext cx="2249715" cy="6858000"/>
+          </a:xfrm>
+          <a:prstGeom prst="rect">
+            <a:avLst/>
+          </a:prstGeom>
+          <a:solidFill>
+            <a:srgbClr val="3843B3"/>
+          </a:solidFill>
+          <a:ln>
+            <a:noFill/>
+          </a:ln>
+        </p:spPr>
+        <p:style>
+          <a:lnRef idx="2">
+            <a:schemeClr val="accent1">
+              <a:shade val="50000"/>
+            </a:schemeClr>
+          </a:lnRef>
+          <a:fillRef idx="1">
+            <a:schemeClr val="accent1"/>
+          </a:fillRef>
+          <a:effectRef idx="0">
+            <a:schemeClr val="accent1"/>
+          </a:effectRef>
+          <a:fontRef idx="minor">
+            <a:schemeClr val="lt1"/>
+          </a:fontRef>
+        </p:style>
+        <p:txBody>
+          <a:bodyPr rtlCol="0" anchor="ctr"/>
+          <a:lstStyle/>
+          <a:p>
+            <a:pPr algn="ctr"/>
+            <a:endParaRPr lang="zh-CN" altLang="en-US" dirty="0">
+              <a:latin typeface="微软雅黑" panose="020B0503020204020204" pitchFamily="34" charset="-122"/>
+              <a:ea typeface="微软雅黑" panose="020B0503020204020204" pitchFamily="34" charset="-122"/>
+            </a:endParaRPr>
+          </a:p>
+        </p:txBody>
+      </p:sp>
+      <p:sp>
+        <p:nvSpPr>
+          <p:cNvPr id="3" name="文本框 2"/>
+          <p:cNvSpPr txBox="1"/>
+          <p:nvPr/>
+        </p:nvSpPr>
+        <p:spPr>
+          <a:xfrm>
+            <a:off x="1425004" y="509861"/>
+            <a:ext cx="2656459" cy="460375"/>
+          </a:xfrm>
+          <a:prstGeom prst="rect">
+            <a:avLst/>
+          </a:prstGeom>
+          <a:noFill/>
+        </p:spPr>
+        <p:txBody>
+          <a:bodyPr wrap="square" rtlCol="0">
+            <a:spAutoFit/>
+          </a:bodyPr>
+          <a:lstStyle/>
+          <a:p>
+            <a:r>
+              <a:rPr lang="zh-CN" sz="2400" b="1" dirty="0">
+                <a:solidFill>
+                  <a:schemeClr val="bg2">
+                    <a:lumMod val="25000"/>
+                  </a:schemeClr>
+                </a:solidFill>
+                <a:latin typeface="微软雅黑" panose="020B0503020204020204" pitchFamily="34" charset="-122"/>
+                <a:ea typeface="微软雅黑" panose="020B0503020204020204" pitchFamily="34" charset="-122"/>
+              </a:rPr>
+              <a:t>项目亮点</a:t>
+            </a:r>
+            <a:endParaRPr lang="zh-CN" sz="2400" b="1" dirty="0">
+              <a:solidFill>
+                <a:schemeClr val="bg2">
+                  <a:lumMod val="25000"/>
+                </a:schemeClr>
+              </a:solidFill>
+              <a:latin typeface="微软雅黑" panose="020B0503020204020204" pitchFamily="34" charset="-122"/>
+              <a:ea typeface="微软雅黑" panose="020B0503020204020204" pitchFamily="34" charset="-122"/>
+            </a:endParaRPr>
+          </a:p>
+        </p:txBody>
+      </p:sp>
       <p:pic>
         <p:nvPicPr>
-          <p:cNvPr id="11" name="图形 10"/>
+          <p:cNvPr id="4" name="图形 3"/>
           <p:cNvPicPr>
             <a:picLocks noChangeAspect="1"/>
           </p:cNvPicPr>
@@ -11350,8 +17957,8 @@
         </p:blipFill>
         <p:spPr>
           <a:xfrm>
-            <a:off x="3457074" y="629136"/>
-            <a:ext cx="5277852" cy="5445404"/>
+            <a:off x="10516998" y="420430"/>
+            <a:ext cx="1068278" cy="1102192"/>
           </a:xfrm>
           <a:prstGeom prst="rect">
             <a:avLst/>
@@ -11360,22 +17967,22 @@
       </p:pic>
       <p:sp>
         <p:nvSpPr>
-          <p:cNvPr id="3" name="矩形 2"/>
+          <p:cNvPr id="6" name="椭圆 5"/>
           <p:cNvSpPr/>
           <p:nvPr/>
         </p:nvSpPr>
         <p:spPr>
-          <a:xfrm flipV="1">
-            <a:off x="0" y="3667956"/>
-            <a:ext cx="12192000" cy="3190043"/>
-          </a:xfrm>
-          <a:prstGeom prst="rect">
+          <a:xfrm>
+            <a:off x="968457" y="577043"/>
+            <a:ext cx="327299" cy="327299"/>
+          </a:xfrm>
+          <a:prstGeom prst="ellipse">
             <a:avLst/>
           </a:prstGeom>
           <a:solidFill>
             <a:srgbClr val="3843B3"/>
           </a:solidFill>
-          <a:ln>
+          <a:ln w="53975">
             <a:noFill/>
           </a:ln>
         </p:spPr>
@@ -11399,82 +18006,24 @@
           <a:bodyPr rtlCol="0" anchor="ctr"/>
           <a:lstStyle/>
           <a:p>
-            <a:pPr marL="0" marR="0" lvl="0" indent="0" algn="ctr" defTabSz="914400" rtl="0" eaLnBrk="1" fontAlgn="auto" latinLnBrk="0" hangingPunct="1">
-              <a:lnSpc>
-                <a:spcPct val="100000"/>
-              </a:lnSpc>
-              <a:spcBef>
-                <a:spcPts val="0"/>
-              </a:spcBef>
-              <a:spcAft>
-                <a:spcPts val="0"/>
-              </a:spcAft>
-              <a:buClrTx/>
-              <a:buSzTx/>
-              <a:buFontTx/>
-              <a:buNone/>
-              <a:defRPr/>
-            </a:pPr>
-            <a:endParaRPr kumimoji="0" lang="zh-CN" altLang="en-US" sz="1800" b="0" i="0" u="none" strike="noStrike" kern="1200" cap="none" spc="0" normalizeH="0" baseline="0" noProof="0">
-              <a:ln>
-                <a:noFill/>
-              </a:ln>
-              <a:solidFill>
-                <a:prstClr val="white"/>
-              </a:solidFill>
-              <a:effectLst/>
-              <a:uLnTx/>
-              <a:uFillTx/>
-              <a:latin typeface="Sitka Text"/>
-              <a:ea typeface="微软雅黑 Light" panose="020B0502040204020203" charset="-122"/>
-              <a:cs typeface="+mn-cs"/>
+            <a:pPr algn="ctr"/>
+            <a:endParaRPr lang="zh-CN" altLang="en-US" sz="1400" b="1" dirty="0">
+              <a:latin typeface="微软雅黑" panose="020B0503020204020204" pitchFamily="34" charset="-122"/>
+              <a:ea typeface="微软雅黑" panose="020B0503020204020204" pitchFamily="34" charset="-122"/>
             </a:endParaRPr>
           </a:p>
         </p:txBody>
       </p:sp>
-      <p:pic>
-        <p:nvPicPr>
-          <p:cNvPr id="13" name="图形 12"/>
-          <p:cNvPicPr>
-            <a:picLocks noChangeAspect="1"/>
-          </p:cNvPicPr>
-          <p:nvPr/>
-        </p:nvPicPr>
-        <p:blipFill>
-          <a:blip r:embed="rId3">
-            <a:extLst>
-              <a:ext uri="{28A0092B-C50C-407E-A947-70E740481C1C}">
-                <a14:useLocalDpi xmlns:a14="http://schemas.microsoft.com/office/drawing/2010/main" val="0"/>
-              </a:ext>
-              <a:ext uri="{96DAC541-7B7A-43D3-8B79-37D633B846F1}">
-                <asvg:svgBlip xmlns:asvg="http://schemas.microsoft.com/office/drawing/2016/SVG/main" r:embed="rId4"/>
-              </a:ext>
-            </a:extLst>
-          </a:blip>
-          <a:stretch>
-            <a:fillRect/>
-          </a:stretch>
-        </p:blipFill>
-        <p:spPr>
-          <a:xfrm>
-            <a:off x="3457074" y="680577"/>
-            <a:ext cx="5277852" cy="5445404"/>
-          </a:xfrm>
-          <a:prstGeom prst="rect">
-            <a:avLst/>
-          </a:prstGeom>
-        </p:spPr>
-      </p:pic>
-      <p:sp>
-        <p:nvSpPr>
-          <p:cNvPr id="2" name="文本框 1"/>
+      <p:sp>
+        <p:nvSpPr>
+          <p:cNvPr id="8" name="文本框 7"/>
           <p:cNvSpPr txBox="1"/>
           <p:nvPr/>
         </p:nvSpPr>
         <p:spPr>
           <a:xfrm>
-            <a:off x="4341809" y="2836949"/>
-            <a:ext cx="3508381" cy="923330"/>
+            <a:off x="10152185" y="3543898"/>
+            <a:ext cx="1787029" cy="460375"/>
           </a:xfrm>
           <a:prstGeom prst="rect">
             <a:avLst/>
@@ -11487,20 +18036,19 @@
           </a:bodyPr>
           <a:lstStyle/>
           <a:p>
-            <a:pPr algn="dist"/>
-            <a:r>
-              <a:rPr lang="zh-CN" altLang="en-US" sz="5400" b="1" dirty="0">
+            <a:r>
+              <a:rPr lang="zh-CN" sz="2400" dirty="0">
                 <a:solidFill>
-                  <a:srgbClr val="3843B3"/>
+                  <a:schemeClr val="bg1"/>
                 </a:solidFill>
                 <a:latin typeface="微软雅黑" panose="020B0503020204020204" pitchFamily="34" charset="-122"/>
                 <a:ea typeface="微软雅黑" panose="020B0503020204020204" pitchFamily="34" charset="-122"/>
               </a:rPr>
-              <a:t>感谢聆听</a:t>
-            </a:r>
-            <a:endParaRPr lang="zh-CN" altLang="en-US" sz="5400" b="1" dirty="0">
+              <a:t>项目亮点</a:t>
+            </a:r>
+            <a:endParaRPr lang="zh-CN" sz="2400" dirty="0">
               <a:solidFill>
-                <a:srgbClr val="3843B3"/>
+                <a:schemeClr val="bg1"/>
               </a:solidFill>
               <a:latin typeface="微软雅黑" panose="020B0503020204020204" pitchFamily="34" charset="-122"/>
               <a:ea typeface="微软雅黑" panose="020B0503020204020204" pitchFamily="34" charset="-122"/>
@@ -11510,14 +18058,106 @@
       </p:sp>
       <p:sp>
         <p:nvSpPr>
+          <p:cNvPr id="9" name="文本框 8"/>
+          <p:cNvSpPr txBox="1"/>
+          <p:nvPr/>
+        </p:nvSpPr>
+        <p:spPr>
+          <a:xfrm>
+            <a:off x="10152185" y="2963349"/>
+            <a:ext cx="1787029" cy="460375"/>
+          </a:xfrm>
+          <a:prstGeom prst="rect">
+            <a:avLst/>
+          </a:prstGeom>
+          <a:noFill/>
+        </p:spPr>
+        <p:txBody>
+          <a:bodyPr wrap="square" rtlCol="0">
+            <a:spAutoFit/>
+          </a:bodyPr>
+          <a:lstStyle/>
+          <a:p>
+            <a:r>
+              <a:rPr lang="zh-CN" sz="2400" dirty="0">
+                <a:solidFill>
+                  <a:schemeClr val="bg1">
+                    <a:lumMod val="65000"/>
+                  </a:schemeClr>
+                </a:solidFill>
+                <a:latin typeface="微软雅黑" panose="020B0503020204020204" pitchFamily="34" charset="-122"/>
+                <a:ea typeface="微软雅黑" panose="020B0503020204020204" pitchFamily="34" charset="-122"/>
+              </a:rPr>
+              <a:t>项目功能</a:t>
+            </a:r>
+            <a:endParaRPr lang="zh-CN" sz="2400" dirty="0">
+              <a:solidFill>
+                <a:schemeClr val="bg1">
+                  <a:lumMod val="65000"/>
+                </a:schemeClr>
+              </a:solidFill>
+              <a:latin typeface="微软雅黑" panose="020B0503020204020204" pitchFamily="34" charset="-122"/>
+              <a:ea typeface="微软雅黑" panose="020B0503020204020204" pitchFamily="34" charset="-122"/>
+            </a:endParaRPr>
+          </a:p>
+        </p:txBody>
+      </p:sp>
+      <p:sp>
+        <p:nvSpPr>
+          <p:cNvPr id="10" name="文本框 9"/>
+          <p:cNvSpPr txBox="1"/>
+          <p:nvPr/>
+        </p:nvSpPr>
+        <p:spPr>
+          <a:xfrm>
+            <a:off x="10152673" y="2383435"/>
+            <a:ext cx="1787029" cy="460375"/>
+          </a:xfrm>
+          <a:prstGeom prst="rect">
+            <a:avLst/>
+          </a:prstGeom>
+          <a:noFill/>
+        </p:spPr>
+        <p:txBody>
+          <a:bodyPr wrap="square" rtlCol="0">
+            <a:spAutoFit/>
+          </a:bodyPr>
+          <a:lstStyle/>
+          <a:p>
+            <a:r>
+              <a:rPr lang="zh-CN" sz="2400" dirty="0">
+                <a:solidFill>
+                  <a:schemeClr val="bg1">
+                    <a:lumMod val="65000"/>
+                  </a:schemeClr>
+                </a:solidFill>
+                <a:latin typeface="微软雅黑" panose="020B0503020204020204" pitchFamily="34" charset="-122"/>
+                <a:ea typeface="微软雅黑" panose="020B0503020204020204" pitchFamily="34" charset="-122"/>
+              </a:rPr>
+              <a:t>项目介绍</a:t>
+            </a:r>
+            <a:endParaRPr lang="zh-CN" sz="2400" dirty="0">
+              <a:solidFill>
+                <a:schemeClr val="bg1">
+                  <a:lumMod val="65000"/>
+                </a:schemeClr>
+              </a:solidFill>
+              <a:latin typeface="微软雅黑" panose="020B0503020204020204" pitchFamily="34" charset="-122"/>
+              <a:ea typeface="微软雅黑" panose="020B0503020204020204" pitchFamily="34" charset="-122"/>
+            </a:endParaRPr>
+          </a:p>
+        </p:txBody>
+      </p:sp>
+      <p:sp>
+        <p:nvSpPr>
           <p:cNvPr id="12" name="文本框 11"/>
           <p:cNvSpPr txBox="1"/>
           <p:nvPr/>
         </p:nvSpPr>
         <p:spPr>
           <a:xfrm>
-            <a:off x="4341809" y="3707963"/>
-            <a:ext cx="3508381" cy="400110"/>
+            <a:off x="13160668" y="4205567"/>
+            <a:ext cx="1787029" cy="461665"/>
           </a:xfrm>
           <a:prstGeom prst="rect">
             <a:avLst/>
@@ -11530,29 +18170,341 @@
           </a:bodyPr>
           <a:lstStyle/>
           <a:p>
-            <a:pPr algn="dist"/>
-            <a:r>
-              <a:rPr lang="en-US" altLang="zh-CN" sz="2000" b="1" dirty="0">
-                <a:ln>
-                  <a:solidFill>
-                    <a:schemeClr val="bg1"/>
-                  </a:solidFill>
-                </a:ln>
-                <a:noFill/>
-                <a:latin typeface="Novecento wide Bold" panose="00000805000000000000" pitchFamily="50" charset="0"/>
-                <a:ea typeface="思源黑体 Medium" panose="020B0600000000000000" pitchFamily="34" charset="-122"/>
+            <a:r>
+              <a:rPr lang="zh-CN" altLang="en-US" sz="2400" dirty="0">
+                <a:solidFill>
+                  <a:schemeClr val="bg1">
+                    <a:lumMod val="65000"/>
+                  </a:schemeClr>
+                </a:solidFill>
+                <a:latin typeface="微软雅黑" panose="020B0503020204020204" pitchFamily="34" charset="-122"/>
+                <a:ea typeface="微软雅黑" panose="020B0503020204020204" pitchFamily="34" charset="-122"/>
               </a:rPr>
-              <a:t>Thanks for listening</a:t>
-            </a:r>
-            <a:endParaRPr lang="zh-CN" altLang="en-US" sz="2000" b="1" dirty="0">
-              <a:ln>
+              <a:t>汇报题目</a:t>
+            </a:r>
+            <a:r>
+              <a:rPr lang="en-US" altLang="zh-CN" sz="2400" dirty="0">
                 <a:solidFill>
-                  <a:schemeClr val="bg1"/>
+                  <a:schemeClr val="bg1">
+                    <a:lumMod val="65000"/>
+                  </a:schemeClr>
                 </a:solidFill>
-              </a:ln>
-              <a:noFill/>
-              <a:latin typeface="Novecento wide Bold" panose="00000805000000000000" pitchFamily="50" charset="0"/>
-              <a:ea typeface="思源黑体 Medium" panose="020B0600000000000000" pitchFamily="34" charset="-122"/>
+                <a:latin typeface="微软雅黑" panose="020B0503020204020204" pitchFamily="34" charset="-122"/>
+                <a:ea typeface="微软雅黑" panose="020B0503020204020204" pitchFamily="34" charset="-122"/>
+              </a:rPr>
+              <a:t>5</a:t>
+            </a:r>
+            <a:endParaRPr lang="zh-CN" altLang="en-US" sz="2400" dirty="0">
+              <a:solidFill>
+                <a:schemeClr val="bg1">
+                  <a:lumMod val="65000"/>
+                </a:schemeClr>
+              </a:solidFill>
+              <a:latin typeface="微软雅黑" panose="020B0503020204020204" pitchFamily="34" charset="-122"/>
+              <a:ea typeface="微软雅黑" panose="020B0503020204020204" pitchFamily="34" charset="-122"/>
+            </a:endParaRPr>
+          </a:p>
+        </p:txBody>
+      </p:sp>
+      <p:sp>
+        <p:nvSpPr>
+          <p:cNvPr id="5" name="文本框 4"/>
+          <p:cNvSpPr txBox="1"/>
+          <p:nvPr/>
+        </p:nvSpPr>
+        <p:spPr>
+          <a:xfrm>
+            <a:off x="1094740" y="1348740"/>
+            <a:ext cx="6070600" cy="368300"/>
+          </a:xfrm>
+          <a:prstGeom prst="rect">
+            <a:avLst/>
+          </a:prstGeom>
+          <a:noFill/>
+        </p:spPr>
+        <p:txBody>
+          <a:bodyPr wrap="square" rtlCol="0">
+            <a:spAutoFit/>
+          </a:bodyPr>
+          <a:p>
+            <a:pPr indent="0">
+              <a:buNone/>
+            </a:pPr>
+            <a:r>
+              <a:rPr lang="en-US" altLang="zh-CN">
+                <a:latin typeface="宋体" panose="02010600030101010101" pitchFamily="2" charset="-122"/>
+                <a:ea typeface="宋体" panose="02010600030101010101" pitchFamily="2" charset="-122"/>
+                <a:cs typeface="宋体" panose="02010600030101010101" pitchFamily="2" charset="-122"/>
+              </a:rPr>
+              <a:t>2. </a:t>
+            </a:r>
+            <a:r>
+              <a:rPr lang="zh-CN" altLang="en-US">
+                <a:latin typeface="宋体" panose="02010600030101010101" pitchFamily="2" charset="-122"/>
+                <a:ea typeface="宋体" panose="02010600030101010101" pitchFamily="2" charset="-122"/>
+                <a:cs typeface="宋体" panose="02010600030101010101" pitchFamily="2" charset="-122"/>
+              </a:rPr>
+              <a:t>运用反射，提高开发效率</a:t>
+            </a:r>
+            <a:endParaRPr lang="zh-CN" altLang="en-US">
+              <a:latin typeface="宋体" panose="02010600030101010101" pitchFamily="2" charset="-122"/>
+              <a:ea typeface="宋体" panose="02010600030101010101" pitchFamily="2" charset="-122"/>
+              <a:cs typeface="宋体" panose="02010600030101010101" pitchFamily="2" charset="-122"/>
+            </a:endParaRPr>
+          </a:p>
+        </p:txBody>
+      </p:sp>
+      <p:sp>
+        <p:nvSpPr>
+          <p:cNvPr id="7" name="文本框 6"/>
+          <p:cNvSpPr txBox="1"/>
+          <p:nvPr/>
+        </p:nvSpPr>
+        <p:spPr>
+          <a:xfrm>
+            <a:off x="1362075" y="1803400"/>
+            <a:ext cx="6096000" cy="645160"/>
+          </a:xfrm>
+          <a:prstGeom prst="rect">
+            <a:avLst/>
+          </a:prstGeom>
+          <a:noFill/>
+        </p:spPr>
+        <p:txBody>
+          <a:bodyPr wrap="square" rtlCol="0" anchor="t">
+            <a:spAutoFit/>
+          </a:bodyPr>
+          <a:p>
+            <a:pPr marL="285750" indent="-285750">
+              <a:buFont typeface="Wingdings" panose="05000000000000000000" charset="0"/>
+              <a:buChar char="ü"/>
+            </a:pPr>
+            <a:r>
+              <a:rPr lang="zh-CN" altLang="en-US">
+                <a:latin typeface="宋体" panose="02010600030101010101" pitchFamily="2" charset="-122"/>
+                <a:ea typeface="宋体" panose="02010600030101010101" pitchFamily="2" charset="-122"/>
+              </a:rPr>
+              <a:t>增加程序的灵活性，避免将程序写死到代码里</a:t>
+            </a:r>
+            <a:endParaRPr lang="zh-CN" altLang="en-US">
+              <a:latin typeface="宋体" panose="02010600030101010101" pitchFamily="2" charset="-122"/>
+              <a:ea typeface="宋体" panose="02010600030101010101" pitchFamily="2" charset="-122"/>
+            </a:endParaRPr>
+          </a:p>
+          <a:p>
+            <a:pPr marL="285750" indent="-285750">
+              <a:buFont typeface="Wingdings" panose="05000000000000000000" charset="0"/>
+              <a:buChar char="ü"/>
+            </a:pPr>
+            <a:r>
+              <a:rPr lang="zh-CN" altLang="en-US">
+                <a:latin typeface="宋体" panose="02010600030101010101" pitchFamily="2" charset="-122"/>
+                <a:ea typeface="宋体" panose="02010600030101010101" pitchFamily="2" charset="-122"/>
+              </a:rPr>
+              <a:t>代码简洁，提高代码的复用率，外部调用方便</a:t>
+            </a:r>
+            <a:endParaRPr lang="zh-CN" altLang="en-US">
+              <a:latin typeface="宋体" panose="02010600030101010101" pitchFamily="2" charset="-122"/>
+              <a:ea typeface="宋体" panose="02010600030101010101" pitchFamily="2" charset="-122"/>
+            </a:endParaRPr>
+          </a:p>
+        </p:txBody>
+      </p:sp>
+      <p:sp>
+        <p:nvSpPr>
+          <p:cNvPr id="11" name="文本框 10"/>
+          <p:cNvSpPr txBox="1"/>
+          <p:nvPr>
+            <p:custDataLst>
+              <p:tags r:id="rId3"/>
+            </p:custDataLst>
+          </p:nvPr>
+        </p:nvSpPr>
+        <p:spPr>
+          <a:xfrm>
+            <a:off x="1094740" y="3135630"/>
+            <a:ext cx="6070600" cy="2306955"/>
+          </a:xfrm>
+          <a:prstGeom prst="rect">
+            <a:avLst/>
+          </a:prstGeom>
+          <a:noFill/>
+        </p:spPr>
+        <p:txBody>
+          <a:bodyPr wrap="square" rtlCol="0">
+            <a:spAutoFit/>
+          </a:bodyPr>
+          <a:p>
+            <a:pPr indent="0">
+              <a:buNone/>
+            </a:pPr>
+            <a:r>
+              <a:rPr lang="en-US" altLang="zh-CN">
+                <a:latin typeface="宋体" panose="02010600030101010101" pitchFamily="2" charset="-122"/>
+                <a:ea typeface="宋体" panose="02010600030101010101" pitchFamily="2" charset="-122"/>
+                <a:cs typeface="宋体" panose="02010600030101010101" pitchFamily="2" charset="-122"/>
+              </a:rPr>
+              <a:t>3. </a:t>
+            </a:r>
+            <a:r>
+              <a:rPr lang="zh-CN" altLang="en-US">
+                <a:latin typeface="宋体" panose="02010600030101010101" pitchFamily="2" charset="-122"/>
+                <a:ea typeface="宋体" panose="02010600030101010101" pitchFamily="2" charset="-122"/>
+                <a:cs typeface="宋体" panose="02010600030101010101" pitchFamily="2" charset="-122"/>
+              </a:rPr>
+              <a:t>编写数据库连接池</a:t>
+            </a:r>
+            <a:endParaRPr lang="zh-CN" altLang="en-US">
+              <a:latin typeface="宋体" panose="02010600030101010101" pitchFamily="2" charset="-122"/>
+              <a:ea typeface="宋体" panose="02010600030101010101" pitchFamily="2" charset="-122"/>
+              <a:cs typeface="宋体" panose="02010600030101010101" pitchFamily="2" charset="-122"/>
+            </a:endParaRPr>
+          </a:p>
+          <a:p>
+            <a:pPr marL="285750" indent="-285750">
+              <a:buFont typeface="Wingdings" panose="05000000000000000000" charset="0"/>
+              <a:buChar char="ü"/>
+            </a:pPr>
+            <a:r>
+              <a:rPr lang="zh-CN" altLang="en-US">
+                <a:latin typeface="宋体" panose="02010600030101010101" pitchFamily="2" charset="-122"/>
+                <a:ea typeface="宋体" panose="02010600030101010101" pitchFamily="2" charset="-122"/>
+                <a:cs typeface="宋体" panose="02010600030101010101" pitchFamily="2" charset="-122"/>
+              </a:rPr>
+              <a:t>实现资源重用</a:t>
+            </a:r>
+            <a:endParaRPr lang="zh-CN" altLang="en-US">
+              <a:latin typeface="宋体" panose="02010600030101010101" pitchFamily="2" charset="-122"/>
+              <a:ea typeface="宋体" panose="02010600030101010101" pitchFamily="2" charset="-122"/>
+              <a:cs typeface="宋体" panose="02010600030101010101" pitchFamily="2" charset="-122"/>
+            </a:endParaRPr>
+          </a:p>
+          <a:p>
+            <a:pPr marL="285750" indent="-285750">
+              <a:buFont typeface="Wingdings" panose="05000000000000000000" charset="0"/>
+              <a:buChar char="ü"/>
+            </a:pPr>
+            <a:r>
+              <a:rPr lang="zh-CN" altLang="en-US">
+                <a:latin typeface="宋体" panose="02010600030101010101" pitchFamily="2" charset="-122"/>
+                <a:ea typeface="宋体" panose="02010600030101010101" pitchFamily="2" charset="-122"/>
+                <a:cs typeface="宋体" panose="02010600030101010101" pitchFamily="2" charset="-122"/>
+              </a:rPr>
+              <a:t>同时具有更快的响应速度</a:t>
+            </a:r>
+            <a:endParaRPr lang="zh-CN" altLang="en-US">
+              <a:latin typeface="宋体" panose="02010600030101010101" pitchFamily="2" charset="-122"/>
+              <a:ea typeface="宋体" panose="02010600030101010101" pitchFamily="2" charset="-122"/>
+              <a:cs typeface="宋体" panose="02010600030101010101" pitchFamily="2" charset="-122"/>
+            </a:endParaRPr>
+          </a:p>
+          <a:p>
+            <a:pPr marL="285750" indent="-285750">
+              <a:buFont typeface="Wingdings" panose="05000000000000000000" charset="0"/>
+              <a:buChar char="ü"/>
+            </a:pPr>
+            <a:r>
+              <a:rPr lang="zh-CN" altLang="en-US">
+                <a:latin typeface="宋体" panose="02010600030101010101" pitchFamily="2" charset="-122"/>
+                <a:ea typeface="宋体" panose="02010600030101010101" pitchFamily="2" charset="-122"/>
+                <a:cs typeface="宋体" panose="02010600030101010101" pitchFamily="2" charset="-122"/>
+              </a:rPr>
+              <a:t>大大提高程序运行效率</a:t>
+            </a:r>
+            <a:endParaRPr lang="zh-CN" altLang="en-US">
+              <a:latin typeface="宋体" panose="02010600030101010101" pitchFamily="2" charset="-122"/>
+              <a:ea typeface="宋体" panose="02010600030101010101" pitchFamily="2" charset="-122"/>
+              <a:cs typeface="宋体" panose="02010600030101010101" pitchFamily="2" charset="-122"/>
+            </a:endParaRPr>
+          </a:p>
+          <a:p>
+            <a:pPr indent="457200">
+              <a:buNone/>
+            </a:pPr>
+            <a:endParaRPr lang="zh-CN" altLang="en-US">
+              <a:latin typeface="宋体" panose="02010600030101010101" pitchFamily="2" charset="-122"/>
+              <a:ea typeface="宋体" panose="02010600030101010101" pitchFamily="2" charset="-122"/>
+              <a:cs typeface="宋体" panose="02010600030101010101" pitchFamily="2" charset="-122"/>
+            </a:endParaRPr>
+          </a:p>
+          <a:p>
+            <a:pPr indent="0">
+              <a:buNone/>
+            </a:pPr>
+            <a:r>
+              <a:rPr lang="en-US" altLang="zh-CN">
+                <a:latin typeface="宋体" panose="02010600030101010101" pitchFamily="2" charset="-122"/>
+                <a:ea typeface="宋体" panose="02010600030101010101" pitchFamily="2" charset="-122"/>
+                <a:cs typeface="宋体" panose="02010600030101010101" pitchFamily="2" charset="-122"/>
+              </a:rPr>
+              <a:t>4. </a:t>
+            </a:r>
+            <a:r>
+              <a:rPr lang="zh-CN" altLang="en-US">
+                <a:latin typeface="宋体" panose="02010600030101010101" pitchFamily="2" charset="-122"/>
+                <a:ea typeface="宋体" panose="02010600030101010101" pitchFamily="2" charset="-122"/>
+                <a:cs typeface="宋体" panose="02010600030101010101" pitchFamily="2" charset="-122"/>
+              </a:rPr>
+              <a:t>编写</a:t>
+            </a:r>
+            <a:r>
+              <a:rPr lang="en-US" altLang="zh-CN">
+                <a:latin typeface="宋体" panose="02010600030101010101" pitchFamily="2" charset="-122"/>
+                <a:ea typeface="宋体" panose="02010600030101010101" pitchFamily="2" charset="-122"/>
+                <a:cs typeface="宋体" panose="02010600030101010101" pitchFamily="2" charset="-122"/>
+              </a:rPr>
+              <a:t>JDBC</a:t>
+            </a:r>
+            <a:r>
+              <a:rPr lang="zh-CN" altLang="en-US">
+                <a:latin typeface="宋体" panose="02010600030101010101" pitchFamily="2" charset="-122"/>
+                <a:ea typeface="宋体" panose="02010600030101010101" pitchFamily="2" charset="-122"/>
+                <a:cs typeface="宋体" panose="02010600030101010101" pitchFamily="2" charset="-122"/>
+              </a:rPr>
+              <a:t>工具类，简化操作数据库</a:t>
+            </a:r>
+            <a:endParaRPr lang="zh-CN" altLang="en-US">
+              <a:latin typeface="宋体" panose="02010600030101010101" pitchFamily="2" charset="-122"/>
+              <a:ea typeface="宋体" panose="02010600030101010101" pitchFamily="2" charset="-122"/>
+              <a:cs typeface="宋体" panose="02010600030101010101" pitchFamily="2" charset="-122"/>
+            </a:endParaRPr>
+          </a:p>
+          <a:p>
+            <a:pPr marL="285750" indent="-285750">
+              <a:buFont typeface="Wingdings" panose="05000000000000000000" charset="0"/>
+              <a:buChar char="ü"/>
+            </a:pPr>
+            <a:r>
+              <a:rPr lang="zh-CN" altLang="en-US">
+                <a:latin typeface="宋体" panose="02010600030101010101" pitchFamily="2" charset="-122"/>
+                <a:ea typeface="宋体" panose="02010600030101010101" pitchFamily="2" charset="-122"/>
+                <a:cs typeface="宋体" panose="02010600030101010101" pitchFamily="2" charset="-122"/>
+              </a:rPr>
+              <a:t>便于重复使用和精简代码</a:t>
+            </a:r>
+            <a:endParaRPr lang="zh-CN" altLang="en-US">
+              <a:latin typeface="宋体" panose="02010600030101010101" pitchFamily="2" charset="-122"/>
+              <a:ea typeface="宋体" panose="02010600030101010101" pitchFamily="2" charset="-122"/>
+              <a:cs typeface="宋体" panose="02010600030101010101" pitchFamily="2" charset="-122"/>
+            </a:endParaRPr>
+          </a:p>
+          <a:p>
+            <a:pPr marL="285750" indent="-285750">
+              <a:buFont typeface="Wingdings" panose="05000000000000000000" charset="0"/>
+              <a:buChar char="ü"/>
+            </a:pPr>
+            <a:r>
+              <a:rPr lang="zh-CN" altLang="en-US">
+                <a:latin typeface="宋体" panose="02010600030101010101" pitchFamily="2" charset="-122"/>
+                <a:ea typeface="宋体" panose="02010600030101010101" pitchFamily="2" charset="-122"/>
+                <a:cs typeface="宋体" panose="02010600030101010101" pitchFamily="2" charset="-122"/>
+              </a:rPr>
+              <a:t>大大提高开发效率</a:t>
+            </a:r>
+            <a:endParaRPr lang="zh-CN" altLang="en-US">
+              <a:latin typeface="宋体" panose="02010600030101010101" pitchFamily="2" charset="-122"/>
+              <a:ea typeface="宋体" panose="02010600030101010101" pitchFamily="2" charset="-122"/>
+              <a:cs typeface="宋体" panose="02010600030101010101" pitchFamily="2" charset="-122"/>
             </a:endParaRPr>
           </a:p>
         </p:txBody>
@@ -11562,15 +18514,15 @@
   <p:clrMapOvr>
     <a:masterClrMapping/>
   </p:clrMapOvr>
-  <mc:AlternateContent xmlns:mc="http://schemas.openxmlformats.org/markup-compatibility/2006">
-    <mc:Choice xmlns:p14="http://schemas.microsoft.com/office/powerpoint/2010/main" Requires="p14">
-      <p:transition spd="slow" p14:dur="1000">
-        <p:wipe/>
+  <mc:AlternateContent xmlns:mc="http://schemas.openxmlformats.org/markup-compatibility/2006" xmlns:p159="http://schemas.microsoft.com/office/powerpoint/2015/09/main">
+    <mc:Choice Requires="p159">
+      <p:transition xmlns:p14="http://schemas.microsoft.com/office/powerpoint/2010/main" spd="slow" p14:dur="1250">
+        <p159:morph option="byObject"/>
       </p:transition>
     </mc:Choice>
     <mc:Fallback>
       <p:transition spd="slow">
-        <p:wipe/>
+        <p:fade/>
       </p:transition>
     </mc:Fallback>
   </mc:AlternateContent>
@@ -11578,6 +18530,25 @@
 </file>
 
 <file path=ppt/tags/tag1.xml><?xml version="1.0" encoding="utf-8"?>
+<p:tagLst xmlns:p="http://schemas.openxmlformats.org/presentationml/2006/main">
+  <p:tag name="KSO_WM_BEAUTIFY_FLAG" val=""/>
+  <p:tag name="KSO_WM_UNIT_PLACING_PICTURE_USER_VIEWPORT" val="{&quot;height&quot;:8146,&quot;width&quot;:15476}"/>
+</p:tagLst>
+</file>
+
+<file path=ppt/tags/tag2.xml><?xml version="1.0" encoding="utf-8"?>
+<p:tagLst xmlns:p="http://schemas.openxmlformats.org/presentationml/2006/main">
+  <p:tag name="KSO_WM_BEAUTIFY_FLAG" val=""/>
+</p:tagLst>
+</file>
+
+<file path=ppt/tags/tag3.xml><?xml version="1.0" encoding="utf-8"?>
+<p:tagLst xmlns:p="http://schemas.openxmlformats.org/presentationml/2006/main">
+  <p:tag name="KSO_WM_BEAUTIFY_FLAG" val=""/>
+</p:tagLst>
+</file>
+
+<file path=ppt/tags/tag4.xml><?xml version="1.0" encoding="utf-8"?>
 <p:tagLst xmlns:p="http://schemas.openxmlformats.org/presentationml/2006/main">
   <p:tag name="KSO_WPP_MARK_KEY" val="82d6fea6-52b4-4331-8b5f-0fecd7c80248"/>
   <p:tag name="COMMONDATA" val="eyJoZGlkIjoiMGQ2OWEzZTI2YjAwMzgzYzViY2YyMjIxMzk1MjZjMzgifQ=="/>
